--- a/ProyectoMant/Presentation.pptx
+++ b/ProyectoMant/Presentation.pptx
@@ -4061,7 +4061,7 @@
       </p:grpSpPr>
       <p:cxnSp>
         <p:nvCxnSpPr>
-          <p:cNvPr id="21" name="Straight Connector 20">
+          <p:cNvPr id="1031" name="Straight Connector 1030">
             <a:extLst>
               <a:ext uri="{FF2B5EF4-FFF2-40B4-BE49-F238E27FC236}">
                 <a16:creationId xmlns:a16="http://schemas.microsoft.com/office/drawing/2014/main" id="{F64F9B95-9045-48D2-B9F3-2927E98F54AA}"/>
@@ -4113,7 +4113,7 @@
       </p:cxnSp>
       <p:cxnSp>
         <p:nvCxnSpPr>
-          <p:cNvPr id="33" name="Straight Connector 32">
+          <p:cNvPr id="1033" name="Straight Connector 1032">
             <a:extLst>
               <a:ext uri="{FF2B5EF4-FFF2-40B4-BE49-F238E27FC236}">
                 <a16:creationId xmlns:a16="http://schemas.microsoft.com/office/drawing/2014/main" id="{085AA86F-6A4D-4BCB-A045-D992CDC2959B}"/>
@@ -4165,10 +4165,10 @@
       </p:cxnSp>
       <p:sp useBgFill="1">
         <p:nvSpPr>
-          <p:cNvPr id="34" name="Rectangle 33">
-            <a:extLst>
-              <a:ext uri="{FF2B5EF4-FFF2-40B4-BE49-F238E27FC236}">
-                <a16:creationId xmlns:a16="http://schemas.microsoft.com/office/drawing/2014/main" id="{DEF92653-5D6D-47E6-8744-0DAF76E049C4}"/>
+          <p:cNvPr id="1035" name="Rectangle 1034">
+            <a:extLst>
+              <a:ext uri="{FF2B5EF4-FFF2-40B4-BE49-F238E27FC236}">
+                <a16:creationId xmlns:a16="http://schemas.microsoft.com/office/drawing/2014/main" id="{33E93247-6229-44AB-A550-739E971E690B}"/>
               </a:ext>
               <a:ext uri="{C183D7F6-B498-43B3-948B-1728B52AA6E4}">
                 <adec:decorative xmlns:adec="http://schemas.microsoft.com/office/drawing/2017/decorative" val="1"/>
@@ -4200,6 +4200,19 @@
             <a:miter lim="800000"/>
           </a:ln>
           <a:effectLst/>
+          <a:extLst>
+            <a:ext uri="{91240B29-F687-4F45-9708-019B960494DF}">
+              <a14:hiddenLine xmlns:a14="http://schemas.microsoft.com/office/drawing/2010/main" w="12700" cap="flat" cmpd="sng" algn="ctr">
+                <a:solidFill>
+                  <a:schemeClr val="accent1">
+                    <a:shade val="50000"/>
+                  </a:schemeClr>
+                </a:solidFill>
+                <a:prstDash val="solid"/>
+                <a:miter lim="800000"/>
+              </a14:hiddenLine>
+            </a:ext>
+          </a:extLst>
         </p:spPr>
         <p:style>
           <a:lnRef idx="2">
@@ -4244,8 +4257,8 @@
         </p:nvSpPr>
         <p:spPr>
           <a:xfrm>
-            <a:off x="695324" y="871758"/>
-            <a:ext cx="10283452" cy="3871143"/>
+            <a:off x="1969770" y="5852162"/>
+            <a:ext cx="5965190" cy="746854"/>
           </a:xfrm>
         </p:spPr>
         <p:txBody>
@@ -4254,24 +4267,74 @@
           </a:bodyPr>
           <a:lstStyle/>
           <a:p>
-            <a:pPr algn="ctr"/>
-            <a:r>
-              <a:rPr lang="en-US" sz="6600" dirty="0" err="1"/>
+            <a:pPr>
+              <a:lnSpc>
+                <a:spcPct val="90000"/>
+              </a:lnSpc>
+            </a:pPr>
+            <a:r>
+              <a:rPr lang="en-US" sz="3400" dirty="0" err="1"/>
               <a:t>Cual</a:t>
             </a:r>
             <a:r>
-              <a:rPr lang="en-US" sz="6600" dirty="0"/>
+              <a:rPr lang="en-US" sz="3400" dirty="0"/>
               <a:t> es Nuestro Proyecto?</a:t>
             </a:r>
           </a:p>
         </p:txBody>
       </p:sp>
+      <p:pic>
+        <p:nvPicPr>
+          <p:cNvPr id="1026" name="Picture 2" descr="Resultado de imagen de NIÑO PENSANDO DIBUJO">
+            <a:extLst>
+              <a:ext uri="{FF2B5EF4-FFF2-40B4-BE49-F238E27FC236}">
+                <a16:creationId xmlns:a16="http://schemas.microsoft.com/office/drawing/2014/main" id="{D22FFE54-95E2-693D-6D83-0938EF0BF37D}"/>
+              </a:ext>
+            </a:extLst>
+          </p:cNvPr>
+          <p:cNvPicPr>
+            <a:picLocks noChangeAspect="1" noChangeArrowheads="1"/>
+          </p:cNvPicPr>
+          <p:nvPr/>
+        </p:nvPicPr>
+        <p:blipFill>
+          <a:blip r:embed="rId2">
+            <a:extLst>
+              <a:ext uri="{28A0092B-C50C-407E-A947-70E740481C1C}">
+                <a14:useLocalDpi xmlns:a14="http://schemas.microsoft.com/office/drawing/2010/main" val="0"/>
+              </a:ext>
+            </a:extLst>
+          </a:blip>
+          <a:stretch>
+            <a:fillRect/>
+          </a:stretch>
+        </p:blipFill>
+        <p:spPr bwMode="auto">
+          <a:xfrm>
+            <a:off x="2888300" y="406400"/>
+            <a:ext cx="6415400" cy="5196474"/>
+          </a:xfrm>
+          <a:prstGeom prst="rect">
+            <a:avLst/>
+          </a:prstGeom>
+          <a:noFill/>
+          <a:extLst>
+            <a:ext uri="{909E8E84-426E-40DD-AFC4-6F175D3DCCD1}">
+              <a14:hiddenFill xmlns:a14="http://schemas.microsoft.com/office/drawing/2010/main">
+                <a:solidFill>
+                  <a:srgbClr val="FFFFFF"/>
+                </a:solidFill>
+              </a14:hiddenFill>
+            </a:ext>
+          </a:extLst>
+        </p:spPr>
+      </p:pic>
       <p:cxnSp>
         <p:nvCxnSpPr>
-          <p:cNvPr id="35" name="Straight Connector 34">
-            <a:extLst>
-              <a:ext uri="{FF2B5EF4-FFF2-40B4-BE49-F238E27FC236}">
-                <a16:creationId xmlns:a16="http://schemas.microsoft.com/office/drawing/2014/main" id="{9CA98CE3-81A7-4FFE-A047-9AA65998D877}"/>
+          <p:cNvPr id="1037" name="Straight Connector 1036">
+            <a:extLst>
+              <a:ext uri="{FF2B5EF4-FFF2-40B4-BE49-F238E27FC236}">
+                <a16:creationId xmlns:a16="http://schemas.microsoft.com/office/drawing/2014/main" id="{EE2E603F-4A95-4FE8-BB06-211DFD75DBEF}"/>
               </a:ext>
               <a:ext uri="{C183D7F6-B498-43B3-948B-1728B52AA6E4}">
                 <adec:decorative xmlns:adec="http://schemas.microsoft.com/office/drawing/2017/decorative" val="1"/>
@@ -4291,65 +4354,13 @@
         </p:nvCxnSpPr>
         <p:spPr>
           <a:xfrm>
-            <a:off x="800100" y="723900"/>
-            <a:ext cx="10591800" cy="0"/>
+            <a:off x="1969770" y="5719083"/>
+            <a:ext cx="8229600" cy="0"/>
           </a:xfrm>
           <a:prstGeom prst="line">
             <a:avLst/>
           </a:prstGeom>
           <a:ln w="44450">
-            <a:solidFill>
-              <a:schemeClr val="tx1"/>
-            </a:solidFill>
-          </a:ln>
-        </p:spPr>
-        <p:style>
-          <a:lnRef idx="1">
-            <a:schemeClr val="accent1"/>
-          </a:lnRef>
-          <a:fillRef idx="0">
-            <a:schemeClr val="accent1"/>
-          </a:fillRef>
-          <a:effectRef idx="0">
-            <a:schemeClr val="accent1"/>
-          </a:effectRef>
-          <a:fontRef idx="minor">
-            <a:schemeClr val="tx1"/>
-          </a:fontRef>
-        </p:style>
-      </p:cxnSp>
-      <p:cxnSp>
-        <p:nvCxnSpPr>
-          <p:cNvPr id="36" name="Straight Connector 35">
-            <a:extLst>
-              <a:ext uri="{FF2B5EF4-FFF2-40B4-BE49-F238E27FC236}">
-                <a16:creationId xmlns:a16="http://schemas.microsoft.com/office/drawing/2014/main" id="{18D91C2B-BDB9-49BE-9C44-E0CFE597ABFE}"/>
-              </a:ext>
-              <a:ext uri="{C183D7F6-B498-43B3-948B-1728B52AA6E4}">
-                <adec:decorative xmlns:adec="http://schemas.microsoft.com/office/drawing/2017/decorative" val="1"/>
-              </a:ext>
-            </a:extLst>
-          </p:cNvPr>
-          <p:cNvCxnSpPr>
-            <a:cxnSpLocks noGrp="1" noRot="1" noChangeAspect="1" noMove="1" noResize="1" noEditPoints="1" noAdjustHandles="1" noChangeArrowheads="1" noChangeShapeType="1"/>
-          </p:cNvCxnSpPr>
-          <p:nvPr>
-            <p:extLst>
-              <p:ext uri="{386F3935-93C4-4BCD-93E2-E3B085C9AB24}">
-                <p16:designElem xmlns:p16="http://schemas.microsoft.com/office/powerpoint/2015/main" val="1"/>
-              </p:ext>
-            </p:extLst>
-          </p:nvPr>
-        </p:nvCxnSpPr>
-        <p:spPr>
-          <a:xfrm>
-            <a:off x="800100" y="6134100"/>
-            <a:ext cx="10591800" cy="0"/>
-          </a:xfrm>
-          <a:prstGeom prst="line">
-            <a:avLst/>
-          </a:prstGeom>
-          <a:ln w="12700">
             <a:solidFill>
               <a:schemeClr val="tx1"/>
             </a:solidFill>
@@ -4378,7 +4389,7 @@
     </p:extLst>
   </p:cSld>
   <p:clrMapOvr>
-    <a:overrideClrMapping bg1="dk1" tx1="lt1" bg2="dk2" tx2="lt2" accent1="accent1" accent2="accent2" accent3="accent3" accent4="accent4" accent5="accent5" accent6="accent6" hlink="hlink" folHlink="folHlink"/>
+    <a:masterClrMapping/>
   </p:clrMapOvr>
   <p:timing>
     <p:tnLst>
@@ -4404,13 +4415,10 @@
                             </p:stCondLst>
                             <p:childTnLst>
                               <p:par>
-                                <p:cTn id="5" presetID="10" presetClass="entr" presetSubtype="0" fill="hold" grpId="0" nodeType="withEffect">
+                                <p:cTn id="5" presetID="10" presetClass="entr" presetSubtype="0" fill="hold" grpId="0" nodeType="afterEffect">
                                   <p:stCondLst>
-                                    <p:cond delay="500"/>
+                                    <p:cond delay="0"/>
                                   </p:stCondLst>
-                                  <p:iterate type="wd">
-                                    <p:tmPct val="15000"/>
-                                  </p:iterate>
                                   <p:childTnLst>
                                     <p:set>
                                       <p:cBhvr>
@@ -4432,7 +4440,7 @@
                                     </p:set>
                                     <p:animEffect transition="in" filter="fade">
                                       <p:cBhvr>
-                                        <p:cTn id="7" dur="1000"/>
+                                        <p:cTn id="7" dur="500"/>
                                         <p:tgtEl>
                                           <p:spTgt spid="2"/>
                                         </p:tgtEl>
@@ -4502,7 +4510,7 @@
       </p:grpSpPr>
       <p:cxnSp>
         <p:nvCxnSpPr>
-          <p:cNvPr id="2078" name="Straight Connector 2077">
+          <p:cNvPr id="2097" name="Straight Connector 2096">
             <a:extLst>
               <a:ext uri="{FF2B5EF4-FFF2-40B4-BE49-F238E27FC236}">
                 <a16:creationId xmlns:a16="http://schemas.microsoft.com/office/drawing/2014/main" id="{F64F9B95-9045-48D2-B9F3-2927E98F54AA}"/>
@@ -4554,7 +4562,7 @@
       </p:cxnSp>
       <p:cxnSp>
         <p:nvCxnSpPr>
-          <p:cNvPr id="2079" name="Straight Connector 2078">
+          <p:cNvPr id="2098" name="Straight Connector 2097">
             <a:extLst>
               <a:ext uri="{FF2B5EF4-FFF2-40B4-BE49-F238E27FC236}">
                 <a16:creationId xmlns:a16="http://schemas.microsoft.com/office/drawing/2014/main" id="{085AA86F-6A4D-4BCB-A045-D992CDC2959B}"/>
@@ -4606,10 +4614,10 @@
       </p:cxnSp>
       <p:sp useBgFill="1">
         <p:nvSpPr>
-          <p:cNvPr id="2080" name="Rectangle 2079">
-            <a:extLst>
-              <a:ext uri="{FF2B5EF4-FFF2-40B4-BE49-F238E27FC236}">
-                <a16:creationId xmlns:a16="http://schemas.microsoft.com/office/drawing/2014/main" id="{33E93247-6229-44AB-A550-739E971E690B}"/>
+          <p:cNvPr id="2099" name="Rectangle 2098">
+            <a:extLst>
+              <a:ext uri="{FF2B5EF4-FFF2-40B4-BE49-F238E27FC236}">
+                <a16:creationId xmlns:a16="http://schemas.microsoft.com/office/drawing/2014/main" id="{341BFA31-6544-45C2-9DA0-9E1C5E0B1959}"/>
               </a:ext>
               <a:ext uri="{C183D7F6-B498-43B3-948B-1728B52AA6E4}">
                 <adec:decorative xmlns:adec="http://schemas.microsoft.com/office/drawing/2017/decorative" val="1"/>
@@ -4680,21 +4688,56 @@
           </a:p>
         </p:txBody>
       </p:sp>
-      <p:sp useBgFill="1">
-        <p:nvSpPr>
-          <p:cNvPr id="2081" name="Rectangle 2080">
-            <a:extLst>
-              <a:ext uri="{FF2B5EF4-FFF2-40B4-BE49-F238E27FC236}">
-                <a16:creationId xmlns:a16="http://schemas.microsoft.com/office/drawing/2014/main" id="{A5D67320-FCFD-4931-AAF7-C6C853329C7F}"/>
+      <p:sp>
+        <p:nvSpPr>
+          <p:cNvPr id="2" name="Title 1">
+            <a:extLst>
+              <a:ext uri="{FF2B5EF4-FFF2-40B4-BE49-F238E27FC236}">
+                <a16:creationId xmlns:a16="http://schemas.microsoft.com/office/drawing/2014/main" id="{A66BC3CA-FE6E-47CA-195F-53F353CA5921}"/>
+              </a:ext>
+            </a:extLst>
+          </p:cNvPr>
+          <p:cNvSpPr>
+            <a:spLocks noGrp="1"/>
+          </p:cNvSpPr>
+          <p:nvPr>
+            <p:ph type="title"/>
+          </p:nvPr>
+        </p:nvSpPr>
+        <p:spPr>
+          <a:xfrm>
+            <a:off x="695325" y="888529"/>
+            <a:ext cx="5751458" cy="3738348"/>
+          </a:xfrm>
+        </p:spPr>
+        <p:txBody>
+          <a:bodyPr vert="horz" lIns="91440" tIns="45720" rIns="91440" bIns="45720" rtlCol="0" anchor="t">
+            <a:normAutofit/>
+          </a:bodyPr>
+          <a:lstStyle/>
+          <a:p>
+            <a:r>
+              <a:rPr lang="en-US" sz="6600"/>
+              <a:t>Gestion de canciones en springboot</a:t>
+            </a:r>
+          </a:p>
+        </p:txBody>
+      </p:sp>
+      <p:cxnSp>
+        <p:nvCxnSpPr>
+          <p:cNvPr id="2100" name="Straight Connector 2099">
+            <a:extLst>
+              <a:ext uri="{FF2B5EF4-FFF2-40B4-BE49-F238E27FC236}">
+                <a16:creationId xmlns:a16="http://schemas.microsoft.com/office/drawing/2014/main" id="{DC36F877-5419-44C1-A2CD-376BDDDC3E41}"/>
               </a:ext>
               <a:ext uri="{C183D7F6-B498-43B3-948B-1728B52AA6E4}">
                 <adec:decorative xmlns:adec="http://schemas.microsoft.com/office/drawing/2017/decorative" val="1"/>
               </a:ext>
             </a:extLst>
           </p:cNvPr>
-          <p:cNvSpPr>
-            <a:spLocks noGrp="1" noRot="1" noChangeAspect="1" noMove="1" noResize="1" noEditPoints="1" noAdjustHandles="1" noChangeArrowheads="1" noChangeShapeType="1" noTextEdit="1"/>
-          </p:cNvSpPr>
+          <p:cNvCxnSpPr>
+            <a:cxnSpLocks noGrp="1" noRot="1" noChangeAspect="1" noMove="1" noResize="1" noEditPoints="1" noAdjustHandles="1" noChangeArrowheads="1" noChangeShapeType="1"/>
+          </p:cNvCxnSpPr>
           <p:nvPr>
             <p:extLst>
               <p:ext uri="{386F3935-93C4-4BCD-93E2-E3B085C9AB24}">
@@ -4702,109 +4745,11 @@
               </p:ext>
             </p:extLst>
           </p:nvPr>
-        </p:nvSpPr>
-        <p:spPr>
-          <a:xfrm>
-            <a:off x="0" y="0"/>
-            <a:ext cx="12192000" cy="6858000"/>
-          </a:xfrm>
-          <a:prstGeom prst="rect">
-            <a:avLst/>
-          </a:prstGeom>
-          <a:ln w="12700" cap="flat" cmpd="sng" algn="ctr">
-            <a:noFill/>
-            <a:prstDash val="solid"/>
-            <a:miter lim="800000"/>
-          </a:ln>
-          <a:effectLst/>
-        </p:spPr>
-        <p:style>
-          <a:lnRef idx="2">
-            <a:schemeClr val="accent1">
-              <a:shade val="50000"/>
-            </a:schemeClr>
-          </a:lnRef>
-          <a:fillRef idx="1">
-            <a:schemeClr val="accent1"/>
-          </a:fillRef>
-          <a:effectRef idx="0">
-            <a:schemeClr val="accent1"/>
-          </a:effectRef>
-          <a:fontRef idx="minor">
-            <a:schemeClr val="lt1"/>
-          </a:fontRef>
-        </p:style>
-        <p:txBody>
-          <a:bodyPr rtlCol="0" anchor="ctr"/>
-          <a:lstStyle/>
-          <a:p>
-            <a:pPr algn="ctr"/>
-            <a:endParaRPr lang="en-US"/>
-          </a:p>
-        </p:txBody>
-      </p:sp>
-      <p:sp>
-        <p:nvSpPr>
-          <p:cNvPr id="2" name="Title 1">
-            <a:extLst>
-              <a:ext uri="{FF2B5EF4-FFF2-40B4-BE49-F238E27FC236}">
-                <a16:creationId xmlns:a16="http://schemas.microsoft.com/office/drawing/2014/main" id="{A66BC3CA-FE6E-47CA-195F-53F353CA5921}"/>
-              </a:ext>
-            </a:extLst>
-          </p:cNvPr>
-          <p:cNvSpPr>
-            <a:spLocks noGrp="1"/>
-          </p:cNvSpPr>
-          <p:nvPr>
-            <p:ph type="title"/>
-          </p:nvPr>
-        </p:nvSpPr>
-        <p:spPr>
-          <a:xfrm>
-            <a:off x="703400" y="908651"/>
-            <a:ext cx="3620882" cy="3640345"/>
-          </a:xfrm>
-        </p:spPr>
-        <p:txBody>
-          <a:bodyPr vert="horz" lIns="91440" tIns="45720" rIns="91440" bIns="45720" rtlCol="0" anchor="t">
-            <a:normAutofit/>
-          </a:bodyPr>
-          <a:lstStyle/>
-          <a:p>
-            <a:r>
-              <a:rPr lang="en-US"/>
-              <a:t>Gestion de canciones en springboot</a:t>
-            </a:r>
-          </a:p>
-        </p:txBody>
-      </p:sp>
-      <p:cxnSp>
-        <p:nvCxnSpPr>
-          <p:cNvPr id="2082" name="Straight Connector 2081">
-            <a:extLst>
-              <a:ext uri="{FF2B5EF4-FFF2-40B4-BE49-F238E27FC236}">
-                <a16:creationId xmlns:a16="http://schemas.microsoft.com/office/drawing/2014/main" id="{EE2E603F-4A95-4FE8-BB06-211DFD75DBEF}"/>
-              </a:ext>
-              <a:ext uri="{C183D7F6-B498-43B3-948B-1728B52AA6E4}">
-                <adec:decorative xmlns:adec="http://schemas.microsoft.com/office/drawing/2017/decorative" val="1"/>
-              </a:ext>
-            </a:extLst>
-          </p:cNvPr>
-          <p:cNvCxnSpPr>
-            <a:cxnSpLocks noGrp="1" noRot="1" noChangeAspect="1" noMove="1" noResize="1" noEditPoints="1" noAdjustHandles="1" noChangeArrowheads="1" noChangeShapeType="1"/>
-          </p:cNvCxnSpPr>
-          <p:nvPr>
-            <p:extLst>
-              <p:ext uri="{386F3935-93C4-4BCD-93E2-E3B085C9AB24}">
-                <p16:designElem xmlns:p16="http://schemas.microsoft.com/office/powerpoint/2015/main" val="1"/>
-              </p:ext>
-            </p:extLst>
-          </p:nvPr>
         </p:nvCxnSpPr>
         <p:spPr>
           <a:xfrm>
-            <a:off x="800100" y="723900"/>
-            <a:ext cx="1638300" cy="0"/>
+            <a:off x="800100" y="728411"/>
+            <a:ext cx="5684470" cy="0"/>
           </a:xfrm>
           <a:prstGeom prst="line">
             <a:avLst/>
@@ -4859,8 +4804,8 @@
         </p:blipFill>
         <p:spPr bwMode="auto">
           <a:xfrm>
-            <a:off x="4876158" y="10"/>
-            <a:ext cx="7315841" cy="6857990"/>
+            <a:off x="7914774" y="670655"/>
+            <a:ext cx="2809235" cy="2633430"/>
           </a:xfrm>
           <a:prstGeom prst="rect">
             <a:avLst/>
@@ -4877,6 +4822,88 @@
           </a:extLst>
         </p:spPr>
       </p:pic>
+      <p:cxnSp>
+        <p:nvCxnSpPr>
+          <p:cNvPr id="2101" name="Straight Connector 2100">
+            <a:extLst>
+              <a:ext uri="{FF2B5EF4-FFF2-40B4-BE49-F238E27FC236}">
+                <a16:creationId xmlns:a16="http://schemas.microsoft.com/office/drawing/2014/main" id="{44B21692-652C-4371-95C5-05248EF342FA}"/>
+              </a:ext>
+              <a:ext uri="{C183D7F6-B498-43B3-948B-1728B52AA6E4}">
+                <adec:decorative xmlns:adec="http://schemas.microsoft.com/office/drawing/2017/decorative" val="1"/>
+              </a:ext>
+            </a:extLst>
+          </p:cNvPr>
+          <p:cNvCxnSpPr>
+            <a:cxnSpLocks noGrp="1" noRot="1" noChangeAspect="1" noMove="1" noResize="1" noEditPoints="1" noAdjustHandles="1" noChangeArrowheads="1" noChangeShapeType="1"/>
+          </p:cNvCxnSpPr>
+          <p:nvPr>
+            <p:extLst>
+              <p:ext uri="{386F3935-93C4-4BCD-93E2-E3B085C9AB24}">
+                <p16:designElem xmlns:p16="http://schemas.microsoft.com/office/powerpoint/2015/main" val="1"/>
+              </p:ext>
+            </p:extLst>
+          </p:nvPr>
+        </p:nvCxnSpPr>
+        <p:spPr>
+          <a:xfrm>
+            <a:off x="800100" y="6134100"/>
+            <a:ext cx="5684470" cy="0"/>
+          </a:xfrm>
+          <a:prstGeom prst="line">
+            <a:avLst/>
+          </a:prstGeom>
+          <a:ln w="12700">
+            <a:solidFill>
+              <a:schemeClr val="tx1"/>
+            </a:solidFill>
+          </a:ln>
+        </p:spPr>
+        <p:style>
+          <a:lnRef idx="1">
+            <a:schemeClr val="accent1"/>
+          </a:lnRef>
+          <a:fillRef idx="0">
+            <a:schemeClr val="accent1"/>
+          </a:fillRef>
+          <a:effectRef idx="0">
+            <a:schemeClr val="accent1"/>
+          </a:effectRef>
+          <a:fontRef idx="minor">
+            <a:schemeClr val="tx1"/>
+          </a:fontRef>
+        </p:style>
+      </p:cxnSp>
+      <p:pic>
+        <p:nvPicPr>
+          <p:cNvPr id="4" name="Picture 3">
+            <a:extLst>
+              <a:ext uri="{FF2B5EF4-FFF2-40B4-BE49-F238E27FC236}">
+                <a16:creationId xmlns:a16="http://schemas.microsoft.com/office/drawing/2014/main" id="{ED2787CA-FF2C-751F-4E11-B9D4B486FE8F}"/>
+              </a:ext>
+            </a:extLst>
+          </p:cNvPr>
+          <p:cNvPicPr>
+            <a:picLocks noChangeAspect="1"/>
+          </p:cNvPicPr>
+          <p:nvPr/>
+        </p:nvPicPr>
+        <p:blipFill>
+          <a:blip r:embed="rId3"/>
+          <a:stretch>
+            <a:fillRect/>
+          </a:stretch>
+        </p:blipFill>
+        <p:spPr>
+          <a:xfrm>
+            <a:off x="7234518" y="3625817"/>
+            <a:ext cx="4169747" cy="2178692"/>
+          </a:xfrm>
+          <a:prstGeom prst="rect">
+            <a:avLst/>
+          </a:prstGeom>
+        </p:spPr>
+      </p:pic>
     </p:spTree>
     <p:extLst>
       <p:ext uri="{BB962C8B-B14F-4D97-AF65-F5344CB8AC3E}">
@@ -4885,7 +4912,7 @@
     </p:extLst>
   </p:cSld>
   <p:clrMapOvr>
-    <a:overrideClrMapping bg1="dk1" tx1="lt1" bg2="dk2" tx2="lt2" accent1="accent1" accent2="accent2" accent3="accent3" accent4="accent4" accent5="accent5" accent6="accent6" hlink="hlink" folHlink="folHlink"/>
+    <a:masterClrMapping/>
   </p:clrMapOvr>
   <p:timing>
     <p:tnLst>
@@ -5006,7 +5033,7 @@
       </p:grpSpPr>
       <p:cxnSp>
         <p:nvCxnSpPr>
-          <p:cNvPr id="18" name="Straight Connector 17">
+          <p:cNvPr id="2055" name="Straight Connector 2054">
             <a:extLst>
               <a:ext uri="{FF2B5EF4-FFF2-40B4-BE49-F238E27FC236}">
                 <a16:creationId xmlns:a16="http://schemas.microsoft.com/office/drawing/2014/main" id="{F64F9B95-9045-48D2-B9F3-2927E98F54AA}"/>
@@ -5058,7 +5085,7 @@
       </p:cxnSp>
       <p:cxnSp>
         <p:nvCxnSpPr>
-          <p:cNvPr id="19" name="Straight Connector 18">
+          <p:cNvPr id="2057" name="Straight Connector 2056">
             <a:extLst>
               <a:ext uri="{FF2B5EF4-FFF2-40B4-BE49-F238E27FC236}">
                 <a16:creationId xmlns:a16="http://schemas.microsoft.com/office/drawing/2014/main" id="{085AA86F-6A4D-4BCB-A045-D992CDC2959B}"/>
@@ -5110,10 +5137,86 @@
       </p:cxnSp>
       <p:sp useBgFill="1">
         <p:nvSpPr>
-          <p:cNvPr id="20" name="Rectangle 19">
-            <a:extLst>
-              <a:ext uri="{FF2B5EF4-FFF2-40B4-BE49-F238E27FC236}">
-                <a16:creationId xmlns:a16="http://schemas.microsoft.com/office/drawing/2014/main" id="{DEF92653-5D6D-47E6-8744-0DAF76E049C4}"/>
+          <p:cNvPr id="2059" name="Rectangle 2058">
+            <a:extLst>
+              <a:ext uri="{FF2B5EF4-FFF2-40B4-BE49-F238E27FC236}">
+                <a16:creationId xmlns:a16="http://schemas.microsoft.com/office/drawing/2014/main" id="{33E93247-6229-44AB-A550-739E971E690B}"/>
+              </a:ext>
+              <a:ext uri="{C183D7F6-B498-43B3-948B-1728B52AA6E4}">
+                <adec:decorative xmlns:adec="http://schemas.microsoft.com/office/drawing/2017/decorative" val="1"/>
+              </a:ext>
+            </a:extLst>
+          </p:cNvPr>
+          <p:cNvSpPr>
+            <a:spLocks noGrp="1" noRot="1" noChangeAspect="1" noMove="1" noResize="1" noEditPoints="1" noAdjustHandles="1" noChangeArrowheads="1" noChangeShapeType="1" noTextEdit="1"/>
+          </p:cNvSpPr>
+          <p:nvPr>
+            <p:extLst>
+              <p:ext uri="{386F3935-93C4-4BCD-93E2-E3B085C9AB24}">
+                <p16:designElem xmlns:p16="http://schemas.microsoft.com/office/powerpoint/2015/main" val="1"/>
+              </p:ext>
+            </p:extLst>
+          </p:nvPr>
+        </p:nvSpPr>
+        <p:spPr>
+          <a:xfrm>
+            <a:off x="0" y="0"/>
+            <a:ext cx="12192000" cy="6858000"/>
+          </a:xfrm>
+          <a:prstGeom prst="rect">
+            <a:avLst/>
+          </a:prstGeom>
+          <a:ln w="12700" cap="flat" cmpd="sng" algn="ctr">
+            <a:noFill/>
+            <a:prstDash val="solid"/>
+            <a:miter lim="800000"/>
+          </a:ln>
+          <a:effectLst/>
+          <a:extLst>
+            <a:ext uri="{91240B29-F687-4F45-9708-019B960494DF}">
+              <a14:hiddenLine xmlns:a14="http://schemas.microsoft.com/office/drawing/2010/main" w="12700" cap="flat" cmpd="sng" algn="ctr">
+                <a:solidFill>
+                  <a:schemeClr val="accent1">
+                    <a:shade val="50000"/>
+                  </a:schemeClr>
+                </a:solidFill>
+                <a:prstDash val="solid"/>
+                <a:miter lim="800000"/>
+              </a14:hiddenLine>
+            </a:ext>
+          </a:extLst>
+        </p:spPr>
+        <p:style>
+          <a:lnRef idx="2">
+            <a:schemeClr val="accent1">
+              <a:shade val="50000"/>
+            </a:schemeClr>
+          </a:lnRef>
+          <a:fillRef idx="1">
+            <a:schemeClr val="accent1"/>
+          </a:fillRef>
+          <a:effectRef idx="0">
+            <a:schemeClr val="accent1"/>
+          </a:effectRef>
+          <a:fontRef idx="minor">
+            <a:schemeClr val="lt1"/>
+          </a:fontRef>
+        </p:style>
+        <p:txBody>
+          <a:bodyPr rtlCol="0" anchor="ctr"/>
+          <a:lstStyle/>
+          <a:p>
+            <a:pPr algn="ctr"/>
+            <a:endParaRPr lang="en-US"/>
+          </a:p>
+        </p:txBody>
+      </p:sp>
+      <p:sp useBgFill="1">
+        <p:nvSpPr>
+          <p:cNvPr id="2061" name="Rectangle 2060">
+            <a:extLst>
+              <a:ext uri="{FF2B5EF4-FFF2-40B4-BE49-F238E27FC236}">
+                <a16:creationId xmlns:a16="http://schemas.microsoft.com/office/drawing/2014/main" id="{A5D67320-FCFD-4931-AAF7-C6C853329C7F}"/>
               </a:ext>
               <a:ext uri="{C183D7F6-B498-43B3-948B-1728B52AA6E4}">
                 <adec:decorative xmlns:adec="http://schemas.microsoft.com/office/drawing/2017/decorative" val="1"/>
@@ -5189,8 +5292,8 @@
         </p:nvSpPr>
         <p:spPr>
           <a:xfrm>
-            <a:off x="695324" y="871758"/>
-            <a:ext cx="10283452" cy="3871143"/>
+            <a:off x="703400" y="908651"/>
+            <a:ext cx="3620882" cy="3640345"/>
           </a:xfrm>
         </p:spPr>
         <p:txBody>
@@ -5199,9 +5302,8 @@
           </a:bodyPr>
           <a:lstStyle/>
           <a:p>
-            <a:pPr algn="ctr"/>
-            <a:r>
-              <a:rPr lang="en-US" sz="6600" dirty="0"/>
+            <a:r>
+              <a:rPr lang="en-US"/>
               <a:t>QUE TIPO DE PRUEBAS HEMOS REALIZADO?</a:t>
             </a:r>
           </a:p>
@@ -5209,10 +5311,10 @@
       </p:sp>
       <p:cxnSp>
         <p:nvCxnSpPr>
-          <p:cNvPr id="21" name="Straight Connector 20">
-            <a:extLst>
-              <a:ext uri="{FF2B5EF4-FFF2-40B4-BE49-F238E27FC236}">
-                <a16:creationId xmlns:a16="http://schemas.microsoft.com/office/drawing/2014/main" id="{9CA98CE3-81A7-4FFE-A047-9AA65998D877}"/>
+          <p:cNvPr id="2063" name="Straight Connector 2062">
+            <a:extLst>
+              <a:ext uri="{FF2B5EF4-FFF2-40B4-BE49-F238E27FC236}">
+                <a16:creationId xmlns:a16="http://schemas.microsoft.com/office/drawing/2014/main" id="{EE2E603F-4A95-4FE8-BB06-211DFD75DBEF}"/>
               </a:ext>
               <a:ext uri="{C183D7F6-B498-43B3-948B-1728B52AA6E4}">
                 <adec:decorative xmlns:adec="http://schemas.microsoft.com/office/drawing/2017/decorative" val="1"/>
@@ -5233,7 +5335,7 @@
         <p:spPr>
           <a:xfrm>
             <a:off x="800100" y="723900"/>
-            <a:ext cx="10591800" cy="0"/>
+            <a:ext cx="1638300" cy="0"/>
           </a:xfrm>
           <a:prstGeom prst="line">
             <a:avLst/>
@@ -5259,58 +5361,53 @@
           </a:fontRef>
         </p:style>
       </p:cxnSp>
-      <p:cxnSp>
-        <p:nvCxnSpPr>
-          <p:cNvPr id="22" name="Straight Connector 21">
-            <a:extLst>
-              <a:ext uri="{FF2B5EF4-FFF2-40B4-BE49-F238E27FC236}">
-                <a16:creationId xmlns:a16="http://schemas.microsoft.com/office/drawing/2014/main" id="{18D91C2B-BDB9-49BE-9C44-E0CFE597ABFE}"/>
-              </a:ext>
-              <a:ext uri="{C183D7F6-B498-43B3-948B-1728B52AA6E4}">
-                <adec:decorative xmlns:adec="http://schemas.microsoft.com/office/drawing/2017/decorative" val="1"/>
-              </a:ext>
-            </a:extLst>
-          </p:cNvPr>
-          <p:cNvCxnSpPr>
-            <a:cxnSpLocks noGrp="1" noRot="1" noChangeAspect="1" noMove="1" noResize="1" noEditPoints="1" noAdjustHandles="1" noChangeArrowheads="1" noChangeShapeType="1"/>
-          </p:cNvCxnSpPr>
-          <p:nvPr>
-            <p:extLst>
-              <p:ext uri="{386F3935-93C4-4BCD-93E2-E3B085C9AB24}">
-                <p16:designElem xmlns:p16="http://schemas.microsoft.com/office/powerpoint/2015/main" val="1"/>
-              </p:ext>
-            </p:extLst>
-          </p:nvPr>
-        </p:nvCxnSpPr>
-        <p:spPr>
+      <p:pic>
+        <p:nvPicPr>
+          <p:cNvPr id="2050" name="Picture 2" descr="Test in Production - Memes and Gifs">
+            <a:extLst>
+              <a:ext uri="{FF2B5EF4-FFF2-40B4-BE49-F238E27FC236}">
+                <a16:creationId xmlns:a16="http://schemas.microsoft.com/office/drawing/2014/main" id="{57399C3A-29BC-2A60-3F6E-FF8081E1C66C}"/>
+              </a:ext>
+            </a:extLst>
+          </p:cNvPr>
+          <p:cNvPicPr>
+            <a:picLocks noChangeAspect="1" noChangeArrowheads="1"/>
+          </p:cNvPicPr>
+          <p:nvPr/>
+        </p:nvPicPr>
+        <p:blipFill>
+          <a:blip r:embed="rId2">
+            <a:extLst>
+              <a:ext uri="{28A0092B-C50C-407E-A947-70E740481C1C}">
+                <a14:useLocalDpi xmlns:a14="http://schemas.microsoft.com/office/drawing/2010/main" val="0"/>
+              </a:ext>
+            </a:extLst>
+          </a:blip>
+          <a:srcRect t="5787" r="2" b="2"/>
+          <a:stretch>
+            <a:fillRect/>
+          </a:stretch>
+        </p:blipFill>
+        <p:spPr bwMode="auto">
           <a:xfrm>
-            <a:off x="800100" y="6134100"/>
-            <a:ext cx="10591800" cy="0"/>
+            <a:off x="4876158" y="10"/>
+            <a:ext cx="7315841" cy="6857990"/>
           </a:xfrm>
-          <a:prstGeom prst="line">
+          <a:prstGeom prst="rect">
             <a:avLst/>
           </a:prstGeom>
-          <a:ln w="12700">
-            <a:solidFill>
-              <a:schemeClr val="tx1"/>
-            </a:solidFill>
-          </a:ln>
+          <a:noFill/>
+          <a:extLst>
+            <a:ext uri="{909E8E84-426E-40DD-AFC4-6F175D3DCCD1}">
+              <a14:hiddenFill xmlns:a14="http://schemas.microsoft.com/office/drawing/2010/main">
+                <a:solidFill>
+                  <a:srgbClr val="FFFFFF"/>
+                </a:solidFill>
+              </a14:hiddenFill>
+            </a:ext>
+          </a:extLst>
         </p:spPr>
-        <p:style>
-          <a:lnRef idx="1">
-            <a:schemeClr val="accent1"/>
-          </a:lnRef>
-          <a:fillRef idx="0">
-            <a:schemeClr val="accent1"/>
-          </a:fillRef>
-          <a:effectRef idx="0">
-            <a:schemeClr val="accent1"/>
-          </a:effectRef>
-          <a:fontRef idx="minor">
-            <a:schemeClr val="tx1"/>
-          </a:fontRef>
-        </p:style>
-      </p:cxnSp>
+      </p:pic>
     </p:spTree>
     <p:extLst>
       <p:ext uri="{BB962C8B-B14F-4D97-AF65-F5344CB8AC3E}">
@@ -7020,6 +7117,12 @@
 </file>
 
 <file path=customXml/item2.xml><?xml version="1.0" encoding="utf-8"?>
+<p:properties xmlns:p="http://schemas.microsoft.com/office/2006/metadata/properties" xmlns:xsi="http://www.w3.org/2001/XMLSchema-instance" xmlns:pc="http://schemas.microsoft.com/office/infopath/2007/PartnerControls">
+  <documentManagement/>
+</p:properties>
+</file>
+
+<file path=customXml/item3.xml><?xml version="1.0" encoding="utf-8"?>
 <ct:contentTypeSchema xmlns:ct="http://schemas.microsoft.com/office/2006/metadata/contentType" xmlns:ma="http://schemas.microsoft.com/office/2006/metadata/properties/metaAttributes" ct:_="" ma:_="" ma:contentTypeName="Documento" ma:contentTypeID="0x010100296CFE177FD9754FBD9A2C907AEFE303" ma:contentTypeVersion="5" ma:contentTypeDescription="Crear nuevo documento." ma:contentTypeScope="" ma:versionID="3f73b32eaac612c3924c47340294642d">
   <xsd:schema xmlns:xsd="http://www.w3.org/2001/XMLSchema" xmlns:xs="http://www.w3.org/2001/XMLSchema" xmlns:p="http://schemas.microsoft.com/office/2006/metadata/properties" xmlns:ns3="b6fc9e19-a920-40db-b0c4-c369ee70dd7f" targetNamespace="http://schemas.microsoft.com/office/2006/metadata/properties" ma:root="true" ma:fieldsID="68c24a49a628d5a4cbb1d5047a18d59d" ns3:_="">
     <xsd:import namespace="b6fc9e19-a920-40db-b0c4-c369ee70dd7f"/>
@@ -7169,12 +7272,6 @@
 </ct:contentTypeSchema>
 </file>
 
-<file path=customXml/item3.xml><?xml version="1.0" encoding="utf-8"?>
-<p:properties xmlns:p="http://schemas.microsoft.com/office/2006/metadata/properties" xmlns:xsi="http://www.w3.org/2001/XMLSchema-instance" xmlns:pc="http://schemas.microsoft.com/office/infopath/2007/PartnerControls">
-  <documentManagement/>
-</p:properties>
-</file>
-
 <file path=customXml/itemProps1.xml><?xml version="1.0" encoding="utf-8"?>
 <ds:datastoreItem xmlns:ds="http://schemas.openxmlformats.org/officeDocument/2006/customXml" ds:itemID="{C9F1B65C-747A-4F9C-A2FB-091E4E9ED7AD}">
   <ds:schemaRefs>
@@ -7184,6 +7281,22 @@
 </file>
 
 <file path=customXml/itemProps2.xml><?xml version="1.0" encoding="utf-8"?>
+<ds:datastoreItem xmlns:ds="http://schemas.openxmlformats.org/officeDocument/2006/customXml" ds:itemID="{2D5A2E8F-82E1-482E-8B7B-99FBFFAADB72}">
+  <ds:schemaRefs>
+    <ds:schemaRef ds:uri="http://purl.org/dc/dcmitype/"/>
+    <ds:schemaRef ds:uri="http://schemas.microsoft.com/office/2006/documentManagement/types"/>
+    <ds:schemaRef ds:uri="http://schemas.openxmlformats.org/package/2006/metadata/core-properties"/>
+    <ds:schemaRef ds:uri="http://purl.org/dc/terms/"/>
+    <ds:schemaRef ds:uri="http://schemas.microsoft.com/office/infopath/2007/PartnerControls"/>
+    <ds:schemaRef ds:uri="b6fc9e19-a920-40db-b0c4-c369ee70dd7f"/>
+    <ds:schemaRef ds:uri="http://schemas.microsoft.com/office/2006/metadata/properties"/>
+    <ds:schemaRef ds:uri="http://www.w3.org/XML/1998/namespace"/>
+    <ds:schemaRef ds:uri="http://purl.org/dc/elements/1.1/"/>
+  </ds:schemaRefs>
+</ds:datastoreItem>
+</file>
+
+<file path=customXml/itemProps3.xml><?xml version="1.0" encoding="utf-8"?>
 <ds:datastoreItem xmlns:ds="http://schemas.openxmlformats.org/officeDocument/2006/customXml" ds:itemID="{456E627A-D325-4EA4-B37C-45AD0215289C}">
   <ds:schemaRefs>
     <ds:schemaRef ds:uri="http://schemas.microsoft.com/office/2006/metadata/contentType"/>
@@ -7199,20 +7312,4 @@
     <ds:schemaRef ds:uri="http://schemas.microsoft.com/internal/obd"/>
   </ds:schemaRefs>
 </ds:datastoreItem>
-</file>
-
-<file path=customXml/itemProps3.xml><?xml version="1.0" encoding="utf-8"?>
-<ds:datastoreItem xmlns:ds="http://schemas.openxmlformats.org/officeDocument/2006/customXml" ds:itemID="{2D5A2E8F-82E1-482E-8B7B-99FBFFAADB72}">
-  <ds:schemaRefs>
-    <ds:schemaRef ds:uri="http://purl.org/dc/dcmitype/"/>
-    <ds:schemaRef ds:uri="http://schemas.microsoft.com/office/2006/documentManagement/types"/>
-    <ds:schemaRef ds:uri="http://schemas.openxmlformats.org/package/2006/metadata/core-properties"/>
-    <ds:schemaRef ds:uri="http://purl.org/dc/terms/"/>
-    <ds:schemaRef ds:uri="http://schemas.microsoft.com/office/infopath/2007/PartnerControls"/>
-    <ds:schemaRef ds:uri="b6fc9e19-a920-40db-b0c4-c369ee70dd7f"/>
-    <ds:schemaRef ds:uri="http://schemas.microsoft.com/office/2006/metadata/properties"/>
-    <ds:schemaRef ds:uri="http://www.w3.org/XML/1998/namespace"/>
-    <ds:schemaRef ds:uri="http://purl.org/dc/elements/1.1/"/>
-  </ds:schemaRefs>
-</ds:datastoreItem>
 </file>
--- a/ProyectoMant/Presentation.pptx
+++ b/ProyectoMant/Presentation.pptx
@@ -9,7 +9,12 @@
     <p:sldId id="257" r:id="rId6"/>
     <p:sldId id="258" r:id="rId7"/>
     <p:sldId id="259" r:id="rId8"/>
-    <p:sldId id="260" r:id="rId9"/>
+    <p:sldId id="261" r:id="rId9"/>
+    <p:sldId id="262" r:id="rId10"/>
+    <p:sldId id="263" r:id="rId11"/>
+    <p:sldId id="264" r:id="rId12"/>
+    <p:sldId id="260" r:id="rId13"/>
+    <p:sldId id="265" r:id="rId14"/>
   </p:sldIdLst>
   <p:sldSz cx="12192000" cy="6858000"/>
   <p:notesSz cx="6858000" cy="9144000"/>
@@ -331,7 +336,7 @@
           <a:p>
             <a:fld id="{87E7843D-FF13-4365-9478-9625B70A2705}" type="slidenum">
               <a:rPr lang="en-US" smtClean="0"/>
-              <a:t>‹#›</a:t>
+              <a:t>‹Nº›</a:t>
             </a:fld>
             <a:endParaRPr lang="en-US"/>
           </a:p>
@@ -531,7 +536,7 @@
           <a:p>
             <a:fld id="{87E7843D-FF13-4365-9478-9625B70A2705}" type="slidenum">
               <a:rPr lang="en-US" smtClean="0"/>
-              <a:t>‹#›</a:t>
+              <a:t>‹Nº›</a:t>
             </a:fld>
             <a:endParaRPr lang="en-US"/>
           </a:p>
@@ -741,7 +746,7 @@
           <a:p>
             <a:fld id="{87E7843D-FF13-4365-9478-9625B70A2705}" type="slidenum">
               <a:rPr lang="en-US" smtClean="0"/>
-              <a:t>‹#›</a:t>
+              <a:t>‹Nº›</a:t>
             </a:fld>
             <a:endParaRPr lang="en-US"/>
           </a:p>
@@ -941,7 +946,7 @@
           <a:p>
             <a:fld id="{87E7843D-FF13-4365-9478-9625B70A2705}" type="slidenum">
               <a:rPr lang="en-US" smtClean="0"/>
-              <a:t>‹#›</a:t>
+              <a:t>‹Nº›</a:t>
             </a:fld>
             <a:endParaRPr lang="en-US"/>
           </a:p>
@@ -1217,7 +1222,7 @@
           <a:p>
             <a:fld id="{87E7843D-FF13-4365-9478-9625B70A2705}" type="slidenum">
               <a:rPr lang="en-US" smtClean="0"/>
-              <a:t>‹#›</a:t>
+              <a:t>‹Nº›</a:t>
             </a:fld>
             <a:endParaRPr lang="en-US"/>
           </a:p>
@@ -1490,7 +1495,7 @@
           <a:p>
             <a:fld id="{87E7843D-FF13-4365-9478-9625B70A2705}" type="slidenum">
               <a:rPr lang="en-US" smtClean="0"/>
-              <a:t>‹#›</a:t>
+              <a:t>‹Nº›</a:t>
             </a:fld>
             <a:endParaRPr lang="en-US"/>
           </a:p>
@@ -1913,7 +1918,7 @@
           <a:p>
             <a:fld id="{87E7843D-FF13-4365-9478-9625B70A2705}" type="slidenum">
               <a:rPr lang="en-US" smtClean="0"/>
-              <a:t>‹#›</a:t>
+              <a:t>‹Nº›</a:t>
             </a:fld>
             <a:endParaRPr lang="en-US"/>
           </a:p>
@@ -2055,7 +2060,7 @@
           <a:p>
             <a:fld id="{87E7843D-FF13-4365-9478-9625B70A2705}" type="slidenum">
               <a:rPr lang="en-US" smtClean="0"/>
-              <a:t>‹#›</a:t>
+              <a:t>‹Nº›</a:t>
             </a:fld>
             <a:endParaRPr lang="en-US"/>
           </a:p>
@@ -2168,7 +2173,7 @@
           <a:p>
             <a:fld id="{87E7843D-FF13-4365-9478-9625B70A2705}" type="slidenum">
               <a:rPr lang="en-US" smtClean="0"/>
-              <a:t>‹#›</a:t>
+              <a:t>‹Nº›</a:t>
             </a:fld>
             <a:endParaRPr lang="en-US"/>
           </a:p>
@@ -2481,7 +2486,7 @@
           <a:p>
             <a:fld id="{87E7843D-FF13-4365-9478-9625B70A2705}" type="slidenum">
               <a:rPr lang="en-US" smtClean="0"/>
-              <a:t>‹#›</a:t>
+              <a:t>‹Nº›</a:t>
             </a:fld>
             <a:endParaRPr lang="en-US"/>
           </a:p>
@@ -2774,7 +2779,7 @@
           <a:p>
             <a:fld id="{87E7843D-FF13-4365-9478-9625B70A2705}" type="slidenum">
               <a:rPr lang="en-US" smtClean="0"/>
-              <a:t>‹#›</a:t>
+              <a:t>‹Nº›</a:t>
             </a:fld>
             <a:endParaRPr lang="en-US"/>
           </a:p>
@@ -3049,7 +3054,7 @@
           <a:p>
             <a:fld id="{87E7843D-FF13-4365-9478-9625B70A2705}" type="slidenum">
               <a:rPr lang="en-US" smtClean="0"/>
-              <a:t>‹#›</a:t>
+              <a:t>‹Nº›</a:t>
             </a:fld>
             <a:endParaRPr lang="en-US"/>
           </a:p>
@@ -4034,6 +4039,119 @@
 </p:sld>
 </file>
 
+<file path=ppt/slides/slide10.xml><?xml version="1.0" encoding="utf-8"?>
+<p:sld xmlns:a="http://schemas.openxmlformats.org/drawingml/2006/main" xmlns:r="http://schemas.openxmlformats.org/officeDocument/2006/relationships" xmlns:p="http://schemas.openxmlformats.org/presentationml/2006/main">
+  <p:cSld>
+    <p:spTree>
+      <p:nvGrpSpPr>
+        <p:cNvPr id="1" name=""/>
+        <p:cNvGrpSpPr/>
+        <p:nvPr/>
+      </p:nvGrpSpPr>
+      <p:grpSpPr>
+        <a:xfrm>
+          <a:off x="0" y="0"/>
+          <a:ext cx="0" cy="0"/>
+          <a:chOff x="0" y="0"/>
+          <a:chExt cx="0" cy="0"/>
+        </a:xfrm>
+      </p:grpSpPr>
+      <p:sp>
+        <p:nvSpPr>
+          <p:cNvPr id="2" name="Título 1">
+            <a:extLst>
+              <a:ext uri="{FF2B5EF4-FFF2-40B4-BE49-F238E27FC236}">
+                <a16:creationId xmlns:a16="http://schemas.microsoft.com/office/drawing/2014/main" id="{F0A2E0E6-E7BB-3BAA-0C40-69FDB043AC2E}"/>
+              </a:ext>
+            </a:extLst>
+          </p:cNvPr>
+          <p:cNvSpPr>
+            <a:spLocks noGrp="1"/>
+          </p:cNvSpPr>
+          <p:nvPr>
+            <p:ph type="title"/>
+          </p:nvPr>
+        </p:nvSpPr>
+        <p:spPr/>
+        <p:txBody>
+          <a:bodyPr/>
+          <a:lstStyle/>
+          <a:p>
+            <a:r>
+              <a:rPr lang="es-ES" dirty="0"/>
+              <a:t>GRACIAS POR VER</a:t>
+            </a:r>
+          </a:p>
+        </p:txBody>
+      </p:sp>
+      <p:sp>
+        <p:nvSpPr>
+          <p:cNvPr id="3" name="Marcador de contenido 2">
+            <a:extLst>
+              <a:ext uri="{FF2B5EF4-FFF2-40B4-BE49-F238E27FC236}">
+                <a16:creationId xmlns:a16="http://schemas.microsoft.com/office/drawing/2014/main" id="{6BF00CE9-AF0C-C279-BDEA-EC265DDE6666}"/>
+              </a:ext>
+            </a:extLst>
+          </p:cNvPr>
+          <p:cNvSpPr>
+            <a:spLocks noGrp="1"/>
+          </p:cNvSpPr>
+          <p:nvPr>
+            <p:ph idx="1"/>
+          </p:nvPr>
+        </p:nvSpPr>
+        <p:spPr/>
+        <p:txBody>
+          <a:bodyPr/>
+          <a:lstStyle/>
+          <a:p>
+            <a:endParaRPr lang="es-ES"/>
+          </a:p>
+        </p:txBody>
+      </p:sp>
+      <p:pic>
+        <p:nvPicPr>
+          <p:cNvPr id="5" name="Imagen 4">
+            <a:extLst>
+              <a:ext uri="{FF2B5EF4-FFF2-40B4-BE49-F238E27FC236}">
+                <a16:creationId xmlns:a16="http://schemas.microsoft.com/office/drawing/2014/main" id="{598C7271-173C-D85B-0B39-C6C2CDD51D13}"/>
+              </a:ext>
+            </a:extLst>
+          </p:cNvPr>
+          <p:cNvPicPr>
+            <a:picLocks noChangeAspect="1"/>
+          </p:cNvPicPr>
+          <p:nvPr/>
+        </p:nvPicPr>
+        <p:blipFill>
+          <a:blip r:embed="rId2"/>
+          <a:stretch>
+            <a:fillRect/>
+          </a:stretch>
+        </p:blipFill>
+        <p:spPr>
+          <a:xfrm>
+            <a:off x="0" y="0"/>
+            <a:ext cx="12192000" cy="6902284"/>
+          </a:xfrm>
+          <a:prstGeom prst="rect">
+            <a:avLst/>
+          </a:prstGeom>
+        </p:spPr>
+      </p:pic>
+    </p:spTree>
+    <p:extLst>
+      <p:ext uri="{BB962C8B-B14F-4D97-AF65-F5344CB8AC3E}">
+        <p14:creationId xmlns:p14="http://schemas.microsoft.com/office/powerpoint/2010/main" val="1462716434"/>
+      </p:ext>
+    </p:extLst>
+  </p:cSld>
+  <p:clrMapOvr>
+    <a:masterClrMapping/>
+  </p:clrMapOvr>
+</p:sld>
+</file>
+
 <file path=ppt/slides/slide2.xml><?xml version="1.0" encoding="utf-8"?>
 <p:sld xmlns:a="http://schemas.openxmlformats.org/drawingml/2006/main" xmlns:r="http://schemas.openxmlformats.org/officeDocument/2006/relationships" xmlns:p="http://schemas.openxmlformats.org/presentationml/2006/main">
   <p:cSld>
@@ -5535,12 +5653,116 @@
           <a:chExt cx="0" cy="0"/>
         </a:xfrm>
       </p:grpSpPr>
+      <p:cxnSp>
+        <p:nvCxnSpPr>
+          <p:cNvPr id="11" name="Straight Connector 10">
+            <a:extLst>
+              <a:ext uri="{FF2B5EF4-FFF2-40B4-BE49-F238E27FC236}">
+                <a16:creationId xmlns:a16="http://schemas.microsoft.com/office/drawing/2014/main" id="{F64F9B95-9045-48D2-B9F3-2927E98F54AA}"/>
+              </a:ext>
+              <a:ext uri="{C183D7F6-B498-43B3-948B-1728B52AA6E4}">
+                <adec:decorative xmlns:adec="http://schemas.microsoft.com/office/drawing/2017/decorative" val="1"/>
+              </a:ext>
+            </a:extLst>
+          </p:cNvPr>
+          <p:cNvCxnSpPr>
+            <a:cxnSpLocks noGrp="1" noRot="1" noChangeAspect="1" noMove="1" noResize="1" noEditPoints="1" noAdjustHandles="1" noChangeArrowheads="1" noChangeShapeType="1"/>
+          </p:cNvCxnSpPr>
+          <p:nvPr>
+            <p:extLst>
+              <p:ext uri="{386F3935-93C4-4BCD-93E2-E3B085C9AB24}">
+                <p16:designElem xmlns:p16="http://schemas.microsoft.com/office/powerpoint/2015/main" val="1"/>
+              </p:ext>
+            </p:extLst>
+          </p:nvPr>
+        </p:nvCxnSpPr>
+        <p:spPr>
+          <a:xfrm>
+            <a:off x="800100" y="723900"/>
+            <a:ext cx="10591800" cy="0"/>
+          </a:xfrm>
+          <a:prstGeom prst="line">
+            <a:avLst/>
+          </a:prstGeom>
+          <a:ln w="44450">
+            <a:solidFill>
+              <a:schemeClr val="tx1"/>
+            </a:solidFill>
+          </a:ln>
+        </p:spPr>
+        <p:style>
+          <a:lnRef idx="1">
+            <a:schemeClr val="accent1"/>
+          </a:lnRef>
+          <a:fillRef idx="0">
+            <a:schemeClr val="accent1"/>
+          </a:fillRef>
+          <a:effectRef idx="0">
+            <a:schemeClr val="accent1"/>
+          </a:effectRef>
+          <a:fontRef idx="minor">
+            <a:schemeClr val="tx1"/>
+          </a:fontRef>
+        </p:style>
+      </p:cxnSp>
+      <p:cxnSp>
+        <p:nvCxnSpPr>
+          <p:cNvPr id="13" name="Straight Connector 12">
+            <a:extLst>
+              <a:ext uri="{FF2B5EF4-FFF2-40B4-BE49-F238E27FC236}">
+                <a16:creationId xmlns:a16="http://schemas.microsoft.com/office/drawing/2014/main" id="{085AA86F-6A4D-4BCB-A045-D992CDC2959B}"/>
+              </a:ext>
+              <a:ext uri="{C183D7F6-B498-43B3-948B-1728B52AA6E4}">
+                <adec:decorative xmlns:adec="http://schemas.microsoft.com/office/drawing/2017/decorative" val="1"/>
+              </a:ext>
+            </a:extLst>
+          </p:cNvPr>
+          <p:cNvCxnSpPr>
+            <a:cxnSpLocks noGrp="1" noRot="1" noChangeAspect="1" noMove="1" noResize="1" noEditPoints="1" noAdjustHandles="1" noChangeArrowheads="1" noChangeShapeType="1"/>
+          </p:cNvCxnSpPr>
+          <p:nvPr>
+            <p:extLst>
+              <p:ext uri="{386F3935-93C4-4BCD-93E2-E3B085C9AB24}">
+                <p16:designElem xmlns:p16="http://schemas.microsoft.com/office/powerpoint/2015/main" val="1"/>
+              </p:ext>
+            </p:extLst>
+          </p:nvPr>
+        </p:nvCxnSpPr>
+        <p:spPr>
+          <a:xfrm>
+            <a:off x="800100" y="6142781"/>
+            <a:ext cx="10591800" cy="0"/>
+          </a:xfrm>
+          <a:prstGeom prst="line">
+            <a:avLst/>
+          </a:prstGeom>
+          <a:ln w="12700">
+            <a:solidFill>
+              <a:schemeClr val="tx1"/>
+            </a:solidFill>
+          </a:ln>
+        </p:spPr>
+        <p:style>
+          <a:lnRef idx="1">
+            <a:schemeClr val="accent1"/>
+          </a:lnRef>
+          <a:fillRef idx="0">
+            <a:schemeClr val="accent1"/>
+          </a:fillRef>
+          <a:effectRef idx="0">
+            <a:schemeClr val="accent1"/>
+          </a:effectRef>
+          <a:fontRef idx="minor">
+            <a:schemeClr val="tx1"/>
+          </a:fontRef>
+        </p:style>
+      </p:cxnSp>
       <p:sp useBgFill="1">
         <p:nvSpPr>
-          <p:cNvPr id="23" name="Rectangle 22">
-            <a:extLst>
-              <a:ext uri="{FF2B5EF4-FFF2-40B4-BE49-F238E27FC236}">
-                <a16:creationId xmlns:a16="http://schemas.microsoft.com/office/drawing/2014/main" id="{5F710FDB-0919-493E-8539-8240C23F1EB2}"/>
+          <p:cNvPr id="15" name="Rectangle 14">
+            <a:extLst>
+              <a:ext uri="{FF2B5EF4-FFF2-40B4-BE49-F238E27FC236}">
+                <a16:creationId xmlns:a16="http://schemas.microsoft.com/office/drawing/2014/main" id="{33E93247-6229-44AB-A550-739E971E690B}"/>
               </a:ext>
               <a:ext uri="{C183D7F6-B498-43B3-948B-1728B52AA6E4}">
                 <adec:decorative xmlns:adec="http://schemas.microsoft.com/office/drawing/2017/decorative" val="1"/>
@@ -5606,46 +5828,91 @@
           <a:bodyPr rtlCol="0" anchor="ctr"/>
           <a:lstStyle/>
           <a:p>
-            <a:pPr marL="0" marR="0" lvl="0" indent="0" algn="ctr" defTabSz="914400" rtl="0" eaLnBrk="1" fontAlgn="auto" latinLnBrk="0" hangingPunct="1">
-              <a:lnSpc>
-                <a:spcPct val="100000"/>
-              </a:lnSpc>
-              <a:spcBef>
-                <a:spcPts val="0"/>
-              </a:spcBef>
-              <a:spcAft>
-                <a:spcPts val="0"/>
-              </a:spcAft>
-              <a:buClrTx/>
-              <a:buSzTx/>
-              <a:buFontTx/>
-              <a:buNone/>
-              <a:tabLst/>
-              <a:defRPr/>
-            </a:pPr>
-            <a:endParaRPr kumimoji="0" lang="en-US" sz="1800" b="0" i="0" u="none" strike="noStrike" kern="1200" cap="none" spc="0" normalizeH="0" baseline="0" noProof="0">
-              <a:ln>
-                <a:noFill/>
-              </a:ln>
-              <a:solidFill>
-                <a:srgbClr val="FFFFFF"/>
-              </a:solidFill>
-              <a:effectLst/>
-              <a:uLnTx/>
-              <a:uFillTx/>
-              <a:latin typeface="Calisto MT"/>
-              <a:ea typeface="+mn-ea"/>
-              <a:cs typeface="+mn-cs"/>
-            </a:endParaRPr>
+            <a:pPr algn="ctr"/>
+            <a:endParaRPr lang="en-US"/>
           </a:p>
         </p:txBody>
       </p:sp>
+      <p:sp>
+        <p:nvSpPr>
+          <p:cNvPr id="2" name="Título 1">
+            <a:extLst>
+              <a:ext uri="{FF2B5EF4-FFF2-40B4-BE49-F238E27FC236}">
+                <a16:creationId xmlns:a16="http://schemas.microsoft.com/office/drawing/2014/main" id="{E48DE7E1-A1AE-56E5-91BB-0C550EDA84D4}"/>
+              </a:ext>
+            </a:extLst>
+          </p:cNvPr>
+          <p:cNvSpPr>
+            <a:spLocks noGrp="1"/>
+          </p:cNvSpPr>
+          <p:nvPr>
+            <p:ph type="title"/>
+          </p:nvPr>
+        </p:nvSpPr>
+        <p:spPr>
+          <a:xfrm>
+            <a:off x="1969770" y="5852162"/>
+            <a:ext cx="5965190" cy="746854"/>
+          </a:xfrm>
+        </p:spPr>
+        <p:txBody>
+          <a:bodyPr vert="horz" lIns="91440" tIns="45720" rIns="91440" bIns="45720" rtlCol="0" anchor="t">
+            <a:normAutofit/>
+          </a:bodyPr>
+          <a:lstStyle/>
+          <a:p>
+            <a:r>
+              <a:rPr lang="en-US" dirty="0"/>
+              <a:t>PRUEBAS DE CARGA!!</a:t>
+            </a:r>
+          </a:p>
+        </p:txBody>
+      </p:sp>
+      <p:pic>
+        <p:nvPicPr>
+          <p:cNvPr id="8" name="Graphic 7" descr="Battery Charging">
+            <a:extLst>
+              <a:ext uri="{FF2B5EF4-FFF2-40B4-BE49-F238E27FC236}">
+                <a16:creationId xmlns:a16="http://schemas.microsoft.com/office/drawing/2014/main" id="{825AA62F-EBD4-F976-B52D-C051C175E621}"/>
+              </a:ext>
+            </a:extLst>
+          </p:cNvPr>
+          <p:cNvPicPr>
+            <a:picLocks noChangeAspect="1"/>
+          </p:cNvPicPr>
+          <p:nvPr/>
+        </p:nvPicPr>
+        <p:blipFill>
+          <a:blip r:embed="rId2">
+            <a:extLst>
+              <a:ext uri="{28A0092B-C50C-407E-A947-70E740481C1C}">
+                <a14:useLocalDpi xmlns:a14="http://schemas.microsoft.com/office/drawing/2010/main" val="0"/>
+              </a:ext>
+              <a:ext uri="{96DAC541-7B7A-43D3-8B79-37D633B846F1}">
+                <asvg:svgBlip xmlns:asvg="http://schemas.microsoft.com/office/drawing/2016/SVG/main" r:embed="rId3"/>
+              </a:ext>
+            </a:extLst>
+          </a:blip>
+          <a:stretch>
+            <a:fillRect/>
+          </a:stretch>
+        </p:blipFill>
+        <p:spPr>
+          <a:xfrm>
+            <a:off x="3497763" y="406400"/>
+            <a:ext cx="5196474" cy="5196474"/>
+          </a:xfrm>
+          <a:prstGeom prst="rect">
+            <a:avLst/>
+          </a:prstGeom>
+        </p:spPr>
+      </p:pic>
       <p:cxnSp>
         <p:nvCxnSpPr>
-          <p:cNvPr id="25" name="Straight Connector 24">
-            <a:extLst>
-              <a:ext uri="{FF2B5EF4-FFF2-40B4-BE49-F238E27FC236}">
-                <a16:creationId xmlns:a16="http://schemas.microsoft.com/office/drawing/2014/main" id="{22F20000-FD86-48F6-9363-FEC90C932DCD}"/>
+          <p:cNvPr id="17" name="Straight Connector 16">
+            <a:extLst>
+              <a:ext uri="{FF2B5EF4-FFF2-40B4-BE49-F238E27FC236}">
+                <a16:creationId xmlns:a16="http://schemas.microsoft.com/office/drawing/2014/main" id="{EE2E603F-4A95-4FE8-BB06-211DFD75DBEF}"/>
               </a:ext>
               <a:ext uri="{C183D7F6-B498-43B3-948B-1728B52AA6E4}">
                 <adec:decorative xmlns:adec="http://schemas.microsoft.com/office/drawing/2017/decorative" val="1"/>
@@ -5665,8 +5932,8 @@
         </p:nvCxnSpPr>
         <p:spPr>
           <a:xfrm>
-            <a:off x="800100" y="723900"/>
-            <a:ext cx="10591800" cy="0"/>
+            <a:off x="1969770" y="5719083"/>
+            <a:ext cx="8229600" cy="0"/>
           </a:xfrm>
           <a:prstGeom prst="line">
             <a:avLst/>
@@ -5692,21 +5959,140 @@
           </a:fontRef>
         </p:style>
       </p:cxnSp>
-      <p:cxnSp>
-        <p:nvCxnSpPr>
-          <p:cNvPr id="27" name="Straight Connector 26">
-            <a:extLst>
-              <a:ext uri="{FF2B5EF4-FFF2-40B4-BE49-F238E27FC236}">
-                <a16:creationId xmlns:a16="http://schemas.microsoft.com/office/drawing/2014/main" id="{872AE332-6ACA-45BE-875F-91A291D4A40D}"/>
+    </p:spTree>
+    <p:extLst>
+      <p:ext uri="{BB962C8B-B14F-4D97-AF65-F5344CB8AC3E}">
+        <p14:creationId xmlns:p14="http://schemas.microsoft.com/office/powerpoint/2010/main" val="3149734698"/>
+      </p:ext>
+    </p:extLst>
+  </p:cSld>
+  <p:clrMapOvr>
+    <a:masterClrMapping/>
+  </p:clrMapOvr>
+  <p:timing>
+    <p:tnLst>
+      <p:par>
+        <p:cTn id="1" dur="indefinite" restart="never" nodeType="tmRoot">
+          <p:childTnLst>
+            <p:seq concurrent="1" nextAc="seek">
+              <p:cTn id="2" dur="indefinite" nodeType="mainSeq">
+                <p:childTnLst>
+                  <p:par>
+                    <p:cTn id="3" fill="hold">
+                      <p:stCondLst>
+                        <p:cond delay="indefinite"/>
+                        <p:cond evt="onBegin" delay="0">
+                          <p:tn val="2"/>
+                        </p:cond>
+                      </p:stCondLst>
+                      <p:childTnLst>
+                        <p:par>
+                          <p:cTn id="4" fill="hold">
+                            <p:stCondLst>
+                              <p:cond delay="0"/>
+                            </p:stCondLst>
+                            <p:childTnLst>
+                              <p:par>
+                                <p:cTn id="5" presetID="1" presetClass="entr" presetSubtype="0" fill="hold" grpId="0" nodeType="afterEffect">
+                                  <p:stCondLst>
+                                    <p:cond delay="0"/>
+                                  </p:stCondLst>
+                                  <p:childTnLst>
+                                    <p:set>
+                                      <p:cBhvr>
+                                        <p:cTn id="6" dur="1" fill="hold">
+                                          <p:stCondLst>
+                                            <p:cond delay="0"/>
+                                          </p:stCondLst>
+                                        </p:cTn>
+                                        <p:tgtEl>
+                                          <p:spTgt spid="2"/>
+                                        </p:tgtEl>
+                                        <p:attrNameLst>
+                                          <p:attrName>style.visibility</p:attrName>
+                                        </p:attrNameLst>
+                                      </p:cBhvr>
+                                      <p:to>
+                                        <p:strVal val="visible"/>
+                                      </p:to>
+                                    </p:set>
+                                  </p:childTnLst>
+                                </p:cTn>
+                              </p:par>
+                            </p:childTnLst>
+                          </p:cTn>
+                        </p:par>
+                      </p:childTnLst>
+                    </p:cTn>
+                  </p:par>
+                </p:childTnLst>
+              </p:cTn>
+              <p:prevCondLst>
+                <p:cond evt="onPrev" delay="0">
+                  <p:tgtEl>
+                    <p:sldTgt/>
+                  </p:tgtEl>
+                </p:cond>
+              </p:prevCondLst>
+              <p:nextCondLst>
+                <p:cond evt="onNext" delay="0">
+                  <p:tgtEl>
+                    <p:sldTgt/>
+                  </p:tgtEl>
+                </p:cond>
+              </p:nextCondLst>
+            </p:seq>
+          </p:childTnLst>
+        </p:cTn>
+      </p:par>
+    </p:tnLst>
+    <p:bldLst>
+      <p:bldP spid="2" grpId="0"/>
+    </p:bldLst>
+  </p:timing>
+</p:sld>
+</file>
+
+<file path=ppt/slides/slide6.xml><?xml version="1.0" encoding="utf-8"?>
+<p:sld xmlns:a="http://schemas.openxmlformats.org/drawingml/2006/main" xmlns:r="http://schemas.openxmlformats.org/officeDocument/2006/relationships" xmlns:p="http://schemas.openxmlformats.org/presentationml/2006/main">
+  <p:cSld>
+    <p:bg>
+      <p:bgPr>
+        <a:solidFill>
+          <a:schemeClr val="bg1"/>
+        </a:solidFill>
+        <a:effectLst/>
+      </p:bgPr>
+    </p:bg>
+    <p:spTree>
+      <p:nvGrpSpPr>
+        <p:cNvPr id="1" name=""/>
+        <p:cNvGrpSpPr/>
+        <p:nvPr/>
+      </p:nvGrpSpPr>
+      <p:grpSpPr>
+        <a:xfrm>
+          <a:off x="0" y="0"/>
+          <a:ext cx="0" cy="0"/>
+          <a:chOff x="0" y="0"/>
+          <a:chExt cx="0" cy="0"/>
+        </a:xfrm>
+      </p:grpSpPr>
+      <p:sp useBgFill="1">
+        <p:nvSpPr>
+          <p:cNvPr id="11" name="Rectangle 10">
+            <a:extLst>
+              <a:ext uri="{FF2B5EF4-FFF2-40B4-BE49-F238E27FC236}">
+                <a16:creationId xmlns:a16="http://schemas.microsoft.com/office/drawing/2014/main" id="{E49D7415-2F11-44C2-B6AA-13A25B6814B9}"/>
               </a:ext>
               <a:ext uri="{C183D7F6-B498-43B3-948B-1728B52AA6E4}">
                 <adec:decorative xmlns:adec="http://schemas.microsoft.com/office/drawing/2017/decorative" val="1"/>
               </a:ext>
             </a:extLst>
           </p:cNvPr>
-          <p:cNvCxnSpPr>
-            <a:cxnSpLocks noGrp="1" noRot="1" noChangeAspect="1" noMove="1" noResize="1" noEditPoints="1" noAdjustHandles="1" noChangeArrowheads="1" noChangeShapeType="1"/>
-          </p:cNvCxnSpPr>
+          <p:cNvSpPr>
+            <a:spLocks noGrp="1" noRot="1" noChangeAspect="1" noMove="1" noResize="1" noEditPoints="1" noAdjustHandles="1" noChangeArrowheads="1" noChangeShapeType="1" noTextEdit="1"/>
+          </p:cNvSpPr>
           <p:nvPr>
             <p:extLst>
               <p:ext uri="{386F3935-93C4-4BCD-93E2-E3B085C9AB24}">
@@ -5714,11 +6100,809 @@
               </p:ext>
             </p:extLst>
           </p:nvPr>
+        </p:nvSpPr>
+        <p:spPr>
+          <a:xfrm>
+            <a:off x="0" y="0"/>
+            <a:ext cx="12192000" cy="6858000"/>
+          </a:xfrm>
+          <a:prstGeom prst="rect">
+            <a:avLst/>
+          </a:prstGeom>
+          <a:ln w="12700" cap="flat" cmpd="sng" algn="ctr">
+            <a:noFill/>
+            <a:prstDash val="solid"/>
+            <a:miter lim="800000"/>
+          </a:ln>
+          <a:effectLst/>
+          <a:extLst>
+            <a:ext uri="{91240B29-F687-4F45-9708-019B960494DF}">
+              <a14:hiddenLine xmlns:a14="http://schemas.microsoft.com/office/drawing/2010/main" w="12700" cap="flat" cmpd="sng" algn="ctr">
+                <a:solidFill>
+                  <a:schemeClr val="accent1">
+                    <a:shade val="50000"/>
+                  </a:schemeClr>
+                </a:solidFill>
+                <a:prstDash val="solid"/>
+                <a:miter lim="800000"/>
+              </a14:hiddenLine>
+            </a:ext>
+          </a:extLst>
+        </p:spPr>
+        <p:style>
+          <a:lnRef idx="2">
+            <a:schemeClr val="accent1">
+              <a:shade val="50000"/>
+            </a:schemeClr>
+          </a:lnRef>
+          <a:fillRef idx="1">
+            <a:schemeClr val="accent1"/>
+          </a:fillRef>
+          <a:effectRef idx="0">
+            <a:schemeClr val="accent1"/>
+          </a:effectRef>
+          <a:fontRef idx="minor">
+            <a:schemeClr val="lt1"/>
+          </a:fontRef>
+        </p:style>
+        <p:txBody>
+          <a:bodyPr rtlCol="0" anchor="ctr"/>
+          <a:lstStyle/>
+          <a:p>
+            <a:pPr algn="ctr"/>
+            <a:endParaRPr lang="en-US"/>
+          </a:p>
+        </p:txBody>
+      </p:sp>
+      <p:sp>
+        <p:nvSpPr>
+          <p:cNvPr id="2" name="Título 1">
+            <a:extLst>
+              <a:ext uri="{FF2B5EF4-FFF2-40B4-BE49-F238E27FC236}">
+                <a16:creationId xmlns:a16="http://schemas.microsoft.com/office/drawing/2014/main" id="{FCD3AFD1-2271-77BD-28E3-83118CB10460}"/>
+              </a:ext>
+            </a:extLst>
+          </p:cNvPr>
+          <p:cNvSpPr>
+            <a:spLocks noGrp="1"/>
+          </p:cNvSpPr>
+          <p:nvPr>
+            <p:ph type="title"/>
+          </p:nvPr>
+        </p:nvSpPr>
+        <p:spPr>
+          <a:xfrm>
+            <a:off x="704088" y="914400"/>
+            <a:ext cx="10687812" cy="798194"/>
+          </a:xfrm>
+        </p:spPr>
+        <p:txBody>
+          <a:bodyPr>
+            <a:normAutofit/>
+          </a:bodyPr>
+          <a:lstStyle/>
+          <a:p>
+            <a:r>
+              <a:rPr lang="es-ES"/>
+              <a:t>Breakpoint test</a:t>
+            </a:r>
+            <a:endParaRPr lang="es-ES" dirty="0"/>
+          </a:p>
+        </p:txBody>
+      </p:sp>
+      <p:cxnSp>
+        <p:nvCxnSpPr>
+          <p:cNvPr id="13" name="Straight Connector 12">
+            <a:extLst>
+              <a:ext uri="{FF2B5EF4-FFF2-40B4-BE49-F238E27FC236}">
+                <a16:creationId xmlns:a16="http://schemas.microsoft.com/office/drawing/2014/main" id="{D2E57F3D-33BE-4306-87E6-245763719516}"/>
+              </a:ext>
+              <a:ext uri="{C183D7F6-B498-43B3-948B-1728B52AA6E4}">
+                <adec:decorative xmlns:adec="http://schemas.microsoft.com/office/drawing/2017/decorative" val="1"/>
+              </a:ext>
+            </a:extLst>
+          </p:cNvPr>
+          <p:cNvCxnSpPr>
+            <a:cxnSpLocks noGrp="1" noRot="1" noChangeAspect="1" noMove="1" noResize="1" noEditPoints="1" noAdjustHandles="1" noChangeArrowheads="1" noChangeShapeType="1"/>
+          </p:cNvCxnSpPr>
+          <p:nvPr>
+            <p:extLst>
+              <p:ext uri="{386F3935-93C4-4BCD-93E2-E3B085C9AB24}">
+                <p16:designElem xmlns:p16="http://schemas.microsoft.com/office/powerpoint/2015/main" val="1"/>
+              </p:ext>
+            </p:extLst>
+          </p:nvPr>
         </p:nvCxnSpPr>
         <p:spPr>
           <a:xfrm>
-            <a:off x="800100" y="6142781"/>
-            <a:ext cx="10591800" cy="0"/>
+            <a:off x="804672" y="723900"/>
+            <a:ext cx="10588752" cy="0"/>
+          </a:xfrm>
+          <a:prstGeom prst="line">
+            <a:avLst/>
+          </a:prstGeom>
+          <a:ln w="44450">
+            <a:solidFill>
+              <a:schemeClr val="tx1"/>
+            </a:solidFill>
+          </a:ln>
+        </p:spPr>
+        <p:style>
+          <a:lnRef idx="1">
+            <a:schemeClr val="accent1"/>
+          </a:lnRef>
+          <a:fillRef idx="0">
+            <a:schemeClr val="accent1"/>
+          </a:fillRef>
+          <a:effectRef idx="0">
+            <a:schemeClr val="accent1"/>
+          </a:effectRef>
+          <a:fontRef idx="minor">
+            <a:schemeClr val="tx1"/>
+          </a:fontRef>
+        </p:style>
+      </p:cxnSp>
+      <p:pic>
+        <p:nvPicPr>
+          <p:cNvPr id="6" name="Imagen 5" descr="Interfaz de usuario gráfica&#10;&#10;El contenido generado por IA puede ser incorrecto.">
+            <a:extLst>
+              <a:ext uri="{FF2B5EF4-FFF2-40B4-BE49-F238E27FC236}">
+                <a16:creationId xmlns:a16="http://schemas.microsoft.com/office/drawing/2014/main" id="{7D78AC8D-6D45-2D66-45B0-D00D855FA688}"/>
+              </a:ext>
+            </a:extLst>
+          </p:cNvPr>
+          <p:cNvPicPr>
+            <a:picLocks noChangeAspect="1"/>
+          </p:cNvPicPr>
+          <p:nvPr/>
+        </p:nvPicPr>
+        <p:blipFill>
+          <a:blip r:embed="rId2">
+            <a:extLst>
+              <a:ext uri="{28A0092B-C50C-407E-A947-70E740481C1C}">
+                <a14:useLocalDpi xmlns:a14="http://schemas.microsoft.com/office/drawing/2010/main" val="0"/>
+              </a:ext>
+            </a:extLst>
+          </a:blip>
+          <a:stretch>
+            <a:fillRect/>
+          </a:stretch>
+        </p:blipFill>
+        <p:spPr>
+          <a:xfrm>
+            <a:off x="704088" y="2517556"/>
+            <a:ext cx="6072188" cy="3005732"/>
+          </a:xfrm>
+          <a:prstGeom prst="rect">
+            <a:avLst/>
+          </a:prstGeom>
+        </p:spPr>
+      </p:pic>
+      <p:sp>
+        <p:nvSpPr>
+          <p:cNvPr id="4" name="Rectangle 1">
+            <a:extLst>
+              <a:ext uri="{FF2B5EF4-FFF2-40B4-BE49-F238E27FC236}">
+                <a16:creationId xmlns:a16="http://schemas.microsoft.com/office/drawing/2014/main" id="{4D4E9692-B66E-1A36-3686-CC1180E3EE24}"/>
+              </a:ext>
+            </a:extLst>
+          </p:cNvPr>
+          <p:cNvSpPr>
+            <a:spLocks noGrp="1" noChangeArrowheads="1"/>
+          </p:cNvSpPr>
+          <p:nvPr>
+            <p:ph idx="1"/>
+          </p:nvPr>
+        </p:nvSpPr>
+        <p:spPr bwMode="auto">
+          <a:xfrm>
+            <a:off x="7200900" y="1849121"/>
+            <a:ext cx="4191001" cy="4139626"/>
+          </a:xfrm>
+          <a:prstGeom prst="rect">
+            <a:avLst/>
+          </a:prstGeom>
+          <a:extLst>
+            <a:ext uri="{91240B29-F687-4F45-9708-019B960494DF}">
+              <a14:hiddenLine xmlns:a14="http://schemas.microsoft.com/office/drawing/2010/main" w="9525">
+                <a:solidFill>
+                  <a:schemeClr val="tx1"/>
+                </a:solidFill>
+                <a:miter lim="800000"/>
+                <a:headEnd/>
+                <a:tailEnd/>
+              </a14:hiddenLine>
+            </a:ext>
+            <a:ext uri="{AF507438-7753-43E0-B8FC-AC1667EBCBE1}">
+              <a14:hiddenEffects xmlns:a14="http://schemas.microsoft.com/office/drawing/2010/main">
+                <a:effectLst>
+                  <a:outerShdw dist="35921" dir="2700000" algn="ctr" rotWithShape="0">
+                    <a:schemeClr val="bg2"/>
+                  </a:outerShdw>
+                </a:effectLst>
+              </a14:hiddenEffects>
+            </a:ext>
+          </a:extLst>
+        </p:spPr>
+        <p:txBody>
+          <a:bodyPr vert="horz" lIns="91440" tIns="45720" rIns="91440" bIns="45720" numCol="1" anchor="b" anchorCtr="0" compatLnSpc="1">
+            <a:prstTxWarp prst="textNoShape">
+              <a:avLst/>
+            </a:prstTxWarp>
+            <a:normAutofit/>
+          </a:bodyPr>
+          <a:lstStyle/>
+          <a:p>
+            <a:pPr marL="0" marR="0" lvl="0" indent="0" defTabSz="914400" rtl="0" eaLnBrk="0" fontAlgn="base" latinLnBrk="0" hangingPunct="0">
+              <a:lnSpc>
+                <a:spcPct val="100000"/>
+              </a:lnSpc>
+              <a:spcBef>
+                <a:spcPct val="0"/>
+              </a:spcBef>
+              <a:spcAft>
+                <a:spcPts val="600"/>
+              </a:spcAft>
+              <a:buClrTx/>
+              <a:buSzTx/>
+              <a:buFontTx/>
+              <a:buNone/>
+              <a:tabLst/>
+            </a:pPr>
+            <a:r>
+              <a:rPr kumimoji="0" lang="es-ES" altLang="es-ES" sz="1700" b="0" i="0" u="none" strike="noStrike" cap="none" normalizeH="0" baseline="0" dirty="0" err="1">
+                <a:ln>
+                  <a:noFill/>
+                </a:ln>
+                <a:effectLst/>
+                <a:latin typeface="JetBrains Mono"/>
+              </a:rPr>
+              <a:t>import</a:t>
+            </a:r>
+            <a:r>
+              <a:rPr kumimoji="0" lang="es-ES" altLang="es-ES" sz="1700" b="0" i="0" u="none" strike="noStrike" cap="none" normalizeH="0" baseline="0" dirty="0">
+                <a:ln>
+                  <a:noFill/>
+                </a:ln>
+                <a:effectLst/>
+                <a:latin typeface="JetBrains Mono"/>
+              </a:rPr>
+              <a:t> http </a:t>
+            </a:r>
+            <a:r>
+              <a:rPr kumimoji="0" lang="es-ES" altLang="es-ES" sz="1700" b="0" i="0" u="none" strike="noStrike" cap="none" normalizeH="0" baseline="0" dirty="0" err="1">
+                <a:ln>
+                  <a:noFill/>
+                </a:ln>
+                <a:effectLst/>
+                <a:latin typeface="JetBrains Mono"/>
+              </a:rPr>
+              <a:t>from</a:t>
+            </a:r>
+            <a:r>
+              <a:rPr kumimoji="0" lang="es-ES" altLang="es-ES" sz="1700" b="0" i="0" u="none" strike="noStrike" cap="none" normalizeH="0" baseline="0" dirty="0">
+                <a:ln>
+                  <a:noFill/>
+                </a:ln>
+                <a:effectLst/>
+                <a:latin typeface="JetBrains Mono"/>
+              </a:rPr>
+              <a:t> 'k6/http';</a:t>
+            </a:r>
+            <a:br>
+              <a:rPr kumimoji="0" lang="es-ES" altLang="es-ES" sz="1700" b="0" i="0" u="none" strike="noStrike" cap="none" normalizeH="0" baseline="0" dirty="0">
+                <a:ln>
+                  <a:noFill/>
+                </a:ln>
+                <a:effectLst/>
+                <a:latin typeface="JetBrains Mono"/>
+              </a:rPr>
+            </a:br>
+            <a:br>
+              <a:rPr kumimoji="0" lang="es-ES" altLang="es-ES" sz="1700" b="0" i="0" u="none" strike="noStrike" cap="none" normalizeH="0" baseline="0" dirty="0">
+                <a:ln>
+                  <a:noFill/>
+                </a:ln>
+                <a:effectLst/>
+                <a:latin typeface="JetBrains Mono"/>
+              </a:rPr>
+            </a:br>
+            <a:r>
+              <a:rPr kumimoji="0" lang="es-ES" altLang="es-ES" sz="1700" b="0" i="0" u="none" strike="noStrike" cap="none" normalizeH="0" baseline="0" dirty="0" err="1">
+                <a:ln>
+                  <a:noFill/>
+                </a:ln>
+                <a:effectLst/>
+                <a:latin typeface="JetBrains Mono"/>
+              </a:rPr>
+              <a:t>export</a:t>
+            </a:r>
+            <a:r>
+              <a:rPr kumimoji="0" lang="es-ES" altLang="es-ES" sz="1700" b="0" i="0" u="none" strike="noStrike" cap="none" normalizeH="0" baseline="0" dirty="0">
+                <a:ln>
+                  <a:noFill/>
+                </a:ln>
+                <a:effectLst/>
+                <a:latin typeface="JetBrains Mono"/>
+              </a:rPr>
+              <a:t> </a:t>
+            </a:r>
+            <a:r>
+              <a:rPr kumimoji="0" lang="es-ES" altLang="es-ES" sz="1700" b="0" i="0" u="none" strike="noStrike" cap="none" normalizeH="0" baseline="0" dirty="0" err="1">
+                <a:ln>
+                  <a:noFill/>
+                </a:ln>
+                <a:effectLst/>
+                <a:latin typeface="JetBrains Mono"/>
+              </a:rPr>
+              <a:t>const</a:t>
+            </a:r>
+            <a:r>
+              <a:rPr kumimoji="0" lang="es-ES" altLang="es-ES" sz="1700" b="0" i="0" u="none" strike="noStrike" cap="none" normalizeH="0" baseline="0" dirty="0">
+                <a:ln>
+                  <a:noFill/>
+                </a:ln>
+                <a:effectLst/>
+                <a:latin typeface="JetBrains Mono"/>
+              </a:rPr>
+              <a:t> </a:t>
+            </a:r>
+            <a:r>
+              <a:rPr kumimoji="0" lang="es-ES" altLang="es-ES" sz="1700" b="0" i="1" u="none" strike="noStrike" cap="none" normalizeH="0" baseline="0" dirty="0" err="1">
+                <a:ln>
+                  <a:noFill/>
+                </a:ln>
+                <a:effectLst/>
+                <a:latin typeface="JetBrains Mono"/>
+              </a:rPr>
+              <a:t>options</a:t>
+            </a:r>
+            <a:r>
+              <a:rPr kumimoji="0" lang="es-ES" altLang="es-ES" sz="1700" b="0" i="1" u="none" strike="noStrike" cap="none" normalizeH="0" baseline="0" dirty="0">
+                <a:ln>
+                  <a:noFill/>
+                </a:ln>
+                <a:effectLst/>
+                <a:latin typeface="JetBrains Mono"/>
+              </a:rPr>
+              <a:t> </a:t>
+            </a:r>
+            <a:r>
+              <a:rPr kumimoji="0" lang="es-ES" altLang="es-ES" sz="1700" b="0" i="0" u="none" strike="noStrike" cap="none" normalizeH="0" baseline="0" dirty="0">
+                <a:ln>
+                  <a:noFill/>
+                </a:ln>
+                <a:effectLst/>
+                <a:latin typeface="JetBrains Mono"/>
+              </a:rPr>
+              <a:t>= {</a:t>
+            </a:r>
+            <a:br>
+              <a:rPr kumimoji="0" lang="es-ES" altLang="es-ES" sz="1700" b="0" i="0" u="none" strike="noStrike" cap="none" normalizeH="0" baseline="0" dirty="0">
+                <a:ln>
+                  <a:noFill/>
+                </a:ln>
+                <a:effectLst/>
+                <a:latin typeface="JetBrains Mono"/>
+              </a:rPr>
+            </a:br>
+            <a:r>
+              <a:rPr kumimoji="0" lang="es-ES" altLang="es-ES" sz="1700" b="0" i="0" u="none" strike="noStrike" cap="none" normalizeH="0" baseline="0" dirty="0">
+                <a:ln>
+                  <a:noFill/>
+                </a:ln>
+                <a:effectLst/>
+                <a:latin typeface="JetBrains Mono"/>
+              </a:rPr>
+              <a:t>    </a:t>
+            </a:r>
+            <a:r>
+              <a:rPr kumimoji="0" lang="es-ES" altLang="es-ES" sz="1700" b="0" i="0" u="none" strike="noStrike" cap="none" normalizeH="0" baseline="0" dirty="0" err="1">
+                <a:ln>
+                  <a:noFill/>
+                </a:ln>
+                <a:effectLst/>
+                <a:latin typeface="JetBrains Mono"/>
+              </a:rPr>
+              <a:t>stages</a:t>
+            </a:r>
+            <a:r>
+              <a:rPr kumimoji="0" lang="es-ES" altLang="es-ES" sz="1700" b="0" i="0" u="none" strike="noStrike" cap="none" normalizeH="0" baseline="0" dirty="0">
+                <a:ln>
+                  <a:noFill/>
+                </a:ln>
+                <a:effectLst/>
+                <a:latin typeface="JetBrains Mono"/>
+              </a:rPr>
+              <a:t>: [</a:t>
+            </a:r>
+            <a:br>
+              <a:rPr kumimoji="0" lang="es-ES" altLang="es-ES" sz="1700" b="0" i="0" u="none" strike="noStrike" cap="none" normalizeH="0" baseline="0" dirty="0">
+                <a:ln>
+                  <a:noFill/>
+                </a:ln>
+                <a:effectLst/>
+                <a:latin typeface="JetBrains Mono"/>
+              </a:rPr>
+            </a:br>
+            <a:r>
+              <a:rPr kumimoji="0" lang="es-ES" altLang="es-ES" sz="1700" b="0" i="0" u="none" strike="noStrike" cap="none" normalizeH="0" baseline="0" dirty="0">
+                <a:ln>
+                  <a:noFill/>
+                </a:ln>
+                <a:effectLst/>
+                <a:latin typeface="JetBrains Mono"/>
+              </a:rPr>
+              <a:t>        { </a:t>
+            </a:r>
+            <a:r>
+              <a:rPr kumimoji="0" lang="es-ES" altLang="es-ES" sz="1700" b="0" i="0" u="none" strike="noStrike" cap="none" normalizeH="0" baseline="0" dirty="0" err="1">
+                <a:ln>
+                  <a:noFill/>
+                </a:ln>
+                <a:effectLst/>
+                <a:latin typeface="JetBrains Mono"/>
+              </a:rPr>
+              <a:t>duration</a:t>
+            </a:r>
+            <a:r>
+              <a:rPr kumimoji="0" lang="es-ES" altLang="es-ES" sz="1700" b="0" i="0" u="none" strike="noStrike" cap="none" normalizeH="0" baseline="0" dirty="0">
+                <a:ln>
+                  <a:noFill/>
+                </a:ln>
+                <a:effectLst/>
+                <a:latin typeface="JetBrains Mono"/>
+              </a:rPr>
+              <a:t>: '10m', target: 100000 },</a:t>
+            </a:r>
+            <a:br>
+              <a:rPr kumimoji="0" lang="es-ES" altLang="es-ES" sz="1700" b="0" i="0" u="none" strike="noStrike" cap="none" normalizeH="0" baseline="0" dirty="0">
+                <a:ln>
+                  <a:noFill/>
+                </a:ln>
+                <a:effectLst/>
+                <a:latin typeface="JetBrains Mono"/>
+              </a:rPr>
+            </a:br>
+            <a:r>
+              <a:rPr kumimoji="0" lang="es-ES" altLang="es-ES" sz="1700" b="0" i="0" u="none" strike="noStrike" cap="none" normalizeH="0" baseline="0" dirty="0">
+                <a:ln>
+                  <a:noFill/>
+                </a:ln>
+                <a:effectLst/>
+                <a:latin typeface="JetBrains Mono"/>
+              </a:rPr>
+              <a:t>    ],</a:t>
+            </a:r>
+            <a:br>
+              <a:rPr kumimoji="0" lang="es-ES" altLang="es-ES" sz="1700" b="0" i="0" u="none" strike="noStrike" cap="none" normalizeH="0" baseline="0" dirty="0">
+                <a:ln>
+                  <a:noFill/>
+                </a:ln>
+                <a:effectLst/>
+                <a:latin typeface="JetBrains Mono"/>
+              </a:rPr>
+            </a:br>
+            <a:r>
+              <a:rPr kumimoji="0" lang="es-ES" altLang="es-ES" sz="1700" b="0" i="0" u="none" strike="noStrike" cap="none" normalizeH="0" baseline="0" dirty="0">
+                <a:ln>
+                  <a:noFill/>
+                </a:ln>
+                <a:effectLst/>
+                <a:latin typeface="JetBrains Mono"/>
+              </a:rPr>
+              <a:t>    </a:t>
+            </a:r>
+            <a:r>
+              <a:rPr kumimoji="0" lang="es-ES" altLang="es-ES" sz="1700" b="0" i="0" u="none" strike="noStrike" cap="none" normalizeH="0" baseline="0" dirty="0" err="1">
+                <a:ln>
+                  <a:noFill/>
+                </a:ln>
+                <a:effectLst/>
+                <a:latin typeface="JetBrains Mono"/>
+              </a:rPr>
+              <a:t>thresholds</a:t>
+            </a:r>
+            <a:r>
+              <a:rPr kumimoji="0" lang="es-ES" altLang="es-ES" sz="1700" b="0" i="0" u="none" strike="noStrike" cap="none" normalizeH="0" baseline="0" dirty="0">
+                <a:ln>
+                  <a:noFill/>
+                </a:ln>
+                <a:effectLst/>
+                <a:latin typeface="JetBrains Mono"/>
+              </a:rPr>
+              <a:t>: {</a:t>
+            </a:r>
+            <a:br>
+              <a:rPr kumimoji="0" lang="es-ES" altLang="es-ES" sz="1700" b="0" i="0" u="none" strike="noStrike" cap="none" normalizeH="0" baseline="0" dirty="0">
+                <a:ln>
+                  <a:noFill/>
+                </a:ln>
+                <a:effectLst/>
+                <a:latin typeface="JetBrains Mono"/>
+              </a:rPr>
+            </a:br>
+            <a:r>
+              <a:rPr kumimoji="0" lang="es-ES" altLang="es-ES" sz="1700" b="0" i="0" u="none" strike="noStrike" cap="none" normalizeH="0" baseline="0" dirty="0">
+                <a:ln>
+                  <a:noFill/>
+                </a:ln>
+                <a:effectLst/>
+                <a:latin typeface="JetBrains Mono"/>
+              </a:rPr>
+              <a:t>        </a:t>
+            </a:r>
+            <a:r>
+              <a:rPr kumimoji="0" lang="es-ES" altLang="es-ES" sz="1700" b="0" i="0" u="none" strike="noStrike" cap="none" normalizeH="0" baseline="0" dirty="0" err="1">
+                <a:ln>
+                  <a:noFill/>
+                </a:ln>
+                <a:effectLst/>
+                <a:latin typeface="JetBrains Mono"/>
+              </a:rPr>
+              <a:t>http_req_failed</a:t>
+            </a:r>
+            <a:r>
+              <a:rPr kumimoji="0" lang="es-ES" altLang="es-ES" sz="1700" b="0" i="0" u="none" strike="noStrike" cap="none" normalizeH="0" baseline="0" dirty="0">
+                <a:ln>
+                  <a:noFill/>
+                </a:ln>
+                <a:effectLst/>
+                <a:latin typeface="JetBrains Mono"/>
+              </a:rPr>
+              <a:t>: [{ </a:t>
+            </a:r>
+            <a:r>
+              <a:rPr kumimoji="0" lang="es-ES" altLang="es-ES" sz="1700" b="0" i="0" u="none" strike="noStrike" cap="none" normalizeH="0" baseline="0" dirty="0" err="1">
+                <a:ln>
+                  <a:noFill/>
+                </a:ln>
+                <a:effectLst/>
+                <a:latin typeface="JetBrains Mono"/>
+              </a:rPr>
+              <a:t>threshold</a:t>
+            </a:r>
+            <a:r>
+              <a:rPr kumimoji="0" lang="es-ES" altLang="es-ES" sz="1700" b="0" i="0" u="none" strike="noStrike" cap="none" normalizeH="0" baseline="0" dirty="0">
+                <a:ln>
+                  <a:noFill/>
+                </a:ln>
+                <a:effectLst/>
+                <a:latin typeface="JetBrains Mono"/>
+              </a:rPr>
+              <a:t>: '</a:t>
+            </a:r>
+            <a:r>
+              <a:rPr kumimoji="0" lang="es-ES" altLang="es-ES" sz="1700" b="0" i="0" u="none" strike="noStrike" cap="none" normalizeH="0" baseline="0" dirty="0" err="1">
+                <a:ln>
+                  <a:noFill/>
+                </a:ln>
+                <a:effectLst/>
+                <a:latin typeface="JetBrains Mono"/>
+              </a:rPr>
+              <a:t>rate</a:t>
+            </a:r>
+            <a:r>
+              <a:rPr kumimoji="0" lang="es-ES" altLang="es-ES" sz="1700" b="0" i="0" u="none" strike="noStrike" cap="none" normalizeH="0" baseline="0" dirty="0">
+                <a:ln>
+                  <a:noFill/>
+                </a:ln>
+                <a:effectLst/>
+                <a:latin typeface="JetBrains Mono"/>
+              </a:rPr>
+              <a:t>&lt;=0.01', </a:t>
+            </a:r>
+            <a:r>
+              <a:rPr kumimoji="0" lang="es-ES" altLang="es-ES" sz="1700" b="0" i="0" u="none" strike="noStrike" cap="none" normalizeH="0" baseline="0" dirty="0" err="1">
+                <a:ln>
+                  <a:noFill/>
+                </a:ln>
+                <a:effectLst/>
+                <a:latin typeface="JetBrains Mono"/>
+              </a:rPr>
+              <a:t>abortOnFail</a:t>
+            </a:r>
+            <a:r>
+              <a:rPr kumimoji="0" lang="es-ES" altLang="es-ES" sz="1700" b="0" i="0" u="none" strike="noStrike" cap="none" normalizeH="0" baseline="0" dirty="0">
+                <a:ln>
+                  <a:noFill/>
+                </a:ln>
+                <a:effectLst/>
+                <a:latin typeface="JetBrains Mono"/>
+              </a:rPr>
+              <a:t>: true }],</a:t>
+            </a:r>
+            <a:br>
+              <a:rPr kumimoji="0" lang="es-ES" altLang="es-ES" sz="1700" b="0" i="0" u="none" strike="noStrike" cap="none" normalizeH="0" baseline="0" dirty="0">
+                <a:ln>
+                  <a:noFill/>
+                </a:ln>
+                <a:effectLst/>
+                <a:latin typeface="JetBrains Mono"/>
+              </a:rPr>
+            </a:br>
+            <a:r>
+              <a:rPr kumimoji="0" lang="es-ES" altLang="es-ES" sz="1700" b="0" i="0" u="none" strike="noStrike" cap="none" normalizeH="0" baseline="0" dirty="0">
+                <a:ln>
+                  <a:noFill/>
+                </a:ln>
+                <a:effectLst/>
+                <a:latin typeface="JetBrains Mono"/>
+              </a:rPr>
+              <a:t>    },</a:t>
+            </a:r>
+            <a:br>
+              <a:rPr kumimoji="0" lang="es-ES" altLang="es-ES" sz="1700" b="0" i="0" u="none" strike="noStrike" cap="none" normalizeH="0" baseline="0" dirty="0">
+                <a:ln>
+                  <a:noFill/>
+                </a:ln>
+                <a:effectLst/>
+                <a:latin typeface="JetBrains Mono"/>
+              </a:rPr>
+            </a:br>
+            <a:r>
+              <a:rPr kumimoji="0" lang="es-ES" altLang="es-ES" sz="1700" b="0" i="0" u="none" strike="noStrike" cap="none" normalizeH="0" baseline="0" dirty="0">
+                <a:ln>
+                  <a:noFill/>
+                </a:ln>
+                <a:effectLst/>
+                <a:latin typeface="JetBrains Mono"/>
+              </a:rPr>
+              <a:t>};</a:t>
+            </a:r>
+            <a:br>
+              <a:rPr kumimoji="0" lang="es-ES" altLang="es-ES" sz="1700" b="0" i="0" u="none" strike="noStrike" cap="none" normalizeH="0" baseline="0" dirty="0">
+                <a:ln>
+                  <a:noFill/>
+                </a:ln>
+                <a:effectLst/>
+                <a:latin typeface="JetBrains Mono"/>
+              </a:rPr>
+            </a:br>
+            <a:br>
+              <a:rPr kumimoji="0" lang="es-ES" altLang="es-ES" sz="1700" b="0" i="0" u="none" strike="noStrike" cap="none" normalizeH="0" baseline="0" dirty="0">
+                <a:ln>
+                  <a:noFill/>
+                </a:ln>
+                <a:effectLst/>
+                <a:latin typeface="JetBrains Mono"/>
+              </a:rPr>
+            </a:br>
+            <a:r>
+              <a:rPr kumimoji="0" lang="es-ES" altLang="es-ES" sz="1700" b="0" i="0" u="none" strike="noStrike" cap="none" normalizeH="0" baseline="0" dirty="0" err="1">
+                <a:ln>
+                  <a:noFill/>
+                </a:ln>
+                <a:effectLst/>
+                <a:latin typeface="JetBrains Mono"/>
+              </a:rPr>
+              <a:t>export</a:t>
+            </a:r>
+            <a:r>
+              <a:rPr kumimoji="0" lang="es-ES" altLang="es-ES" sz="1700" b="0" i="0" u="none" strike="noStrike" cap="none" normalizeH="0" baseline="0" dirty="0">
+                <a:ln>
+                  <a:noFill/>
+                </a:ln>
+                <a:effectLst/>
+                <a:latin typeface="JetBrains Mono"/>
+              </a:rPr>
+              <a:t> default </a:t>
+            </a:r>
+            <a:r>
+              <a:rPr kumimoji="0" lang="es-ES" altLang="es-ES" sz="1700" b="0" i="0" u="none" strike="noStrike" cap="none" normalizeH="0" baseline="0" dirty="0" err="1">
+                <a:ln>
+                  <a:noFill/>
+                </a:ln>
+                <a:effectLst/>
+                <a:latin typeface="JetBrains Mono"/>
+              </a:rPr>
+              <a:t>function</a:t>
+            </a:r>
+            <a:r>
+              <a:rPr kumimoji="0" lang="es-ES" altLang="es-ES" sz="1700" b="0" i="0" u="none" strike="noStrike" cap="none" normalizeH="0" baseline="0" dirty="0">
+                <a:ln>
+                  <a:noFill/>
+                </a:ln>
+                <a:effectLst/>
+                <a:latin typeface="JetBrains Mono"/>
+              </a:rPr>
+              <a:t> () {</a:t>
+            </a:r>
+            <a:br>
+              <a:rPr kumimoji="0" lang="es-ES" altLang="es-ES" sz="1700" b="0" i="0" u="none" strike="noStrike" cap="none" normalizeH="0" baseline="0" dirty="0">
+                <a:ln>
+                  <a:noFill/>
+                </a:ln>
+                <a:effectLst/>
+                <a:latin typeface="JetBrains Mono"/>
+              </a:rPr>
+            </a:br>
+            <a:r>
+              <a:rPr kumimoji="0" lang="es-ES" altLang="es-ES" sz="1700" b="0" i="0" u="none" strike="noStrike" cap="none" normalizeH="0" baseline="0" dirty="0">
+                <a:ln>
+                  <a:noFill/>
+                </a:ln>
+                <a:effectLst/>
+                <a:latin typeface="JetBrains Mono"/>
+              </a:rPr>
+              <a:t>    </a:t>
+            </a:r>
+            <a:r>
+              <a:rPr kumimoji="0" lang="es-ES" altLang="es-ES" sz="1700" b="0" i="0" u="none" strike="noStrike" cap="none" normalizeH="0" baseline="0" dirty="0" err="1">
+                <a:ln>
+                  <a:noFill/>
+                </a:ln>
+                <a:effectLst/>
+                <a:latin typeface="JetBrains Mono"/>
+              </a:rPr>
+              <a:t>http.get</a:t>
+            </a:r>
+            <a:r>
+              <a:rPr kumimoji="0" lang="es-ES" altLang="es-ES" sz="1700" b="0" i="0" u="none" strike="noStrike" cap="none" normalizeH="0" baseline="0" dirty="0">
+                <a:ln>
+                  <a:noFill/>
+                </a:ln>
+                <a:effectLst/>
+                <a:latin typeface="JetBrains Mono"/>
+              </a:rPr>
+              <a:t>('http://localhost:8080/');</a:t>
+            </a:r>
+            <a:br>
+              <a:rPr kumimoji="0" lang="es-ES" altLang="es-ES" sz="1700" b="0" i="0" u="none" strike="noStrike" cap="none" normalizeH="0" baseline="0" dirty="0">
+                <a:ln>
+                  <a:noFill/>
+                </a:ln>
+                <a:effectLst/>
+                <a:latin typeface="JetBrains Mono"/>
+              </a:rPr>
+            </a:br>
+            <a:r>
+              <a:rPr kumimoji="0" lang="es-ES" altLang="es-ES" sz="1700" b="0" i="0" u="none" strike="noStrike" cap="none" normalizeH="0" baseline="0" dirty="0">
+                <a:ln>
+                  <a:noFill/>
+                </a:ln>
+                <a:effectLst/>
+                <a:latin typeface="JetBrains Mono"/>
+              </a:rPr>
+              <a:t>}</a:t>
+            </a:r>
+            <a:endParaRPr kumimoji="0" lang="es-ES" altLang="es-ES" sz="1700" b="0" i="0" u="none" strike="noStrike" cap="none" normalizeH="0" baseline="0" dirty="0">
+              <a:ln>
+                <a:noFill/>
+              </a:ln>
+              <a:effectLst/>
+              <a:latin typeface="Arial" panose="020B0604020202020204" pitchFamily="34" charset="0"/>
+            </a:endParaRPr>
+          </a:p>
+        </p:txBody>
+      </p:sp>
+      <p:cxnSp>
+        <p:nvCxnSpPr>
+          <p:cNvPr id="18" name="Straight Connector 14">
+            <a:extLst>
+              <a:ext uri="{FF2B5EF4-FFF2-40B4-BE49-F238E27FC236}">
+                <a16:creationId xmlns:a16="http://schemas.microsoft.com/office/drawing/2014/main" id="{8E0104E4-99BC-494F-8342-F250828E574F}"/>
+              </a:ext>
+              <a:ext uri="{C183D7F6-B498-43B3-948B-1728B52AA6E4}">
+                <adec:decorative xmlns:adec="http://schemas.microsoft.com/office/drawing/2017/decorative" val="1"/>
+              </a:ext>
+            </a:extLst>
+          </p:cNvPr>
+          <p:cNvCxnSpPr>
+            <a:cxnSpLocks noGrp="1" noRot="1" noChangeAspect="1" noMove="1" noResize="1" noEditPoints="1" noAdjustHandles="1" noChangeArrowheads="1" noChangeShapeType="1"/>
+          </p:cNvCxnSpPr>
+          <p:nvPr>
+            <p:extLst>
+              <p:ext uri="{386F3935-93C4-4BCD-93E2-E3B085C9AB24}">
+                <p16:designElem xmlns:p16="http://schemas.microsoft.com/office/powerpoint/2015/main" val="1"/>
+              </p:ext>
+            </p:extLst>
+          </p:nvPr>
+        </p:nvCxnSpPr>
+        <p:spPr>
+          <a:xfrm>
+            <a:off x="809065" y="6145599"/>
+            <a:ext cx="10582835" cy="0"/>
           </a:xfrm>
           <a:prstGeom prst="line">
             <a:avLst/>
@@ -5744,12 +6928,276 @@
           </a:fontRef>
         </p:style>
       </p:cxnSp>
+    </p:spTree>
+    <p:extLst>
+      <p:ext uri="{BB962C8B-B14F-4D97-AF65-F5344CB8AC3E}">
+        <p14:creationId xmlns:p14="http://schemas.microsoft.com/office/powerpoint/2010/main" val="4005341219"/>
+      </p:ext>
+    </p:extLst>
+  </p:cSld>
+  <p:clrMapOvr>
+    <a:masterClrMapping/>
+  </p:clrMapOvr>
+  <p:timing>
+    <p:tnLst>
+      <p:par>
+        <p:cTn id="1" dur="indefinite" restart="never" nodeType="tmRoot">
+          <p:childTnLst>
+            <p:seq concurrent="1" nextAc="seek">
+              <p:cTn id="2" dur="indefinite" nodeType="mainSeq">
+                <p:childTnLst>
+                  <p:par>
+                    <p:cTn id="3" fill="hold">
+                      <p:stCondLst>
+                        <p:cond delay="indefinite"/>
+                        <p:cond evt="onBegin" delay="0">
+                          <p:tn val="2"/>
+                        </p:cond>
+                      </p:stCondLst>
+                      <p:childTnLst>
+                        <p:par>
+                          <p:cTn id="4" fill="hold">
+                            <p:stCondLst>
+                              <p:cond delay="0"/>
+                            </p:stCondLst>
+                            <p:childTnLst>
+                              <p:par>
+                                <p:cTn id="5" presetID="10" presetClass="entr" presetSubtype="0" fill="hold" nodeType="afterEffect">
+                                  <p:stCondLst>
+                                    <p:cond delay="0"/>
+                                  </p:stCondLst>
+                                  <p:childTnLst>
+                                    <p:set>
+                                      <p:cBhvr>
+                                        <p:cTn id="6" dur="1" fill="hold">
+                                          <p:stCondLst>
+                                            <p:cond delay="0"/>
+                                          </p:stCondLst>
+                                        </p:cTn>
+                                        <p:tgtEl>
+                                          <p:spTgt spid="6"/>
+                                        </p:tgtEl>
+                                        <p:attrNameLst>
+                                          <p:attrName>style.visibility</p:attrName>
+                                        </p:attrNameLst>
+                                      </p:cBhvr>
+                                      <p:to>
+                                        <p:strVal val="visible"/>
+                                      </p:to>
+                                    </p:set>
+                                    <p:animEffect transition="in" filter="fade">
+                                      <p:cBhvr>
+                                        <p:cTn id="7" dur="500"/>
+                                        <p:tgtEl>
+                                          <p:spTgt spid="6"/>
+                                        </p:tgtEl>
+                                      </p:cBhvr>
+                                    </p:animEffect>
+                                  </p:childTnLst>
+                                </p:cTn>
+                              </p:par>
+                            </p:childTnLst>
+                          </p:cTn>
+                        </p:par>
+                      </p:childTnLst>
+                    </p:cTn>
+                  </p:par>
+                  <p:par>
+                    <p:cTn id="8" fill="hold">
+                      <p:stCondLst>
+                        <p:cond delay="indefinite"/>
+                      </p:stCondLst>
+                      <p:childTnLst>
+                        <p:par>
+                          <p:cTn id="9" fill="hold">
+                            <p:stCondLst>
+                              <p:cond delay="0"/>
+                            </p:stCondLst>
+                            <p:childTnLst>
+                              <p:par>
+                                <p:cTn id="10" presetID="10" presetClass="entr" presetSubtype="0" fill="hold" grpId="0" nodeType="clickEffect">
+                                  <p:stCondLst>
+                                    <p:cond delay="0"/>
+                                  </p:stCondLst>
+                                  <p:childTnLst>
+                                    <p:set>
+                                      <p:cBhvr>
+                                        <p:cTn id="11" dur="1" fill="hold">
+                                          <p:stCondLst>
+                                            <p:cond delay="0"/>
+                                          </p:stCondLst>
+                                        </p:cTn>
+                                        <p:tgtEl>
+                                          <p:spTgt spid="4">
+                                            <p:txEl>
+                                              <p:pRg st="0" end="0"/>
+                                            </p:txEl>
+                                          </p:spTgt>
+                                        </p:tgtEl>
+                                        <p:attrNameLst>
+                                          <p:attrName>style.visibility</p:attrName>
+                                        </p:attrNameLst>
+                                      </p:cBhvr>
+                                      <p:to>
+                                        <p:strVal val="visible"/>
+                                      </p:to>
+                                    </p:set>
+                                    <p:animEffect transition="in" filter="fade">
+                                      <p:cBhvr>
+                                        <p:cTn id="12" dur="500"/>
+                                        <p:tgtEl>
+                                          <p:spTgt spid="4">
+                                            <p:txEl>
+                                              <p:pRg st="0" end="0"/>
+                                            </p:txEl>
+                                          </p:spTgt>
+                                        </p:tgtEl>
+                                      </p:cBhvr>
+                                    </p:animEffect>
+                                  </p:childTnLst>
+                                </p:cTn>
+                              </p:par>
+                            </p:childTnLst>
+                          </p:cTn>
+                        </p:par>
+                      </p:childTnLst>
+                    </p:cTn>
+                  </p:par>
+                </p:childTnLst>
+              </p:cTn>
+              <p:prevCondLst>
+                <p:cond evt="onPrev" delay="0">
+                  <p:tgtEl>
+                    <p:sldTgt/>
+                  </p:tgtEl>
+                </p:cond>
+              </p:prevCondLst>
+              <p:nextCondLst>
+                <p:cond evt="onNext" delay="0">
+                  <p:tgtEl>
+                    <p:sldTgt/>
+                  </p:tgtEl>
+                </p:cond>
+              </p:nextCondLst>
+            </p:seq>
+          </p:childTnLst>
+        </p:cTn>
+      </p:par>
+    </p:tnLst>
+    <p:bldLst>
+      <p:bldP spid="4" grpId="0" build="p"/>
+    </p:bldLst>
+  </p:timing>
+</p:sld>
+</file>
+
+<file path=ppt/slides/slide7.xml><?xml version="1.0" encoding="utf-8"?>
+<p:sld xmlns:a="http://schemas.openxmlformats.org/drawingml/2006/main" xmlns:r="http://schemas.openxmlformats.org/officeDocument/2006/relationships" xmlns:p="http://schemas.openxmlformats.org/presentationml/2006/main">
+  <p:cSld>
+    <p:bg>
+      <p:bgPr>
+        <a:solidFill>
+          <a:schemeClr val="bg1"/>
+        </a:solidFill>
+        <a:effectLst/>
+      </p:bgPr>
+    </p:bg>
+    <p:spTree>
+      <p:nvGrpSpPr>
+        <p:cNvPr id="1" name=""/>
+        <p:cNvGrpSpPr/>
+        <p:nvPr/>
+      </p:nvGrpSpPr>
+      <p:grpSpPr>
+        <a:xfrm>
+          <a:off x="0" y="0"/>
+          <a:ext cx="0" cy="0"/>
+          <a:chOff x="0" y="0"/>
+          <a:chExt cx="0" cy="0"/>
+        </a:xfrm>
+      </p:grpSpPr>
+      <p:sp useBgFill="1">
+        <p:nvSpPr>
+          <p:cNvPr id="21" name="Rectangle 20">
+            <a:extLst>
+              <a:ext uri="{FF2B5EF4-FFF2-40B4-BE49-F238E27FC236}">
+                <a16:creationId xmlns:a16="http://schemas.microsoft.com/office/drawing/2014/main" id="{E49D7415-2F11-44C2-B6AA-13A25B6814B9}"/>
+              </a:ext>
+              <a:ext uri="{C183D7F6-B498-43B3-948B-1728B52AA6E4}">
+                <adec:decorative xmlns:adec="http://schemas.microsoft.com/office/drawing/2017/decorative" val="1"/>
+              </a:ext>
+            </a:extLst>
+          </p:cNvPr>
+          <p:cNvSpPr>
+            <a:spLocks noGrp="1" noRot="1" noChangeAspect="1" noMove="1" noResize="1" noEditPoints="1" noAdjustHandles="1" noChangeArrowheads="1" noChangeShapeType="1" noTextEdit="1"/>
+          </p:cNvSpPr>
+          <p:nvPr>
+            <p:extLst>
+              <p:ext uri="{386F3935-93C4-4BCD-93E2-E3B085C9AB24}">
+                <p16:designElem xmlns:p16="http://schemas.microsoft.com/office/powerpoint/2015/main" val="1"/>
+              </p:ext>
+            </p:extLst>
+          </p:nvPr>
+        </p:nvSpPr>
+        <p:spPr>
+          <a:xfrm>
+            <a:off x="0" y="0"/>
+            <a:ext cx="12192000" cy="6858000"/>
+          </a:xfrm>
+          <a:prstGeom prst="rect">
+            <a:avLst/>
+          </a:prstGeom>
+          <a:ln w="12700" cap="flat" cmpd="sng" algn="ctr">
+            <a:noFill/>
+            <a:prstDash val="solid"/>
+            <a:miter lim="800000"/>
+          </a:ln>
+          <a:effectLst/>
+          <a:extLst>
+            <a:ext uri="{91240B29-F687-4F45-9708-019B960494DF}">
+              <a14:hiddenLine xmlns:a14="http://schemas.microsoft.com/office/drawing/2010/main" w="12700" cap="flat" cmpd="sng" algn="ctr">
+                <a:solidFill>
+                  <a:schemeClr val="accent1">
+                    <a:shade val="50000"/>
+                  </a:schemeClr>
+                </a:solidFill>
+                <a:prstDash val="solid"/>
+                <a:miter lim="800000"/>
+              </a14:hiddenLine>
+            </a:ext>
+          </a:extLst>
+        </p:spPr>
+        <p:style>
+          <a:lnRef idx="2">
+            <a:schemeClr val="accent1">
+              <a:shade val="50000"/>
+            </a:schemeClr>
+          </a:lnRef>
+          <a:fillRef idx="1">
+            <a:schemeClr val="accent1"/>
+          </a:fillRef>
+          <a:effectRef idx="0">
+            <a:schemeClr val="accent1"/>
+          </a:effectRef>
+          <a:fontRef idx="minor">
+            <a:schemeClr val="lt1"/>
+          </a:fontRef>
+        </p:style>
+        <p:txBody>
+          <a:bodyPr rtlCol="0" anchor="ctr"/>
+          <a:lstStyle/>
+          <a:p>
+            <a:pPr algn="ctr"/>
+            <a:endParaRPr lang="en-US"/>
+          </a:p>
+        </p:txBody>
+      </p:sp>
       <p:sp>
         <p:nvSpPr>
-          <p:cNvPr id="2" name="Title 1">
-            <a:extLst>
-              <a:ext uri="{FF2B5EF4-FFF2-40B4-BE49-F238E27FC236}">
-                <a16:creationId xmlns:a16="http://schemas.microsoft.com/office/drawing/2014/main" id="{E8E79197-6E5B-E6BA-95AD-B05AC599D54C}"/>
+          <p:cNvPr id="2" name="Título 1">
+            <a:extLst>
+              <a:ext uri="{FF2B5EF4-FFF2-40B4-BE49-F238E27FC236}">
+                <a16:creationId xmlns:a16="http://schemas.microsoft.com/office/drawing/2014/main" id="{331A9ED5-797A-E01E-223D-80B26B49882B}"/>
               </a:ext>
             </a:extLst>
           </p:cNvPr>
@@ -5762,8 +7210,8 @@
         </p:nvSpPr>
         <p:spPr>
           <a:xfrm>
-            <a:off x="702129" y="914760"/>
-            <a:ext cx="3678485" cy="3543764"/>
+            <a:off x="704088" y="914400"/>
+            <a:ext cx="4041648" cy="1928741"/>
           </a:xfrm>
         </p:spPr>
         <p:txBody>
@@ -5773,22 +7221,107 @@
           <a:lstStyle/>
           <a:p>
             <a:r>
-              <a:rPr lang="en-GB" dirty="0" err="1"/>
-              <a:t>Pruebas</a:t>
-            </a:r>
-            <a:r>
-              <a:rPr lang="en-GB" dirty="0"/>
-              <a:t> end to end con playwright!!</a:t>
-            </a:r>
+              <a:rPr lang="es-ES"/>
+              <a:t>Stress test</a:t>
+            </a:r>
+            <a:endParaRPr lang="es-ES" dirty="0"/>
           </a:p>
         </p:txBody>
       </p:sp>
+      <p:cxnSp>
+        <p:nvCxnSpPr>
+          <p:cNvPr id="23" name="Straight Connector 22">
+            <a:extLst>
+              <a:ext uri="{FF2B5EF4-FFF2-40B4-BE49-F238E27FC236}">
+                <a16:creationId xmlns:a16="http://schemas.microsoft.com/office/drawing/2014/main" id="{D2E57F3D-33BE-4306-87E6-245763719516}"/>
+              </a:ext>
+              <a:ext uri="{C183D7F6-B498-43B3-948B-1728B52AA6E4}">
+                <adec:decorative xmlns:adec="http://schemas.microsoft.com/office/drawing/2017/decorative" val="1"/>
+              </a:ext>
+            </a:extLst>
+          </p:cNvPr>
+          <p:cNvCxnSpPr>
+            <a:cxnSpLocks noGrp="1" noRot="1" noChangeAspect="1" noMove="1" noResize="1" noEditPoints="1" noAdjustHandles="1" noChangeArrowheads="1" noChangeShapeType="1"/>
+          </p:cNvCxnSpPr>
+          <p:nvPr>
+            <p:extLst>
+              <p:ext uri="{386F3935-93C4-4BCD-93E2-E3B085C9AB24}">
+                <p16:designElem xmlns:p16="http://schemas.microsoft.com/office/powerpoint/2015/main" val="1"/>
+              </p:ext>
+            </p:extLst>
+          </p:nvPr>
+        </p:nvCxnSpPr>
+        <p:spPr>
+          <a:xfrm>
+            <a:off x="804672" y="723900"/>
+            <a:ext cx="10588752" cy="0"/>
+          </a:xfrm>
+          <a:prstGeom prst="line">
+            <a:avLst/>
+          </a:prstGeom>
+          <a:ln w="44450">
+            <a:solidFill>
+              <a:schemeClr val="tx1"/>
+            </a:solidFill>
+          </a:ln>
+        </p:spPr>
+        <p:style>
+          <a:lnRef idx="1">
+            <a:schemeClr val="accent1"/>
+          </a:lnRef>
+          <a:fillRef idx="0">
+            <a:schemeClr val="accent1"/>
+          </a:fillRef>
+          <a:effectRef idx="0">
+            <a:schemeClr val="accent1"/>
+          </a:effectRef>
+          <a:fontRef idx="minor">
+            <a:schemeClr val="tx1"/>
+          </a:fontRef>
+        </p:style>
+      </p:cxnSp>
+      <p:pic>
+        <p:nvPicPr>
+          <p:cNvPr id="6" name="Imagen 5" descr="Una pantalla de un video juego&#10;&#10;El contenido generado por IA puede ser incorrecto.">
+            <a:extLst>
+              <a:ext uri="{FF2B5EF4-FFF2-40B4-BE49-F238E27FC236}">
+                <a16:creationId xmlns:a16="http://schemas.microsoft.com/office/drawing/2014/main" id="{9B4A7E9A-E1E8-5259-BABE-349A74D73297}"/>
+              </a:ext>
+            </a:extLst>
+          </p:cNvPr>
+          <p:cNvPicPr>
+            <a:picLocks noChangeAspect="1"/>
+          </p:cNvPicPr>
+          <p:nvPr/>
+        </p:nvPicPr>
+        <p:blipFill>
+          <a:blip r:embed="rId2">
+            <a:extLst>
+              <a:ext uri="{28A0092B-C50C-407E-A947-70E740481C1C}">
+                <a14:useLocalDpi xmlns:a14="http://schemas.microsoft.com/office/drawing/2010/main" val="0"/>
+              </a:ext>
+            </a:extLst>
+          </a:blip>
+          <a:stretch>
+            <a:fillRect/>
+          </a:stretch>
+        </p:blipFill>
+        <p:spPr>
+          <a:xfrm>
+            <a:off x="463952" y="2198702"/>
+            <a:ext cx="4790800" cy="2651868"/>
+          </a:xfrm>
+          <a:prstGeom prst="rect">
+            <a:avLst/>
+          </a:prstGeom>
+        </p:spPr>
+      </p:pic>
       <p:sp>
         <p:nvSpPr>
           <p:cNvPr id="4" name="Rectangle 1">
             <a:extLst>
               <a:ext uri="{FF2B5EF4-FFF2-40B4-BE49-F238E27FC236}">
-                <a16:creationId xmlns:a16="http://schemas.microsoft.com/office/drawing/2014/main" id="{217B6D4F-E80F-5548-A00F-1B724C0EC3C0}"/>
+                <a16:creationId xmlns:a16="http://schemas.microsoft.com/office/drawing/2014/main" id="{9F5D2E26-A041-0140-B6AD-303B46439FAE}"/>
               </a:ext>
             </a:extLst>
           </p:cNvPr>
@@ -5801,8 +7334,8 @@
         </p:nvSpPr>
         <p:spPr bwMode="auto">
           <a:xfrm>
-            <a:off x="4773168" y="993228"/>
-            <a:ext cx="6720840" cy="4935981"/>
+            <a:off x="5330952" y="968377"/>
+            <a:ext cx="6144768" cy="5010912"/>
           </a:xfrm>
           <a:prstGeom prst="rect">
             <a:avLst/>
@@ -5855,37 +7388,47 @@
               <a:tabLst/>
             </a:pPr>
             <a:r>
-              <a:rPr kumimoji="0" lang="en-US" altLang="en-US" sz="1400" b="0" i="0" u="none" strike="noStrike" cap="none" normalizeH="0" baseline="0" dirty="0">
-                <a:ln>
-                  <a:noFill/>
-                </a:ln>
-                <a:effectLst/>
-                <a:latin typeface="JetBrains Mono"/>
-              </a:rPr>
-              <a:t>const { </a:t>
-            </a:r>
-            <a:r>
-              <a:rPr kumimoji="0" lang="en-US" altLang="en-US" sz="1400" b="0" i="1" u="none" strike="noStrike" cap="none" normalizeH="0" baseline="0" dirty="0">
-                <a:ln>
-                  <a:noFill/>
-                </a:ln>
-                <a:effectLst/>
-                <a:latin typeface="JetBrains Mono"/>
-              </a:rPr>
-              <a:t>chromium </a:t>
-            </a:r>
-            <a:r>
-              <a:rPr kumimoji="0" lang="en-US" altLang="en-US" sz="1400" b="0" i="0" u="none" strike="noStrike" cap="none" normalizeH="0" baseline="0" dirty="0">
-                <a:ln>
-                  <a:noFill/>
-                </a:ln>
-                <a:effectLst/>
-                <a:latin typeface="JetBrains Mono"/>
-              </a:rPr>
-              <a:t>} = require('playwright');</a:t>
+              <a:rPr kumimoji="0" lang="es-ES" altLang="es-ES" sz="1700" b="0" i="0" u="none" strike="noStrike" cap="none" normalizeH="0" baseline="0" dirty="0" err="1">
+                <a:ln>
+                  <a:noFill/>
+                </a:ln>
+                <a:effectLst/>
+                <a:latin typeface="JetBrains Mono"/>
+              </a:rPr>
+              <a:t>import</a:t>
+            </a:r>
+            <a:r>
+              <a:rPr kumimoji="0" lang="es-ES" altLang="es-ES" sz="1700" b="0" i="0" u="none" strike="noStrike" cap="none" normalizeH="0" baseline="0" dirty="0">
+                <a:ln>
+                  <a:noFill/>
+                </a:ln>
+                <a:effectLst/>
+                <a:latin typeface="JetBrains Mono"/>
+              </a:rPr>
+              <a:t> http </a:t>
+            </a:r>
+            <a:r>
+              <a:rPr kumimoji="0" lang="es-ES" altLang="es-ES" sz="1700" b="0" i="0" u="none" strike="noStrike" cap="none" normalizeH="0" baseline="0" dirty="0" err="1">
+                <a:ln>
+                  <a:noFill/>
+                </a:ln>
+                <a:effectLst/>
+                <a:latin typeface="JetBrains Mono"/>
+              </a:rPr>
+              <a:t>from</a:t>
+            </a:r>
+            <a:r>
+              <a:rPr kumimoji="0" lang="es-ES" altLang="es-ES" sz="1700" b="0" i="0" u="none" strike="noStrike" cap="none" normalizeH="0" baseline="0" dirty="0">
+                <a:ln>
+                  <a:noFill/>
+                </a:ln>
+                <a:effectLst/>
+                <a:latin typeface="JetBrains Mono"/>
+              </a:rPr>
+              <a:t> 'k6/http';</a:t>
             </a:r>
             <a:br>
-              <a:rPr kumimoji="0" lang="en-US" altLang="en-US" sz="1400" b="0" i="0" u="none" strike="noStrike" cap="none" normalizeH="0" baseline="0" dirty="0">
+              <a:rPr kumimoji="0" lang="es-ES" altLang="es-ES" sz="1700" b="0" i="0" u="none" strike="noStrike" cap="none" normalizeH="0" baseline="0" dirty="0">
                 <a:ln>
                   <a:noFill/>
                 </a:ln>
@@ -5894,7 +7437,7 @@
               </a:rPr>
             </a:br>
             <a:br>
-              <a:rPr kumimoji="0" lang="en-US" altLang="en-US" sz="1400" b="0" i="0" u="none" strike="noStrike" cap="none" normalizeH="0" baseline="0" dirty="0">
+              <a:rPr kumimoji="0" lang="es-ES" altLang="es-ES" sz="1700" b="0" i="0" u="none" strike="noStrike" cap="none" normalizeH="0" baseline="0" dirty="0">
                 <a:ln>
                   <a:noFill/>
                 </a:ln>
@@ -5903,17 +7446,77 @@
               </a:rPr>
             </a:br>
             <a:r>
-              <a:rPr kumimoji="0" lang="en-US" altLang="en-US" sz="1400" b="0" i="0" u="none" strike="noStrike" cap="none" normalizeH="0" baseline="0" dirty="0">
-                <a:ln>
-                  <a:noFill/>
-                </a:ln>
-                <a:effectLst/>
-                <a:latin typeface="JetBrains Mono"/>
-              </a:rPr>
-              <a:t>(async () =&gt; {</a:t>
+              <a:rPr kumimoji="0" lang="es-ES" altLang="es-ES" sz="1700" b="0" i="0" u="none" strike="noStrike" cap="none" normalizeH="0" baseline="0" dirty="0" err="1">
+                <a:ln>
+                  <a:noFill/>
+                </a:ln>
+                <a:effectLst/>
+                <a:latin typeface="JetBrains Mono"/>
+              </a:rPr>
+              <a:t>export</a:t>
+            </a:r>
+            <a:r>
+              <a:rPr kumimoji="0" lang="es-ES" altLang="es-ES" sz="1700" b="0" i="0" u="none" strike="noStrike" cap="none" normalizeH="0" baseline="0" dirty="0">
+                <a:ln>
+                  <a:noFill/>
+                </a:ln>
+                <a:effectLst/>
+                <a:latin typeface="JetBrains Mono"/>
+              </a:rPr>
+              <a:t> </a:t>
+            </a:r>
+            <a:r>
+              <a:rPr kumimoji="0" lang="es-ES" altLang="es-ES" sz="1700" b="0" i="0" u="none" strike="noStrike" cap="none" normalizeH="0" baseline="0" dirty="0" err="1">
+                <a:ln>
+                  <a:noFill/>
+                </a:ln>
+                <a:effectLst/>
+                <a:latin typeface="JetBrains Mono"/>
+              </a:rPr>
+              <a:t>const</a:t>
+            </a:r>
+            <a:r>
+              <a:rPr kumimoji="0" lang="es-ES" altLang="es-ES" sz="1700" b="0" i="0" u="none" strike="noStrike" cap="none" normalizeH="0" baseline="0" dirty="0">
+                <a:ln>
+                  <a:noFill/>
+                </a:ln>
+                <a:effectLst/>
+                <a:latin typeface="JetBrains Mono"/>
+              </a:rPr>
+              <a:t> </a:t>
+            </a:r>
+            <a:r>
+              <a:rPr kumimoji="0" lang="es-ES" altLang="es-ES" sz="1700" b="0" i="1" u="none" strike="noStrike" cap="none" normalizeH="0" baseline="0" dirty="0" err="1">
+                <a:ln>
+                  <a:noFill/>
+                </a:ln>
+                <a:effectLst/>
+                <a:latin typeface="JetBrains Mono"/>
+              </a:rPr>
+              <a:t>options</a:t>
+            </a:r>
+            <a:r>
+              <a:rPr kumimoji="0" lang="es-ES" altLang="es-ES" sz="1700" b="0" i="1" u="none" strike="noStrike" cap="none" normalizeH="0" baseline="0" dirty="0">
+                <a:ln>
+                  <a:noFill/>
+                </a:ln>
+                <a:effectLst/>
+                <a:latin typeface="JetBrains Mono"/>
+              </a:rPr>
+              <a:t> </a:t>
+            </a:r>
+            <a:r>
+              <a:rPr kumimoji="0" lang="es-ES" altLang="es-ES" sz="1700" b="0" i="0" u="none" strike="noStrike" cap="none" normalizeH="0" baseline="0" dirty="0">
+                <a:ln>
+                  <a:noFill/>
+                </a:ln>
+                <a:effectLst/>
+                <a:latin typeface="JetBrains Mono"/>
+              </a:rPr>
+              <a:t>= {</a:t>
             </a:r>
             <a:br>
-              <a:rPr kumimoji="0" lang="en-US" altLang="en-US" sz="1400" b="0" i="0" u="none" strike="noStrike" cap="none" normalizeH="0" baseline="0" dirty="0">
+              <a:rPr kumimoji="0" lang="es-ES" altLang="es-ES" sz="1700" b="0" i="0" u="none" strike="noStrike" cap="none" normalizeH="0" baseline="0" dirty="0">
                 <a:ln>
                   <a:noFill/>
                 </a:ln>
@@ -5922,77 +7525,37 @@
               </a:rPr>
             </a:br>
             <a:r>
-              <a:rPr kumimoji="0" lang="en-US" altLang="en-US" sz="1400" b="0" i="0" u="none" strike="noStrike" cap="none" normalizeH="0" baseline="0" dirty="0">
-                <a:ln>
-                  <a:noFill/>
-                </a:ln>
-                <a:effectLst/>
-                <a:latin typeface="JetBrains Mono"/>
-              </a:rPr>
-              <a:t>  // Lanza </a:t>
-            </a:r>
-            <a:r>
-              <a:rPr kumimoji="0" lang="en-US" altLang="en-US" sz="1400" b="0" i="0" u="none" strike="noStrike" cap="none" normalizeH="0" baseline="0" dirty="0" err="1">
-                <a:ln>
-                  <a:noFill/>
-                </a:ln>
-                <a:effectLst/>
-                <a:latin typeface="JetBrains Mono"/>
-              </a:rPr>
-              <a:t>el</a:t>
-            </a:r>
-            <a:r>
-              <a:rPr kumimoji="0" lang="en-US" altLang="en-US" sz="1400" b="0" i="0" u="none" strike="noStrike" cap="none" normalizeH="0" baseline="0" dirty="0">
-                <a:ln>
-                  <a:noFill/>
-                </a:ln>
-                <a:effectLst/>
-                <a:latin typeface="JetBrains Mono"/>
-              </a:rPr>
-              <a:t> </a:t>
-            </a:r>
-            <a:r>
-              <a:rPr kumimoji="0" lang="en-US" altLang="en-US" sz="1400" b="0" i="0" u="none" strike="noStrike" cap="none" normalizeH="0" baseline="0" dirty="0" err="1">
-                <a:ln>
-                  <a:noFill/>
-                </a:ln>
-                <a:effectLst/>
-                <a:latin typeface="JetBrains Mono"/>
-              </a:rPr>
-              <a:t>navegador</a:t>
-            </a:r>
-            <a:r>
-              <a:rPr kumimoji="0" lang="en-US" altLang="en-US" sz="1400" b="0" i="0" u="none" strike="noStrike" cap="none" normalizeH="0" baseline="0" dirty="0">
-                <a:ln>
-                  <a:noFill/>
-                </a:ln>
-                <a:effectLst/>
-                <a:latin typeface="JetBrains Mono"/>
-              </a:rPr>
-              <a:t> </a:t>
-            </a:r>
-            <a:r>
-              <a:rPr kumimoji="0" lang="en-US" altLang="en-US" sz="1400" b="0" i="0" u="none" strike="noStrike" cap="none" normalizeH="0" baseline="0" dirty="0" err="1">
-                <a:ln>
-                  <a:noFill/>
-                </a:ln>
-                <a:effectLst/>
-                <a:latin typeface="JetBrains Mono"/>
-              </a:rPr>
-              <a:t>en</a:t>
-            </a:r>
-            <a:r>
-              <a:rPr kumimoji="0" lang="en-US" altLang="en-US" sz="1400" b="0" i="0" u="none" strike="noStrike" cap="none" normalizeH="0" baseline="0" dirty="0">
-                <a:ln>
-                  <a:noFill/>
-                </a:ln>
-                <a:effectLst/>
-                <a:latin typeface="JetBrains Mono"/>
-              </a:rPr>
-              <a:t> modo no headless </a:t>
+              <a:rPr kumimoji="0" lang="es-ES" altLang="es-ES" sz="1700" b="0" i="0" u="none" strike="noStrike" cap="none" normalizeH="0" baseline="0" dirty="0">
+                <a:ln>
+                  <a:noFill/>
+                </a:ln>
+                <a:effectLst/>
+                <a:latin typeface="JetBrains Mono"/>
+              </a:rPr>
+              <a:t>    </a:t>
+            </a:r>
+            <a:r>
+              <a:rPr kumimoji="0" lang="es-ES" altLang="es-ES" sz="1700" b="0" i="0" u="none" strike="noStrike" cap="none" normalizeH="0" baseline="0" dirty="0" err="1">
+                <a:ln>
+                  <a:noFill/>
+                </a:ln>
+                <a:effectLst/>
+                <a:latin typeface="JetBrains Mono"/>
+              </a:rPr>
+              <a:t>stages</a:t>
+            </a:r>
+            <a:r>
+              <a:rPr kumimoji="0" lang="es-ES" altLang="es-ES" sz="1700" b="0" i="0" u="none" strike="noStrike" cap="none" normalizeH="0" baseline="0" dirty="0">
+                <a:ln>
+                  <a:noFill/>
+                </a:ln>
+                <a:effectLst/>
+                <a:latin typeface="JetBrains Mono"/>
+              </a:rPr>
+              <a:t>: [</a:t>
             </a:r>
             <a:br>
-              <a:rPr kumimoji="0" lang="en-US" altLang="en-US" sz="1400" b="0" i="0" u="none" strike="noStrike" cap="none" normalizeH="0" baseline="0" dirty="0">
+              <a:rPr kumimoji="0" lang="es-ES" altLang="es-ES" sz="1700" b="0" i="0" u="none" strike="noStrike" cap="none" normalizeH="0" baseline="0" dirty="0">
                 <a:ln>
                   <a:noFill/>
                 </a:ln>
@@ -6001,47 +7564,369 @@
               </a:rPr>
             </a:br>
             <a:r>
-              <a:rPr kumimoji="0" lang="en-US" altLang="en-US" sz="1400" b="0" i="0" u="none" strike="noStrike" cap="none" normalizeH="0" baseline="0" dirty="0">
-                <a:ln>
-                  <a:noFill/>
-                </a:ln>
-                <a:effectLst/>
-                <a:latin typeface="JetBrains Mono"/>
-              </a:rPr>
-              <a:t>  const browser = await </a:t>
-            </a:r>
-            <a:r>
-              <a:rPr kumimoji="0" lang="en-US" altLang="en-US" sz="1400" b="0" i="1" u="none" strike="noStrike" cap="none" normalizeH="0" baseline="0" dirty="0" err="1">
-                <a:ln>
-                  <a:noFill/>
-                </a:ln>
-                <a:effectLst/>
-                <a:latin typeface="JetBrains Mono"/>
-              </a:rPr>
-              <a:t>chromium</a:t>
-            </a:r>
-            <a:r>
-              <a:rPr kumimoji="0" lang="en-US" altLang="en-US" sz="1400" b="0" i="0" u="none" strike="noStrike" cap="none" normalizeH="0" baseline="0" dirty="0" err="1">
-                <a:ln>
-                  <a:noFill/>
-                </a:ln>
-                <a:effectLst/>
-                <a:latin typeface="JetBrains Mono"/>
-              </a:rPr>
-              <a:t>.launch</a:t>
-            </a:r>
-            <a:r>
-              <a:rPr kumimoji="0" lang="en-US" altLang="en-US" sz="1400" b="0" i="0" u="none" strike="noStrike" cap="none" normalizeH="0" baseline="0" dirty="0">
-                <a:ln>
-                  <a:noFill/>
-                </a:ln>
-                <a:effectLst/>
-                <a:latin typeface="JetBrains Mono"/>
-              </a:rPr>
-              <a:t>({ headless: false });</a:t>
+              <a:rPr kumimoji="0" lang="es-ES" altLang="es-ES" sz="1700" b="0" i="0" u="none" strike="noStrike" cap="none" normalizeH="0" baseline="0" dirty="0">
+                <a:ln>
+                  <a:noFill/>
+                </a:ln>
+                <a:effectLst/>
+                <a:latin typeface="JetBrains Mono"/>
+              </a:rPr>
+              <a:t>        { </a:t>
+            </a:r>
+            <a:r>
+              <a:rPr kumimoji="0" lang="es-ES" altLang="es-ES" sz="1700" b="0" i="0" u="none" strike="noStrike" cap="none" normalizeH="0" baseline="0" dirty="0" err="1">
+                <a:ln>
+                  <a:noFill/>
+                </a:ln>
+                <a:effectLst/>
+                <a:latin typeface="JetBrains Mono"/>
+              </a:rPr>
+              <a:t>duration</a:t>
+            </a:r>
+            <a:r>
+              <a:rPr kumimoji="0" lang="es-ES" altLang="es-ES" sz="1700" b="0" i="0" u="none" strike="noStrike" cap="none" normalizeH="0" baseline="0" dirty="0">
+                <a:ln>
+                  <a:noFill/>
+                </a:ln>
+                <a:effectLst/>
+                <a:latin typeface="JetBrains Mono"/>
+              </a:rPr>
+              <a:t>: '3m', target: 6777 },</a:t>
             </a:r>
             <a:br>
-              <a:rPr kumimoji="0" lang="en-US" altLang="en-US" sz="1400" b="0" i="0" u="none" strike="noStrike" cap="none" normalizeH="0" baseline="0" dirty="0">
+              <a:rPr kumimoji="0" lang="es-ES" altLang="es-ES" sz="1700" b="0" i="0" u="none" strike="noStrike" cap="none" normalizeH="0" baseline="0" dirty="0">
+                <a:ln>
+                  <a:noFill/>
+                </a:ln>
+                <a:effectLst/>
+                <a:latin typeface="JetBrains Mono"/>
+              </a:rPr>
+            </a:br>
+            <a:r>
+              <a:rPr kumimoji="0" lang="es-ES" altLang="es-ES" sz="1700" b="0" i="0" u="none" strike="noStrike" cap="none" normalizeH="0" baseline="0" dirty="0">
+                <a:ln>
+                  <a:noFill/>
+                </a:ln>
+                <a:effectLst/>
+                <a:latin typeface="JetBrains Mono"/>
+              </a:rPr>
+              <a:t>        { </a:t>
+            </a:r>
+            <a:r>
+              <a:rPr kumimoji="0" lang="es-ES" altLang="es-ES" sz="1700" b="0" i="0" u="none" strike="noStrike" cap="none" normalizeH="0" baseline="0" dirty="0" err="1">
+                <a:ln>
+                  <a:noFill/>
+                </a:ln>
+                <a:effectLst/>
+                <a:latin typeface="JetBrains Mono"/>
+              </a:rPr>
+              <a:t>duration</a:t>
+            </a:r>
+            <a:r>
+              <a:rPr kumimoji="0" lang="es-ES" altLang="es-ES" sz="1700" b="0" i="0" u="none" strike="noStrike" cap="none" normalizeH="0" baseline="0" dirty="0">
+                <a:ln>
+                  <a:noFill/>
+                </a:ln>
+                <a:effectLst/>
+                <a:latin typeface="JetBrains Mono"/>
+              </a:rPr>
+              <a:t>: '3m', target: 6777 },</a:t>
+            </a:r>
+            <a:br>
+              <a:rPr kumimoji="0" lang="es-ES" altLang="es-ES" sz="1700" b="0" i="0" u="none" strike="noStrike" cap="none" normalizeH="0" baseline="0" dirty="0">
+                <a:ln>
+                  <a:noFill/>
+                </a:ln>
+                <a:effectLst/>
+                <a:latin typeface="JetBrains Mono"/>
+              </a:rPr>
+            </a:br>
+            <a:r>
+              <a:rPr kumimoji="0" lang="es-ES" altLang="es-ES" sz="1700" b="0" i="0" u="none" strike="noStrike" cap="none" normalizeH="0" baseline="0" dirty="0">
+                <a:ln>
+                  <a:noFill/>
+                </a:ln>
+                <a:effectLst/>
+                <a:latin typeface="JetBrains Mono"/>
+              </a:rPr>
+              <a:t>        { </a:t>
+            </a:r>
+            <a:r>
+              <a:rPr kumimoji="0" lang="es-ES" altLang="es-ES" sz="1700" b="0" i="0" u="none" strike="noStrike" cap="none" normalizeH="0" baseline="0" dirty="0" err="1">
+                <a:ln>
+                  <a:noFill/>
+                </a:ln>
+                <a:effectLst/>
+                <a:latin typeface="JetBrains Mono"/>
+              </a:rPr>
+              <a:t>duration</a:t>
+            </a:r>
+            <a:r>
+              <a:rPr kumimoji="0" lang="es-ES" altLang="es-ES" sz="1700" b="0" i="0" u="none" strike="noStrike" cap="none" normalizeH="0" baseline="0" dirty="0">
+                <a:ln>
+                  <a:noFill/>
+                </a:ln>
+                <a:effectLst/>
+                <a:latin typeface="JetBrains Mono"/>
+              </a:rPr>
+              <a:t>: '2m', target: 0 },</a:t>
+            </a:r>
+            <a:br>
+              <a:rPr kumimoji="0" lang="es-ES" altLang="es-ES" sz="1700" b="0" i="0" u="none" strike="noStrike" cap="none" normalizeH="0" baseline="0" dirty="0">
+                <a:ln>
+                  <a:noFill/>
+                </a:ln>
+                <a:effectLst/>
+                <a:latin typeface="JetBrains Mono"/>
+              </a:rPr>
+            </a:br>
+            <a:r>
+              <a:rPr kumimoji="0" lang="es-ES" altLang="es-ES" sz="1700" b="0" i="0" u="none" strike="noStrike" cap="none" normalizeH="0" baseline="0" dirty="0">
+                <a:ln>
+                  <a:noFill/>
+                </a:ln>
+                <a:effectLst/>
+                <a:latin typeface="JetBrains Mono"/>
+              </a:rPr>
+              <a:t>    ],</a:t>
+            </a:r>
+            <a:br>
+              <a:rPr kumimoji="0" lang="es-ES" altLang="es-ES" sz="1700" b="0" i="0" u="none" strike="noStrike" cap="none" normalizeH="0" baseline="0" dirty="0">
+                <a:ln>
+                  <a:noFill/>
+                </a:ln>
+                <a:effectLst/>
+                <a:latin typeface="JetBrains Mono"/>
+              </a:rPr>
+            </a:br>
+            <a:r>
+              <a:rPr kumimoji="0" lang="es-ES" altLang="es-ES" sz="1700" b="0" i="0" u="none" strike="noStrike" cap="none" normalizeH="0" baseline="0" dirty="0">
+                <a:ln>
+                  <a:noFill/>
+                </a:ln>
+                <a:effectLst/>
+                <a:latin typeface="JetBrains Mono"/>
+              </a:rPr>
+              <a:t>    </a:t>
+            </a:r>
+            <a:r>
+              <a:rPr kumimoji="0" lang="es-ES" altLang="es-ES" sz="1700" b="0" i="0" u="none" strike="noStrike" cap="none" normalizeH="0" baseline="0" dirty="0" err="1">
+                <a:ln>
+                  <a:noFill/>
+                </a:ln>
+                <a:effectLst/>
+                <a:latin typeface="JetBrains Mono"/>
+              </a:rPr>
+              <a:t>thresholds</a:t>
+            </a:r>
+            <a:r>
+              <a:rPr kumimoji="0" lang="es-ES" altLang="es-ES" sz="1700" b="0" i="0" u="none" strike="noStrike" cap="none" normalizeH="0" baseline="0" dirty="0">
+                <a:ln>
+                  <a:noFill/>
+                </a:ln>
+                <a:effectLst/>
+                <a:latin typeface="JetBrains Mono"/>
+              </a:rPr>
+              <a:t>: {</a:t>
+            </a:r>
+            <a:br>
+              <a:rPr kumimoji="0" lang="es-ES" altLang="es-ES" sz="1700" b="0" i="0" u="none" strike="noStrike" cap="none" normalizeH="0" baseline="0" dirty="0">
+                <a:ln>
+                  <a:noFill/>
+                </a:ln>
+                <a:effectLst/>
+                <a:latin typeface="JetBrains Mono"/>
+              </a:rPr>
+            </a:br>
+            <a:r>
+              <a:rPr kumimoji="0" lang="es-ES" altLang="es-ES" sz="1700" b="0" i="0" u="none" strike="noStrike" cap="none" normalizeH="0" baseline="0" dirty="0">
+                <a:ln>
+                  <a:noFill/>
+                </a:ln>
+                <a:effectLst/>
+                <a:latin typeface="JetBrains Mono"/>
+              </a:rPr>
+              <a:t>        </a:t>
+            </a:r>
+            <a:r>
+              <a:rPr kumimoji="0" lang="es-ES" altLang="es-ES" sz="1700" b="0" i="0" u="none" strike="noStrike" cap="none" normalizeH="0" baseline="0" dirty="0" err="1">
+                <a:ln>
+                  <a:noFill/>
+                </a:ln>
+                <a:effectLst/>
+                <a:latin typeface="JetBrains Mono"/>
+              </a:rPr>
+              <a:t>http_req_failed</a:t>
+            </a:r>
+            <a:r>
+              <a:rPr kumimoji="0" lang="es-ES" altLang="es-ES" sz="1700" b="0" i="0" u="none" strike="noStrike" cap="none" normalizeH="0" baseline="0" dirty="0">
+                <a:ln>
+                  <a:noFill/>
+                </a:ln>
+                <a:effectLst/>
+                <a:latin typeface="JetBrains Mono"/>
+              </a:rPr>
+              <a:t>: [{ </a:t>
+            </a:r>
+            <a:r>
+              <a:rPr kumimoji="0" lang="es-ES" altLang="es-ES" sz="1700" b="0" i="0" u="none" strike="noStrike" cap="none" normalizeH="0" baseline="0" dirty="0" err="1">
+                <a:ln>
+                  <a:noFill/>
+                </a:ln>
+                <a:effectLst/>
+                <a:latin typeface="JetBrains Mono"/>
+              </a:rPr>
+              <a:t>threshold</a:t>
+            </a:r>
+            <a:r>
+              <a:rPr kumimoji="0" lang="es-ES" altLang="es-ES" sz="1700" b="0" i="0" u="none" strike="noStrike" cap="none" normalizeH="0" baseline="0" dirty="0">
+                <a:ln>
+                  <a:noFill/>
+                </a:ln>
+                <a:effectLst/>
+                <a:latin typeface="JetBrains Mono"/>
+              </a:rPr>
+              <a:t>: '</a:t>
+            </a:r>
+            <a:r>
+              <a:rPr kumimoji="0" lang="es-ES" altLang="es-ES" sz="1700" b="0" i="0" u="none" strike="noStrike" cap="none" normalizeH="0" baseline="0" dirty="0" err="1">
+                <a:ln>
+                  <a:noFill/>
+                </a:ln>
+                <a:effectLst/>
+                <a:latin typeface="JetBrains Mono"/>
+              </a:rPr>
+              <a:t>rate</a:t>
+            </a:r>
+            <a:r>
+              <a:rPr kumimoji="0" lang="es-ES" altLang="es-ES" sz="1700" b="0" i="0" u="none" strike="noStrike" cap="none" normalizeH="0" baseline="0" dirty="0">
+                <a:ln>
+                  <a:noFill/>
+                </a:ln>
+                <a:effectLst/>
+                <a:latin typeface="JetBrains Mono"/>
+              </a:rPr>
+              <a:t>&lt;=0.01', </a:t>
+            </a:r>
+            <a:r>
+              <a:rPr kumimoji="0" lang="es-ES" altLang="es-ES" sz="1700" b="0" i="0" u="none" strike="noStrike" cap="none" normalizeH="0" baseline="0" dirty="0" err="1">
+                <a:ln>
+                  <a:noFill/>
+                </a:ln>
+                <a:effectLst/>
+                <a:latin typeface="JetBrains Mono"/>
+              </a:rPr>
+              <a:t>abortOnFail</a:t>
+            </a:r>
+            <a:r>
+              <a:rPr kumimoji="0" lang="es-ES" altLang="es-ES" sz="1700" b="0" i="0" u="none" strike="noStrike" cap="none" normalizeH="0" baseline="0" dirty="0">
+                <a:ln>
+                  <a:noFill/>
+                </a:ln>
+                <a:effectLst/>
+                <a:latin typeface="JetBrains Mono"/>
+              </a:rPr>
+              <a:t>: true }],</a:t>
+            </a:r>
+            <a:br>
+              <a:rPr kumimoji="0" lang="es-ES" altLang="es-ES" sz="1700" b="0" i="0" u="none" strike="noStrike" cap="none" normalizeH="0" baseline="0" dirty="0">
+                <a:ln>
+                  <a:noFill/>
+                </a:ln>
+                <a:effectLst/>
+                <a:latin typeface="JetBrains Mono"/>
+              </a:rPr>
+            </a:br>
+            <a:r>
+              <a:rPr kumimoji="0" lang="es-ES" altLang="es-ES" sz="1700" b="0" i="0" u="none" strike="noStrike" cap="none" normalizeH="0" baseline="0" dirty="0">
+                <a:ln>
+                  <a:noFill/>
+                </a:ln>
+                <a:effectLst/>
+                <a:latin typeface="JetBrains Mono"/>
+              </a:rPr>
+              <a:t>        </a:t>
+            </a:r>
+            <a:r>
+              <a:rPr kumimoji="0" lang="es-ES" altLang="es-ES" sz="1700" b="0" i="0" u="none" strike="noStrike" cap="none" normalizeH="0" baseline="0" dirty="0" err="1">
+                <a:ln>
+                  <a:noFill/>
+                </a:ln>
+                <a:effectLst/>
+                <a:latin typeface="JetBrains Mono"/>
+              </a:rPr>
+              <a:t>http_req_duration</a:t>
+            </a:r>
+            <a:r>
+              <a:rPr kumimoji="0" lang="es-ES" altLang="es-ES" sz="1700" b="0" i="0" u="none" strike="noStrike" cap="none" normalizeH="0" baseline="0" dirty="0">
+                <a:ln>
+                  <a:noFill/>
+                </a:ln>
+                <a:effectLst/>
+                <a:latin typeface="JetBrains Mono"/>
+              </a:rPr>
+              <a:t>: ['</a:t>
+            </a:r>
+            <a:r>
+              <a:rPr kumimoji="0" lang="es-ES" altLang="es-ES" sz="1700" b="0" i="0" u="none" strike="noStrike" cap="none" normalizeH="0" baseline="0" dirty="0" err="1">
+                <a:ln>
+                  <a:noFill/>
+                </a:ln>
+                <a:effectLst/>
+                <a:latin typeface="JetBrains Mono"/>
+              </a:rPr>
+              <a:t>avg</a:t>
+            </a:r>
+            <a:r>
+              <a:rPr kumimoji="0" lang="es-ES" altLang="es-ES" sz="1700" b="0" i="0" u="none" strike="noStrike" cap="none" normalizeH="0" baseline="0" dirty="0">
+                <a:ln>
+                  <a:noFill/>
+                </a:ln>
+                <a:effectLst/>
+                <a:latin typeface="JetBrains Mono"/>
+              </a:rPr>
+              <a:t>&lt;1000'],</a:t>
+            </a:r>
+            <a:br>
+              <a:rPr kumimoji="0" lang="es-ES" altLang="es-ES" sz="1700" b="0" i="0" u="none" strike="noStrike" cap="none" normalizeH="0" baseline="0" dirty="0">
+                <a:ln>
+                  <a:noFill/>
+                </a:ln>
+                <a:effectLst/>
+                <a:latin typeface="JetBrains Mono"/>
+              </a:rPr>
+            </a:br>
+            <a:r>
+              <a:rPr kumimoji="0" lang="es-ES" altLang="es-ES" sz="1700" b="0" i="0" u="none" strike="noStrike" cap="none" normalizeH="0" baseline="0" dirty="0">
+                <a:ln>
+                  <a:noFill/>
+                </a:ln>
+                <a:effectLst/>
+                <a:latin typeface="JetBrains Mono"/>
+              </a:rPr>
+              <a:t>    },</a:t>
+            </a:r>
+            <a:br>
+              <a:rPr kumimoji="0" lang="es-ES" altLang="es-ES" sz="1700" b="0" i="0" u="none" strike="noStrike" cap="none" normalizeH="0" baseline="0" dirty="0">
+                <a:ln>
+                  <a:noFill/>
+                </a:ln>
+                <a:effectLst/>
+                <a:latin typeface="JetBrains Mono"/>
+              </a:rPr>
+            </a:br>
+            <a:r>
+              <a:rPr kumimoji="0" lang="es-ES" altLang="es-ES" sz="1700" b="0" i="0" u="none" strike="noStrike" cap="none" normalizeH="0" baseline="0" dirty="0">
+                <a:ln>
+                  <a:noFill/>
+                </a:ln>
+                <a:effectLst/>
+                <a:latin typeface="JetBrains Mono"/>
+              </a:rPr>
+              <a:t>};</a:t>
+            </a:r>
+            <a:br>
+              <a:rPr kumimoji="0" lang="es-ES" altLang="es-ES" sz="1700" b="0" i="0" u="none" strike="noStrike" cap="none" normalizeH="0" baseline="0" dirty="0">
                 <a:ln>
                   <a:noFill/>
                 </a:ln>
@@ -6050,7 +7935,7 @@
               </a:rPr>
             </a:br>
             <a:br>
-              <a:rPr kumimoji="0" lang="en-US" altLang="en-US" sz="1400" b="0" i="0" u="none" strike="noStrike" cap="none" normalizeH="0" baseline="0" dirty="0">
+              <a:rPr kumimoji="0" lang="es-ES" altLang="es-ES" sz="1700" b="0" i="0" u="none" strike="noStrike" cap="none" normalizeH="0" baseline="0" dirty="0">
                 <a:ln>
                   <a:noFill/>
                 </a:ln>
@@ -6059,37 +7944,47 @@
               </a:rPr>
             </a:br>
             <a:r>
-              <a:rPr kumimoji="0" lang="en-US" altLang="en-US" sz="1400" b="0" i="0" u="none" strike="noStrike" cap="none" normalizeH="0" baseline="0" dirty="0">
-                <a:ln>
-                  <a:noFill/>
-                </a:ln>
-                <a:effectLst/>
-                <a:latin typeface="JetBrains Mono"/>
-              </a:rPr>
-              <a:t>  const page = await </a:t>
-            </a:r>
-            <a:r>
-              <a:rPr kumimoji="0" lang="en-US" altLang="en-US" sz="1400" b="0" i="0" u="none" strike="noStrike" cap="none" normalizeH="0" baseline="0" dirty="0" err="1">
-                <a:ln>
-                  <a:noFill/>
-                </a:ln>
-                <a:effectLst/>
-                <a:latin typeface="JetBrains Mono"/>
-              </a:rPr>
-              <a:t>browser.newPage</a:t>
-            </a:r>
-            <a:r>
-              <a:rPr kumimoji="0" lang="en-US" altLang="en-US" sz="1400" b="0" i="0" u="none" strike="noStrike" cap="none" normalizeH="0" baseline="0" dirty="0">
-                <a:ln>
-                  <a:noFill/>
-                </a:ln>
-                <a:effectLst/>
-                <a:latin typeface="JetBrains Mono"/>
-              </a:rPr>
-              <a:t>();</a:t>
+              <a:rPr kumimoji="0" lang="es-ES" altLang="es-ES" sz="1700" b="0" i="0" u="none" strike="noStrike" cap="none" normalizeH="0" baseline="0" dirty="0" err="1">
+                <a:ln>
+                  <a:noFill/>
+                </a:ln>
+                <a:effectLst/>
+                <a:latin typeface="JetBrains Mono"/>
+              </a:rPr>
+              <a:t>export</a:t>
+            </a:r>
+            <a:r>
+              <a:rPr kumimoji="0" lang="es-ES" altLang="es-ES" sz="1700" b="0" i="0" u="none" strike="noStrike" cap="none" normalizeH="0" baseline="0" dirty="0">
+                <a:ln>
+                  <a:noFill/>
+                </a:ln>
+                <a:effectLst/>
+                <a:latin typeface="JetBrains Mono"/>
+              </a:rPr>
+              <a:t> default </a:t>
+            </a:r>
+            <a:r>
+              <a:rPr kumimoji="0" lang="es-ES" altLang="es-ES" sz="1700" b="0" i="0" u="none" strike="noStrike" cap="none" normalizeH="0" baseline="0" dirty="0" err="1">
+                <a:ln>
+                  <a:noFill/>
+                </a:ln>
+                <a:effectLst/>
+                <a:latin typeface="JetBrains Mono"/>
+              </a:rPr>
+              <a:t>function</a:t>
+            </a:r>
+            <a:r>
+              <a:rPr kumimoji="0" lang="es-ES" altLang="es-ES" sz="1700" b="0" i="0" u="none" strike="noStrike" cap="none" normalizeH="0" baseline="0" dirty="0">
+                <a:ln>
+                  <a:noFill/>
+                </a:ln>
+                <a:effectLst/>
+                <a:latin typeface="JetBrains Mono"/>
+              </a:rPr>
+              <a:t> () {</a:t>
             </a:r>
             <a:br>
-              <a:rPr kumimoji="0" lang="en-US" altLang="en-US" sz="1400" b="0" i="0" u="none" strike="noStrike" cap="none" normalizeH="0" baseline="0" dirty="0">
+              <a:rPr kumimoji="0" lang="es-ES" altLang="es-ES" sz="1700" b="0" i="0" u="none" strike="noStrike" cap="none" normalizeH="0" baseline="0" dirty="0">
                 <a:ln>
                   <a:noFill/>
                 </a:ln>
@@ -6098,47 +7993,37 @@
               </a:rPr>
             </a:br>
             <a:r>
-              <a:rPr kumimoji="0" lang="en-US" altLang="en-US" sz="1400" b="0" i="0" u="none" strike="noStrike" cap="none" normalizeH="0" baseline="0" dirty="0">
-                <a:ln>
-                  <a:noFill/>
-                </a:ln>
-                <a:effectLst/>
-                <a:latin typeface="JetBrains Mono"/>
-              </a:rPr>
-              <a:t>  await </a:t>
-            </a:r>
-            <a:r>
-              <a:rPr kumimoji="0" lang="en-US" altLang="en-US" sz="1400" b="0" i="0" u="none" strike="noStrike" cap="none" normalizeH="0" baseline="0" dirty="0" err="1">
-                <a:ln>
-                  <a:noFill/>
-                </a:ln>
-                <a:effectLst/>
-                <a:latin typeface="JetBrains Mono"/>
-              </a:rPr>
-              <a:t>page.goto</a:t>
-            </a:r>
-            <a:r>
-              <a:rPr kumimoji="0" lang="en-US" altLang="en-US" sz="1400" b="0" i="0" u="none" strike="noStrike" cap="none" normalizeH="0" baseline="0" dirty="0">
-                <a:ln>
-                  <a:noFill/>
-                </a:ln>
-                <a:effectLst/>
-                <a:latin typeface="JetBrains Mono"/>
-              </a:rPr>
-              <a:t>('http://localhost:8080/'); // Página de </a:t>
-            </a:r>
-            <a:r>
-              <a:rPr kumimoji="0" lang="en-US" altLang="en-US" sz="1400" b="0" i="0" u="none" strike="noStrike" cap="none" normalizeH="0" baseline="0" dirty="0" err="1">
-                <a:ln>
-                  <a:noFill/>
-                </a:ln>
-                <a:effectLst/>
-                <a:latin typeface="JetBrains Mono"/>
-              </a:rPr>
-              <a:t>recopilatorios</a:t>
+              <a:rPr kumimoji="0" lang="es-ES" altLang="es-ES" sz="1700" b="0" i="0" u="none" strike="noStrike" cap="none" normalizeH="0" baseline="0" dirty="0">
+                <a:ln>
+                  <a:noFill/>
+                </a:ln>
+                <a:effectLst/>
+                <a:latin typeface="JetBrains Mono"/>
+              </a:rPr>
+              <a:t>    </a:t>
+            </a:r>
+            <a:r>
+              <a:rPr kumimoji="0" lang="es-ES" altLang="es-ES" sz="1700" b="0" i="0" u="none" strike="noStrike" cap="none" normalizeH="0" baseline="0" dirty="0" err="1">
+                <a:ln>
+                  <a:noFill/>
+                </a:ln>
+                <a:effectLst/>
+                <a:latin typeface="JetBrains Mono"/>
+              </a:rPr>
+              <a:t>http.get</a:t>
+            </a:r>
+            <a:r>
+              <a:rPr kumimoji="0" lang="es-ES" altLang="es-ES" sz="1700" b="0" i="0" u="none" strike="noStrike" cap="none" normalizeH="0" baseline="0" dirty="0">
+                <a:ln>
+                  <a:noFill/>
+                </a:ln>
+                <a:effectLst/>
+                <a:latin typeface="JetBrains Mono"/>
+              </a:rPr>
+              <a:t>('http://localhost:8080/');</a:t>
             </a:r>
             <a:br>
-              <a:rPr kumimoji="0" lang="en-US" altLang="en-US" sz="1400" b="0" i="0" u="none" strike="noStrike" cap="none" normalizeH="0" baseline="0" dirty="0">
+              <a:rPr kumimoji="0" lang="es-ES" altLang="es-ES" sz="1700" b="0" i="0" u="none" strike="noStrike" cap="none" normalizeH="0" baseline="0" dirty="0">
                 <a:ln>
                   <a:noFill/>
                 </a:ln>
@@ -6146,505 +8031,17 @@
                 <a:latin typeface="JetBrains Mono"/>
               </a:rPr>
             </a:br>
-            <a:br>
-              <a:rPr kumimoji="0" lang="en-US" altLang="en-US" sz="1400" b="0" i="0" u="none" strike="noStrike" cap="none" normalizeH="0" baseline="0" dirty="0">
-                <a:ln>
-                  <a:noFill/>
-                </a:ln>
-                <a:effectLst/>
-                <a:latin typeface="JetBrains Mono"/>
-              </a:rPr>
-            </a:br>
-            <a:r>
-              <a:rPr kumimoji="0" lang="en-US" altLang="en-US" sz="1400" b="0" i="0" u="none" strike="noStrike" cap="none" normalizeH="0" baseline="0" dirty="0">
-                <a:ln>
-                  <a:noFill/>
-                </a:ln>
-                <a:effectLst/>
-                <a:latin typeface="JetBrains Mono"/>
-              </a:rPr>
-              <a:t>  // </a:t>
-            </a:r>
-            <a:r>
-              <a:rPr kumimoji="0" lang="en-US" altLang="en-US" sz="1400" b="0" i="0" u="none" strike="noStrike" cap="none" normalizeH="0" baseline="0" dirty="0" err="1">
-                <a:ln>
-                  <a:noFill/>
-                </a:ln>
-                <a:effectLst/>
-                <a:latin typeface="JetBrains Mono"/>
-              </a:rPr>
-              <a:t>Verificar</a:t>
-            </a:r>
-            <a:r>
-              <a:rPr kumimoji="0" lang="en-US" altLang="en-US" sz="1400" b="0" i="0" u="none" strike="noStrike" cap="none" normalizeH="0" baseline="0" dirty="0">
-                <a:ln>
-                  <a:noFill/>
-                </a:ln>
-                <a:effectLst/>
-                <a:latin typeface="JetBrains Mono"/>
-              </a:rPr>
-              <a:t> que la </a:t>
-            </a:r>
-            <a:r>
-              <a:rPr kumimoji="0" lang="en-US" altLang="en-US" sz="1400" b="0" i="0" u="none" strike="noStrike" cap="none" normalizeH="0" baseline="0" dirty="0" err="1">
-                <a:ln>
-                  <a:noFill/>
-                </a:ln>
-                <a:effectLst/>
-                <a:latin typeface="JetBrains Mono"/>
-              </a:rPr>
-              <a:t>página</a:t>
-            </a:r>
-            <a:r>
-              <a:rPr kumimoji="0" lang="en-US" altLang="en-US" sz="1400" b="0" i="0" u="none" strike="noStrike" cap="none" normalizeH="0" baseline="0" dirty="0">
-                <a:ln>
-                  <a:noFill/>
-                </a:ln>
-                <a:effectLst/>
-                <a:latin typeface="JetBrains Mono"/>
-              </a:rPr>
-              <a:t> se ha </a:t>
-            </a:r>
-            <a:r>
-              <a:rPr kumimoji="0" lang="en-US" altLang="en-US" sz="1400" b="0" i="0" u="none" strike="noStrike" cap="none" normalizeH="0" baseline="0" dirty="0" err="1">
-                <a:ln>
-                  <a:noFill/>
-                </a:ln>
-                <a:effectLst/>
-                <a:latin typeface="JetBrains Mono"/>
-              </a:rPr>
-              <a:t>cargado</a:t>
-            </a:r>
-            <a:r>
-              <a:rPr kumimoji="0" lang="en-US" altLang="en-US" sz="1400" b="0" i="0" u="none" strike="noStrike" cap="none" normalizeH="0" baseline="0" dirty="0">
-                <a:ln>
-                  <a:noFill/>
-                </a:ln>
-                <a:effectLst/>
-                <a:latin typeface="JetBrains Mono"/>
-              </a:rPr>
-              <a:t> </a:t>
-            </a:r>
-            <a:r>
-              <a:rPr kumimoji="0" lang="en-US" altLang="en-US" sz="1400" b="0" i="0" u="none" strike="noStrike" cap="none" normalizeH="0" baseline="0" dirty="0" err="1">
-                <a:ln>
-                  <a:noFill/>
-                </a:ln>
-                <a:effectLst/>
-                <a:latin typeface="JetBrains Mono"/>
-              </a:rPr>
-              <a:t>correctamente</a:t>
-            </a:r>
-            <a:br>
-              <a:rPr kumimoji="0" lang="en-US" altLang="en-US" sz="1400" b="0" i="0" u="none" strike="noStrike" cap="none" normalizeH="0" baseline="0" dirty="0">
-                <a:ln>
-                  <a:noFill/>
-                </a:ln>
-                <a:effectLst/>
-                <a:latin typeface="JetBrains Mono"/>
-              </a:rPr>
-            </a:br>
-            <a:r>
-              <a:rPr kumimoji="0" lang="en-US" altLang="en-US" sz="1400" b="0" i="0" u="none" strike="noStrike" cap="none" normalizeH="0" baseline="0" dirty="0">
-                <a:ln>
-                  <a:noFill/>
-                </a:ln>
-                <a:effectLst/>
-                <a:latin typeface="JetBrains Mono"/>
-              </a:rPr>
-              <a:t>  const </a:t>
-            </a:r>
-            <a:r>
-              <a:rPr kumimoji="0" lang="en-US" altLang="en-US" sz="1400" b="0" i="0" u="none" strike="noStrike" cap="none" normalizeH="0" baseline="0" dirty="0" err="1">
-                <a:ln>
-                  <a:noFill/>
-                </a:ln>
-                <a:effectLst/>
-                <a:latin typeface="JetBrains Mono"/>
-              </a:rPr>
-              <a:t>bodyText</a:t>
-            </a:r>
-            <a:r>
-              <a:rPr kumimoji="0" lang="en-US" altLang="en-US" sz="1400" b="0" i="0" u="none" strike="noStrike" cap="none" normalizeH="0" baseline="0" dirty="0">
-                <a:ln>
-                  <a:noFill/>
-                </a:ln>
-                <a:effectLst/>
-                <a:latin typeface="JetBrains Mono"/>
-              </a:rPr>
-              <a:t> = await </a:t>
-            </a:r>
-            <a:r>
-              <a:rPr kumimoji="0" lang="en-US" altLang="en-US" sz="1400" b="0" i="0" u="none" strike="noStrike" cap="none" normalizeH="0" baseline="0" dirty="0" err="1">
-                <a:ln>
-                  <a:noFill/>
-                </a:ln>
-                <a:effectLst/>
-                <a:latin typeface="JetBrains Mono"/>
-              </a:rPr>
-              <a:t>page.textContent</a:t>
-            </a:r>
-            <a:r>
-              <a:rPr kumimoji="0" lang="en-US" altLang="en-US" sz="1400" b="0" i="0" u="none" strike="noStrike" cap="none" normalizeH="0" baseline="0" dirty="0">
-                <a:ln>
-                  <a:noFill/>
-                </a:ln>
-                <a:effectLst/>
-                <a:latin typeface="JetBrains Mono"/>
-              </a:rPr>
-              <a:t>('body');</a:t>
-            </a:r>
-            <a:br>
-              <a:rPr kumimoji="0" lang="en-US" altLang="en-US" sz="1400" b="0" i="0" u="none" strike="noStrike" cap="none" normalizeH="0" baseline="0" dirty="0">
-                <a:ln>
-                  <a:noFill/>
-                </a:ln>
-                <a:effectLst/>
-                <a:latin typeface="JetBrains Mono"/>
-              </a:rPr>
-            </a:br>
-            <a:r>
-              <a:rPr kumimoji="0" lang="en-US" altLang="en-US" sz="1400" b="0" i="0" u="none" strike="noStrike" cap="none" normalizeH="0" baseline="0" dirty="0">
-                <a:ln>
-                  <a:noFill/>
-                </a:ln>
-                <a:effectLst/>
-                <a:latin typeface="JetBrains Mono"/>
-              </a:rPr>
-              <a:t>  if (</a:t>
-            </a:r>
-            <a:r>
-              <a:rPr kumimoji="0" lang="en-US" altLang="en-US" sz="1400" b="0" i="0" u="none" strike="noStrike" cap="none" normalizeH="0" baseline="0" dirty="0" err="1">
-                <a:ln>
-                  <a:noFill/>
-                </a:ln>
-                <a:effectLst/>
-                <a:latin typeface="JetBrains Mono"/>
-              </a:rPr>
-              <a:t>bodyText.includes</a:t>
-            </a:r>
-            <a:r>
-              <a:rPr kumimoji="0" lang="en-US" altLang="en-US" sz="1400" b="0" i="0" u="none" strike="noStrike" cap="none" normalizeH="0" baseline="0" dirty="0">
-                <a:ln>
-                  <a:noFill/>
-                </a:ln>
-                <a:effectLst/>
-                <a:latin typeface="JetBrains Mono"/>
-              </a:rPr>
-              <a:t>('</a:t>
-            </a:r>
-            <a:r>
-              <a:rPr kumimoji="0" lang="en-US" altLang="en-US" sz="1400" b="0" i="0" u="none" strike="noStrike" cap="none" normalizeH="0" baseline="0" dirty="0" err="1">
-                <a:ln>
-                  <a:noFill/>
-                </a:ln>
-                <a:effectLst/>
-                <a:latin typeface="JetBrains Mono"/>
-              </a:rPr>
-              <a:t>Recopilatorios</a:t>
-            </a:r>
-            <a:r>
-              <a:rPr kumimoji="0" lang="en-US" altLang="en-US" sz="1400" b="0" i="0" u="none" strike="noStrike" cap="none" normalizeH="0" baseline="0" dirty="0">
-                <a:ln>
-                  <a:noFill/>
-                </a:ln>
-                <a:effectLst/>
-                <a:latin typeface="JetBrains Mono"/>
-              </a:rPr>
-              <a:t>')) {</a:t>
-            </a:r>
-            <a:br>
-              <a:rPr kumimoji="0" lang="en-US" altLang="en-US" sz="1400" b="0" i="0" u="none" strike="noStrike" cap="none" normalizeH="0" baseline="0" dirty="0">
-                <a:ln>
-                  <a:noFill/>
-                </a:ln>
-                <a:effectLst/>
-                <a:latin typeface="JetBrains Mono"/>
-              </a:rPr>
-            </a:br>
-            <a:r>
-              <a:rPr kumimoji="0" lang="en-US" altLang="en-US" sz="1400" b="0" i="0" u="none" strike="noStrike" cap="none" normalizeH="0" baseline="0" dirty="0">
-                <a:ln>
-                  <a:noFill/>
-                </a:ln>
-                <a:effectLst/>
-                <a:latin typeface="JetBrains Mono"/>
-              </a:rPr>
-              <a:t>    </a:t>
-            </a:r>
-            <a:r>
-              <a:rPr kumimoji="0" lang="en-US" altLang="en-US" sz="1400" b="0" i="1" u="none" strike="noStrike" cap="none" normalizeH="0" baseline="0" dirty="0">
-                <a:ln>
-                  <a:noFill/>
-                </a:ln>
-                <a:effectLst/>
-                <a:latin typeface="JetBrains Mono"/>
-              </a:rPr>
-              <a:t>console</a:t>
-            </a:r>
-            <a:r>
-              <a:rPr kumimoji="0" lang="en-US" altLang="en-US" sz="1400" b="0" i="0" u="none" strike="noStrike" cap="none" normalizeH="0" baseline="0" dirty="0">
-                <a:ln>
-                  <a:noFill/>
-                </a:ln>
-                <a:effectLst/>
-                <a:latin typeface="JetBrains Mono"/>
-              </a:rPr>
-              <a:t>.log('Lista de </a:t>
-            </a:r>
-            <a:r>
-              <a:rPr kumimoji="0" lang="en-US" altLang="en-US" sz="1400" b="0" i="0" u="none" strike="noStrike" cap="none" normalizeH="0" baseline="0" dirty="0" err="1">
-                <a:ln>
-                  <a:noFill/>
-                </a:ln>
-                <a:effectLst/>
-                <a:latin typeface="JetBrains Mono"/>
-              </a:rPr>
-              <a:t>recopilatorios</a:t>
-            </a:r>
-            <a:r>
-              <a:rPr kumimoji="0" lang="en-US" altLang="en-US" sz="1400" b="0" i="0" u="none" strike="noStrike" cap="none" normalizeH="0" baseline="0" dirty="0">
-                <a:ln>
-                  <a:noFill/>
-                </a:ln>
-                <a:effectLst/>
-                <a:latin typeface="JetBrains Mono"/>
-              </a:rPr>
-              <a:t> </a:t>
-            </a:r>
-            <a:r>
-              <a:rPr kumimoji="0" lang="en-US" altLang="en-US" sz="1400" b="0" i="0" u="none" strike="noStrike" cap="none" normalizeH="0" baseline="0" dirty="0" err="1">
-                <a:ln>
-                  <a:noFill/>
-                </a:ln>
-                <a:effectLst/>
-                <a:latin typeface="JetBrains Mono"/>
-              </a:rPr>
-              <a:t>cargada</a:t>
-            </a:r>
-            <a:r>
-              <a:rPr kumimoji="0" lang="en-US" altLang="en-US" sz="1400" b="0" i="0" u="none" strike="noStrike" cap="none" normalizeH="0" baseline="0" dirty="0">
-                <a:ln>
-                  <a:noFill/>
-                </a:ln>
-                <a:effectLst/>
-                <a:latin typeface="JetBrains Mono"/>
-              </a:rPr>
-              <a:t> </a:t>
-            </a:r>
-            <a:r>
-              <a:rPr kumimoji="0" lang="en-US" altLang="en-US" sz="1400" b="0" i="0" u="none" strike="noStrike" cap="none" normalizeH="0" baseline="0" dirty="0" err="1">
-                <a:ln>
-                  <a:noFill/>
-                </a:ln>
-                <a:effectLst/>
-                <a:latin typeface="JetBrains Mono"/>
-              </a:rPr>
-              <a:t>correctamente</a:t>
-            </a:r>
-            <a:r>
-              <a:rPr kumimoji="0" lang="en-US" altLang="en-US" sz="1400" b="0" i="0" u="none" strike="noStrike" cap="none" normalizeH="0" baseline="0" dirty="0">
-                <a:ln>
-                  <a:noFill/>
-                </a:ln>
-                <a:effectLst/>
-                <a:latin typeface="JetBrains Mono"/>
-              </a:rPr>
-              <a:t>');</a:t>
-            </a:r>
-            <a:br>
-              <a:rPr kumimoji="0" lang="en-US" altLang="en-US" sz="1400" b="0" i="0" u="none" strike="noStrike" cap="none" normalizeH="0" baseline="0" dirty="0">
-                <a:ln>
-                  <a:noFill/>
-                </a:ln>
-                <a:effectLst/>
-                <a:latin typeface="JetBrains Mono"/>
-              </a:rPr>
-            </a:br>
-            <a:r>
-              <a:rPr kumimoji="0" lang="en-US" altLang="en-US" sz="1400" b="0" i="0" u="none" strike="noStrike" cap="none" normalizeH="0" baseline="0" dirty="0">
-                <a:ln>
-                  <a:noFill/>
-                </a:ln>
-                <a:effectLst/>
-                <a:latin typeface="JetBrains Mono"/>
-              </a:rPr>
-              <a:t>  }</a:t>
-            </a:r>
-            <a:br>
-              <a:rPr kumimoji="0" lang="en-US" altLang="en-US" sz="1400" b="0" i="0" u="none" strike="noStrike" cap="none" normalizeH="0" baseline="0" dirty="0">
-                <a:ln>
-                  <a:noFill/>
-                </a:ln>
-                <a:effectLst/>
-                <a:latin typeface="JetBrains Mono"/>
-              </a:rPr>
-            </a:br>
-            <a:br>
-              <a:rPr kumimoji="0" lang="en-US" altLang="en-US" sz="1400" b="0" i="0" u="none" strike="noStrike" cap="none" normalizeH="0" baseline="0" dirty="0">
-                <a:ln>
-                  <a:noFill/>
-                </a:ln>
-                <a:effectLst/>
-                <a:latin typeface="JetBrains Mono"/>
-              </a:rPr>
-            </a:br>
-            <a:r>
-              <a:rPr kumimoji="0" lang="en-US" altLang="en-US" sz="1400" b="0" i="0" u="none" strike="noStrike" cap="none" normalizeH="0" baseline="0" dirty="0">
-                <a:ln>
-                  <a:noFill/>
-                </a:ln>
-                <a:effectLst/>
-                <a:latin typeface="JetBrains Mono"/>
-              </a:rPr>
-              <a:t>  await </a:t>
-            </a:r>
-            <a:r>
-              <a:rPr kumimoji="0" lang="en-US" altLang="en-US" sz="1400" b="0" i="0" u="none" strike="noStrike" cap="none" normalizeH="0" baseline="0" dirty="0" err="1">
-                <a:ln>
-                  <a:noFill/>
-                </a:ln>
-                <a:effectLst/>
-                <a:latin typeface="JetBrains Mono"/>
-              </a:rPr>
-              <a:t>page.waitForTimeout</a:t>
-            </a:r>
-            <a:r>
-              <a:rPr kumimoji="0" lang="en-US" altLang="en-US" sz="1400" b="0" i="0" u="none" strike="noStrike" cap="none" normalizeH="0" baseline="0" dirty="0">
-                <a:ln>
-                  <a:noFill/>
-                </a:ln>
-                <a:effectLst/>
-                <a:latin typeface="JetBrains Mono"/>
-              </a:rPr>
-              <a:t>(2000);</a:t>
-            </a:r>
-            <a:br>
-              <a:rPr kumimoji="0" lang="en-US" altLang="en-US" sz="1400" b="0" i="0" u="none" strike="noStrike" cap="none" normalizeH="0" baseline="0" dirty="0">
-                <a:ln>
-                  <a:noFill/>
-                </a:ln>
-                <a:effectLst/>
-                <a:latin typeface="JetBrains Mono"/>
-              </a:rPr>
-            </a:br>
-            <a:br>
-              <a:rPr kumimoji="0" lang="en-US" altLang="en-US" sz="1400" b="0" i="0" u="none" strike="noStrike" cap="none" normalizeH="0" baseline="0" dirty="0">
-                <a:ln>
-                  <a:noFill/>
-                </a:ln>
-                <a:effectLst/>
-                <a:latin typeface="JetBrains Mono"/>
-              </a:rPr>
-            </a:br>
-            <a:r>
-              <a:rPr kumimoji="0" lang="en-US" altLang="en-US" sz="1400" b="0" i="0" u="none" strike="noStrike" cap="none" normalizeH="0" baseline="0" dirty="0">
-                <a:ln>
-                  <a:noFill/>
-                </a:ln>
-                <a:effectLst/>
-                <a:latin typeface="JetBrains Mono"/>
-              </a:rPr>
-              <a:t>  // Cierra </a:t>
-            </a:r>
-            <a:r>
-              <a:rPr kumimoji="0" lang="en-US" altLang="en-US" sz="1400" b="0" i="0" u="none" strike="noStrike" cap="none" normalizeH="0" baseline="0" dirty="0" err="1">
-                <a:ln>
-                  <a:noFill/>
-                </a:ln>
-                <a:effectLst/>
-                <a:latin typeface="JetBrains Mono"/>
-              </a:rPr>
-              <a:t>el</a:t>
-            </a:r>
-            <a:r>
-              <a:rPr kumimoji="0" lang="en-US" altLang="en-US" sz="1400" b="0" i="0" u="none" strike="noStrike" cap="none" normalizeH="0" baseline="0" dirty="0">
-                <a:ln>
-                  <a:noFill/>
-                </a:ln>
-                <a:effectLst/>
-                <a:latin typeface="JetBrains Mono"/>
-              </a:rPr>
-              <a:t> </a:t>
-            </a:r>
-            <a:r>
-              <a:rPr kumimoji="0" lang="en-US" altLang="en-US" sz="1400" b="0" i="0" u="none" strike="noStrike" cap="none" normalizeH="0" baseline="0" dirty="0" err="1">
-                <a:ln>
-                  <a:noFill/>
-                </a:ln>
-                <a:effectLst/>
-                <a:latin typeface="JetBrains Mono"/>
-              </a:rPr>
-              <a:t>navegador</a:t>
-            </a:r>
-            <a:br>
-              <a:rPr kumimoji="0" lang="en-US" altLang="en-US" sz="1400" b="0" i="0" u="none" strike="noStrike" cap="none" normalizeH="0" baseline="0" dirty="0">
-                <a:ln>
-                  <a:noFill/>
-                </a:ln>
-                <a:effectLst/>
-                <a:latin typeface="JetBrains Mono"/>
-              </a:rPr>
-            </a:br>
-            <a:r>
-              <a:rPr kumimoji="0" lang="en-US" altLang="en-US" sz="1400" b="0" i="0" u="none" strike="noStrike" cap="none" normalizeH="0" baseline="0" dirty="0">
-                <a:ln>
-                  <a:noFill/>
-                </a:ln>
-                <a:effectLst/>
-                <a:latin typeface="JetBrains Mono"/>
-              </a:rPr>
-              <a:t>  await </a:t>
-            </a:r>
-            <a:r>
-              <a:rPr kumimoji="0" lang="en-US" altLang="en-US" sz="1400" b="0" i="0" u="none" strike="noStrike" cap="none" normalizeH="0" baseline="0" dirty="0" err="1">
-                <a:ln>
-                  <a:noFill/>
-                </a:ln>
-                <a:effectLst/>
-                <a:latin typeface="JetBrains Mono"/>
-              </a:rPr>
-              <a:t>browser.close</a:t>
-            </a:r>
-            <a:r>
-              <a:rPr kumimoji="0" lang="en-US" altLang="en-US" sz="1400" b="0" i="0" u="none" strike="noStrike" cap="none" normalizeH="0" baseline="0" dirty="0">
-                <a:ln>
-                  <a:noFill/>
-                </a:ln>
-                <a:effectLst/>
-                <a:latin typeface="JetBrains Mono"/>
-              </a:rPr>
-              <a:t>();</a:t>
-            </a:r>
-            <a:br>
-              <a:rPr kumimoji="0" lang="en-US" altLang="en-US" sz="1400" b="0" i="0" u="none" strike="noStrike" cap="none" normalizeH="0" baseline="0" dirty="0">
-                <a:ln>
-                  <a:noFill/>
-                </a:ln>
-                <a:effectLst/>
-                <a:latin typeface="JetBrains Mono"/>
-              </a:rPr>
-            </a:br>
-            <a:r>
-              <a:rPr kumimoji="0" lang="en-US" altLang="en-US" sz="1400" b="0" i="0" u="none" strike="noStrike" cap="none" normalizeH="0" baseline="0" dirty="0">
-                <a:ln>
-                  <a:noFill/>
-                </a:ln>
-                <a:effectLst/>
-                <a:latin typeface="JetBrains Mono"/>
-              </a:rPr>
-              <a:t>})();</a:t>
-            </a:r>
-            <a:br>
-              <a:rPr kumimoji="0" lang="en-US" altLang="en-US" sz="1400" b="0" i="0" u="none" strike="noStrike" cap="none" normalizeH="0" baseline="0" dirty="0">
-                <a:ln>
-                  <a:noFill/>
-                </a:ln>
-                <a:effectLst/>
-                <a:latin typeface="JetBrains Mono"/>
-              </a:rPr>
-            </a:br>
-            <a:endParaRPr kumimoji="0" lang="en-US" altLang="en-US" sz="1400" b="0" i="0" u="none" strike="noStrike" cap="none" normalizeH="0" baseline="0" dirty="0">
+            <a:r>
+              <a:rPr kumimoji="0" lang="es-ES" altLang="es-ES" sz="1700" b="0" i="0" u="none" strike="noStrike" cap="none" normalizeH="0" baseline="0" dirty="0">
+                <a:ln>
+                  <a:noFill/>
+                </a:ln>
+                <a:effectLst/>
+                <a:latin typeface="JetBrains Mono"/>
+              </a:rPr>
+              <a:t>}</a:t>
+            </a:r>
+            <a:endParaRPr kumimoji="0" lang="es-ES" altLang="es-ES" sz="1700" b="0" i="0" u="none" strike="noStrike" cap="none" normalizeH="0" baseline="0" dirty="0">
               <a:ln>
                 <a:noFill/>
               </a:ln>
@@ -6654,6 +8051,1624 @@
           </a:p>
         </p:txBody>
       </p:sp>
+      <p:cxnSp>
+        <p:nvCxnSpPr>
+          <p:cNvPr id="25" name="Straight Connector 24">
+            <a:extLst>
+              <a:ext uri="{FF2B5EF4-FFF2-40B4-BE49-F238E27FC236}">
+                <a16:creationId xmlns:a16="http://schemas.microsoft.com/office/drawing/2014/main" id="{8E0104E4-99BC-494F-8342-F250828E574F}"/>
+              </a:ext>
+              <a:ext uri="{C183D7F6-B498-43B3-948B-1728B52AA6E4}">
+                <adec:decorative xmlns:adec="http://schemas.microsoft.com/office/drawing/2017/decorative" val="1"/>
+              </a:ext>
+            </a:extLst>
+          </p:cNvPr>
+          <p:cNvCxnSpPr>
+            <a:cxnSpLocks noGrp="1" noRot="1" noChangeAspect="1" noMove="1" noResize="1" noEditPoints="1" noAdjustHandles="1" noChangeArrowheads="1" noChangeShapeType="1"/>
+          </p:cNvCxnSpPr>
+          <p:nvPr>
+            <p:extLst>
+              <p:ext uri="{386F3935-93C4-4BCD-93E2-E3B085C9AB24}">
+                <p16:designElem xmlns:p16="http://schemas.microsoft.com/office/powerpoint/2015/main" val="1"/>
+              </p:ext>
+            </p:extLst>
+          </p:nvPr>
+        </p:nvCxnSpPr>
+        <p:spPr>
+          <a:xfrm>
+            <a:off x="809065" y="6145599"/>
+            <a:ext cx="10582835" cy="0"/>
+          </a:xfrm>
+          <a:prstGeom prst="line">
+            <a:avLst/>
+          </a:prstGeom>
+          <a:ln w="12700">
+            <a:solidFill>
+              <a:schemeClr val="tx1"/>
+            </a:solidFill>
+          </a:ln>
+        </p:spPr>
+        <p:style>
+          <a:lnRef idx="1">
+            <a:schemeClr val="accent1"/>
+          </a:lnRef>
+          <a:fillRef idx="0">
+            <a:schemeClr val="accent1"/>
+          </a:fillRef>
+          <a:effectRef idx="0">
+            <a:schemeClr val="accent1"/>
+          </a:effectRef>
+          <a:fontRef idx="minor">
+            <a:schemeClr val="tx1"/>
+          </a:fontRef>
+        </p:style>
+      </p:cxnSp>
+    </p:spTree>
+    <p:extLst>
+      <p:ext uri="{BB962C8B-B14F-4D97-AF65-F5344CB8AC3E}">
+        <p14:creationId xmlns:p14="http://schemas.microsoft.com/office/powerpoint/2010/main" val="1551524007"/>
+      </p:ext>
+    </p:extLst>
+  </p:cSld>
+  <p:clrMapOvr>
+    <a:masterClrMapping/>
+  </p:clrMapOvr>
+  <p:timing>
+    <p:tnLst>
+      <p:par>
+        <p:cTn id="1" dur="indefinite" restart="never" nodeType="tmRoot">
+          <p:childTnLst>
+            <p:seq concurrent="1" nextAc="seek">
+              <p:cTn id="2" dur="indefinite" nodeType="mainSeq">
+                <p:childTnLst>
+                  <p:par>
+                    <p:cTn id="3" fill="hold">
+                      <p:stCondLst>
+                        <p:cond delay="indefinite"/>
+                        <p:cond evt="onBegin" delay="0">
+                          <p:tn val="2"/>
+                        </p:cond>
+                      </p:stCondLst>
+                      <p:childTnLst>
+                        <p:par>
+                          <p:cTn id="4" fill="hold">
+                            <p:stCondLst>
+                              <p:cond delay="0"/>
+                            </p:stCondLst>
+                            <p:childTnLst>
+                              <p:par>
+                                <p:cTn id="5" presetID="10" presetClass="entr" presetSubtype="0" fill="hold" nodeType="afterEffect">
+                                  <p:stCondLst>
+                                    <p:cond delay="0"/>
+                                  </p:stCondLst>
+                                  <p:childTnLst>
+                                    <p:set>
+                                      <p:cBhvr>
+                                        <p:cTn id="6" dur="1" fill="hold">
+                                          <p:stCondLst>
+                                            <p:cond delay="0"/>
+                                          </p:stCondLst>
+                                        </p:cTn>
+                                        <p:tgtEl>
+                                          <p:spTgt spid="6"/>
+                                        </p:tgtEl>
+                                        <p:attrNameLst>
+                                          <p:attrName>style.visibility</p:attrName>
+                                        </p:attrNameLst>
+                                      </p:cBhvr>
+                                      <p:to>
+                                        <p:strVal val="visible"/>
+                                      </p:to>
+                                    </p:set>
+                                    <p:animEffect transition="in" filter="fade">
+                                      <p:cBhvr>
+                                        <p:cTn id="7" dur="500"/>
+                                        <p:tgtEl>
+                                          <p:spTgt spid="6"/>
+                                        </p:tgtEl>
+                                      </p:cBhvr>
+                                    </p:animEffect>
+                                  </p:childTnLst>
+                                </p:cTn>
+                              </p:par>
+                            </p:childTnLst>
+                          </p:cTn>
+                        </p:par>
+                      </p:childTnLst>
+                    </p:cTn>
+                  </p:par>
+                  <p:par>
+                    <p:cTn id="8" fill="hold">
+                      <p:stCondLst>
+                        <p:cond delay="indefinite"/>
+                      </p:stCondLst>
+                      <p:childTnLst>
+                        <p:par>
+                          <p:cTn id="9" fill="hold">
+                            <p:stCondLst>
+                              <p:cond delay="0"/>
+                            </p:stCondLst>
+                            <p:childTnLst>
+                              <p:par>
+                                <p:cTn id="10" presetID="1" presetClass="entr" presetSubtype="0" fill="hold" grpId="0" nodeType="clickEffect">
+                                  <p:stCondLst>
+                                    <p:cond delay="0"/>
+                                  </p:stCondLst>
+                                  <p:childTnLst>
+                                    <p:set>
+                                      <p:cBhvr>
+                                        <p:cTn id="11" dur="1" fill="hold">
+                                          <p:stCondLst>
+                                            <p:cond delay="0"/>
+                                          </p:stCondLst>
+                                        </p:cTn>
+                                        <p:tgtEl>
+                                          <p:spTgt spid="4">
+                                            <p:txEl>
+                                              <p:pRg st="0" end="0"/>
+                                            </p:txEl>
+                                          </p:spTgt>
+                                        </p:tgtEl>
+                                        <p:attrNameLst>
+                                          <p:attrName>style.visibility</p:attrName>
+                                        </p:attrNameLst>
+                                      </p:cBhvr>
+                                      <p:to>
+                                        <p:strVal val="visible"/>
+                                      </p:to>
+                                    </p:set>
+                                  </p:childTnLst>
+                                </p:cTn>
+                              </p:par>
+                            </p:childTnLst>
+                          </p:cTn>
+                        </p:par>
+                      </p:childTnLst>
+                    </p:cTn>
+                  </p:par>
+                </p:childTnLst>
+              </p:cTn>
+              <p:prevCondLst>
+                <p:cond evt="onPrev" delay="0">
+                  <p:tgtEl>
+                    <p:sldTgt/>
+                  </p:tgtEl>
+                </p:cond>
+              </p:prevCondLst>
+              <p:nextCondLst>
+                <p:cond evt="onNext" delay="0">
+                  <p:tgtEl>
+                    <p:sldTgt/>
+                  </p:tgtEl>
+                </p:cond>
+              </p:nextCondLst>
+            </p:seq>
+          </p:childTnLst>
+        </p:cTn>
+      </p:par>
+    </p:tnLst>
+    <p:bldLst>
+      <p:bldP spid="4" grpId="0" build="p"/>
+    </p:bldLst>
+  </p:timing>
+</p:sld>
+</file>
+
+<file path=ppt/slides/slide8.xml><?xml version="1.0" encoding="utf-8"?>
+<p:sld xmlns:a="http://schemas.openxmlformats.org/drawingml/2006/main" xmlns:r="http://schemas.openxmlformats.org/officeDocument/2006/relationships" xmlns:p="http://schemas.openxmlformats.org/presentationml/2006/main">
+  <p:cSld>
+    <p:bg>
+      <p:bgPr>
+        <a:solidFill>
+          <a:schemeClr val="bg1"/>
+        </a:solidFill>
+        <a:effectLst/>
+      </p:bgPr>
+    </p:bg>
+    <p:spTree>
+      <p:nvGrpSpPr>
+        <p:cNvPr id="1" name=""/>
+        <p:cNvGrpSpPr/>
+        <p:nvPr/>
+      </p:nvGrpSpPr>
+      <p:grpSpPr>
+        <a:xfrm>
+          <a:off x="0" y="0"/>
+          <a:ext cx="0" cy="0"/>
+          <a:chOff x="0" y="0"/>
+          <a:chExt cx="0" cy="0"/>
+        </a:xfrm>
+      </p:grpSpPr>
+      <p:sp useBgFill="1">
+        <p:nvSpPr>
+          <p:cNvPr id="12" name="Rectangle 11">
+            <a:extLst>
+              <a:ext uri="{FF2B5EF4-FFF2-40B4-BE49-F238E27FC236}">
+                <a16:creationId xmlns:a16="http://schemas.microsoft.com/office/drawing/2014/main" id="{E49D7415-2F11-44C2-B6AA-13A25B6814B9}"/>
+              </a:ext>
+              <a:ext uri="{C183D7F6-B498-43B3-948B-1728B52AA6E4}">
+                <adec:decorative xmlns:adec="http://schemas.microsoft.com/office/drawing/2017/decorative" val="1"/>
+              </a:ext>
+            </a:extLst>
+          </p:cNvPr>
+          <p:cNvSpPr>
+            <a:spLocks noGrp="1" noRot="1" noChangeAspect="1" noMove="1" noResize="1" noEditPoints="1" noAdjustHandles="1" noChangeArrowheads="1" noChangeShapeType="1" noTextEdit="1"/>
+          </p:cNvSpPr>
+          <p:nvPr>
+            <p:extLst>
+              <p:ext uri="{386F3935-93C4-4BCD-93E2-E3B085C9AB24}">
+                <p16:designElem xmlns:p16="http://schemas.microsoft.com/office/powerpoint/2015/main" val="1"/>
+              </p:ext>
+            </p:extLst>
+          </p:nvPr>
+        </p:nvSpPr>
+        <p:spPr>
+          <a:xfrm>
+            <a:off x="0" y="0"/>
+            <a:ext cx="12192000" cy="6858000"/>
+          </a:xfrm>
+          <a:prstGeom prst="rect">
+            <a:avLst/>
+          </a:prstGeom>
+          <a:ln w="12700" cap="flat" cmpd="sng" algn="ctr">
+            <a:noFill/>
+            <a:prstDash val="solid"/>
+            <a:miter lim="800000"/>
+          </a:ln>
+          <a:effectLst/>
+          <a:extLst>
+            <a:ext uri="{91240B29-F687-4F45-9708-019B960494DF}">
+              <a14:hiddenLine xmlns:a14="http://schemas.microsoft.com/office/drawing/2010/main" w="12700" cap="flat" cmpd="sng" algn="ctr">
+                <a:solidFill>
+                  <a:schemeClr val="accent1">
+                    <a:shade val="50000"/>
+                  </a:schemeClr>
+                </a:solidFill>
+                <a:prstDash val="solid"/>
+                <a:miter lim="800000"/>
+              </a14:hiddenLine>
+            </a:ext>
+          </a:extLst>
+        </p:spPr>
+        <p:style>
+          <a:lnRef idx="2">
+            <a:schemeClr val="accent1">
+              <a:shade val="50000"/>
+            </a:schemeClr>
+          </a:lnRef>
+          <a:fillRef idx="1">
+            <a:schemeClr val="accent1"/>
+          </a:fillRef>
+          <a:effectRef idx="0">
+            <a:schemeClr val="accent1"/>
+          </a:effectRef>
+          <a:fontRef idx="minor">
+            <a:schemeClr val="lt1"/>
+          </a:fontRef>
+        </p:style>
+        <p:txBody>
+          <a:bodyPr rtlCol="0" anchor="ctr"/>
+          <a:lstStyle/>
+          <a:p>
+            <a:pPr algn="ctr"/>
+            <a:endParaRPr lang="en-US"/>
+          </a:p>
+        </p:txBody>
+      </p:sp>
+      <p:sp>
+        <p:nvSpPr>
+          <p:cNvPr id="2" name="Título 1">
+            <a:extLst>
+              <a:ext uri="{FF2B5EF4-FFF2-40B4-BE49-F238E27FC236}">
+                <a16:creationId xmlns:a16="http://schemas.microsoft.com/office/drawing/2014/main" id="{59EA32CF-D3F1-17FB-CF0E-F5CF947A2FF4}"/>
+              </a:ext>
+            </a:extLst>
+          </p:cNvPr>
+          <p:cNvSpPr>
+            <a:spLocks noGrp="1"/>
+          </p:cNvSpPr>
+          <p:nvPr>
+            <p:ph type="title"/>
+          </p:nvPr>
+        </p:nvSpPr>
+        <p:spPr>
+          <a:xfrm>
+            <a:off x="704088" y="914400"/>
+            <a:ext cx="10687812" cy="798194"/>
+          </a:xfrm>
+        </p:spPr>
+        <p:txBody>
+          <a:bodyPr>
+            <a:normAutofit/>
+          </a:bodyPr>
+          <a:lstStyle/>
+          <a:p>
+            <a:r>
+              <a:rPr lang="es-ES" dirty="0"/>
+              <a:t>SPIKE TEST</a:t>
+            </a:r>
+          </a:p>
+        </p:txBody>
+      </p:sp>
+      <p:cxnSp>
+        <p:nvCxnSpPr>
+          <p:cNvPr id="14" name="Straight Connector 13">
+            <a:extLst>
+              <a:ext uri="{FF2B5EF4-FFF2-40B4-BE49-F238E27FC236}">
+                <a16:creationId xmlns:a16="http://schemas.microsoft.com/office/drawing/2014/main" id="{D2E57F3D-33BE-4306-87E6-245763719516}"/>
+              </a:ext>
+              <a:ext uri="{C183D7F6-B498-43B3-948B-1728B52AA6E4}">
+                <adec:decorative xmlns:adec="http://schemas.microsoft.com/office/drawing/2017/decorative" val="1"/>
+              </a:ext>
+            </a:extLst>
+          </p:cNvPr>
+          <p:cNvCxnSpPr>
+            <a:cxnSpLocks noGrp="1" noRot="1" noChangeAspect="1" noMove="1" noResize="1" noEditPoints="1" noAdjustHandles="1" noChangeArrowheads="1" noChangeShapeType="1"/>
+          </p:cNvCxnSpPr>
+          <p:nvPr>
+            <p:extLst>
+              <p:ext uri="{386F3935-93C4-4BCD-93E2-E3B085C9AB24}">
+                <p16:designElem xmlns:p16="http://schemas.microsoft.com/office/powerpoint/2015/main" val="1"/>
+              </p:ext>
+            </p:extLst>
+          </p:nvPr>
+        </p:nvCxnSpPr>
+        <p:spPr>
+          <a:xfrm>
+            <a:off x="804672" y="723900"/>
+            <a:ext cx="10588752" cy="0"/>
+          </a:xfrm>
+          <a:prstGeom prst="line">
+            <a:avLst/>
+          </a:prstGeom>
+          <a:ln w="44450">
+            <a:solidFill>
+              <a:schemeClr val="tx1"/>
+            </a:solidFill>
+          </a:ln>
+        </p:spPr>
+        <p:style>
+          <a:lnRef idx="1">
+            <a:schemeClr val="accent1"/>
+          </a:lnRef>
+          <a:fillRef idx="0">
+            <a:schemeClr val="accent1"/>
+          </a:fillRef>
+          <a:effectRef idx="0">
+            <a:schemeClr val="accent1"/>
+          </a:effectRef>
+          <a:fontRef idx="minor">
+            <a:schemeClr val="tx1"/>
+          </a:fontRef>
+        </p:style>
+      </p:cxnSp>
+      <p:pic>
+        <p:nvPicPr>
+          <p:cNvPr id="7" name="Imagen 6" descr="Pantalla de un video juego&#10;&#10;El contenido generado por IA puede ser incorrecto.">
+            <a:extLst>
+              <a:ext uri="{FF2B5EF4-FFF2-40B4-BE49-F238E27FC236}">
+                <a16:creationId xmlns:a16="http://schemas.microsoft.com/office/drawing/2014/main" id="{B35E234D-62DB-7F90-2EBF-44D8EC0054A7}"/>
+              </a:ext>
+            </a:extLst>
+          </p:cNvPr>
+          <p:cNvPicPr>
+            <a:picLocks noChangeAspect="1"/>
+          </p:cNvPicPr>
+          <p:nvPr/>
+        </p:nvPicPr>
+        <p:blipFill>
+          <a:blip r:embed="rId2">
+            <a:extLst>
+              <a:ext uri="{28A0092B-C50C-407E-A947-70E740481C1C}">
+                <a14:useLocalDpi xmlns:a14="http://schemas.microsoft.com/office/drawing/2010/main" val="0"/>
+              </a:ext>
+            </a:extLst>
+          </a:blip>
+          <a:stretch>
+            <a:fillRect/>
+          </a:stretch>
+        </p:blipFill>
+        <p:spPr>
+          <a:xfrm>
+            <a:off x="704088" y="2285256"/>
+            <a:ext cx="6072188" cy="3111996"/>
+          </a:xfrm>
+          <a:prstGeom prst="rect">
+            <a:avLst/>
+          </a:prstGeom>
+        </p:spPr>
+      </p:pic>
+      <p:sp>
+        <p:nvSpPr>
+          <p:cNvPr id="5" name="Rectangle 2">
+            <a:extLst>
+              <a:ext uri="{FF2B5EF4-FFF2-40B4-BE49-F238E27FC236}">
+                <a16:creationId xmlns:a16="http://schemas.microsoft.com/office/drawing/2014/main" id="{6E205525-BE04-45B7-9D88-CCD14D82CA74}"/>
+              </a:ext>
+            </a:extLst>
+          </p:cNvPr>
+          <p:cNvSpPr>
+            <a:spLocks noGrp="1" noChangeArrowheads="1"/>
+          </p:cNvSpPr>
+          <p:nvPr>
+            <p:ph idx="1"/>
+          </p:nvPr>
+        </p:nvSpPr>
+        <p:spPr bwMode="auto">
+          <a:xfrm>
+            <a:off x="7200900" y="1849121"/>
+            <a:ext cx="4191001" cy="4139626"/>
+          </a:xfrm>
+          <a:prstGeom prst="rect">
+            <a:avLst/>
+          </a:prstGeom>
+          <a:extLst>
+            <a:ext uri="{91240B29-F687-4F45-9708-019B960494DF}">
+              <a14:hiddenLine xmlns:a14="http://schemas.microsoft.com/office/drawing/2010/main" w="9525">
+                <a:solidFill>
+                  <a:schemeClr val="tx1"/>
+                </a:solidFill>
+                <a:miter lim="800000"/>
+                <a:headEnd/>
+                <a:tailEnd/>
+              </a14:hiddenLine>
+            </a:ext>
+            <a:ext uri="{AF507438-7753-43E0-B8FC-AC1667EBCBE1}">
+              <a14:hiddenEffects xmlns:a14="http://schemas.microsoft.com/office/drawing/2010/main">
+                <a:effectLst>
+                  <a:outerShdw dist="35921" dir="2700000" algn="ctr" rotWithShape="0">
+                    <a:schemeClr val="bg2"/>
+                  </a:outerShdw>
+                </a:effectLst>
+              </a14:hiddenEffects>
+            </a:ext>
+          </a:extLst>
+        </p:spPr>
+        <p:txBody>
+          <a:bodyPr vert="horz" lIns="91440" tIns="45720" rIns="91440" bIns="45720" numCol="1" anchor="b" anchorCtr="0" compatLnSpc="1">
+            <a:prstTxWarp prst="textNoShape">
+              <a:avLst/>
+            </a:prstTxWarp>
+            <a:normAutofit/>
+          </a:bodyPr>
+          <a:lstStyle/>
+          <a:p>
+            <a:pPr marL="0" marR="0" lvl="0" indent="0" defTabSz="914400" rtl="0" eaLnBrk="0" fontAlgn="base" latinLnBrk="0" hangingPunct="0">
+              <a:lnSpc>
+                <a:spcPct val="100000"/>
+              </a:lnSpc>
+              <a:spcBef>
+                <a:spcPct val="0"/>
+              </a:spcBef>
+              <a:spcAft>
+                <a:spcPts val="600"/>
+              </a:spcAft>
+              <a:buClrTx/>
+              <a:buSzTx/>
+              <a:buFontTx/>
+              <a:buNone/>
+              <a:tabLst/>
+            </a:pPr>
+            <a:r>
+              <a:rPr kumimoji="0" lang="es-ES" altLang="es-ES" sz="1600" b="0" i="0" u="none" strike="noStrike" cap="none" normalizeH="0" baseline="0" dirty="0" err="1">
+                <a:ln>
+                  <a:noFill/>
+                </a:ln>
+                <a:effectLst/>
+                <a:latin typeface="JetBrains Mono"/>
+              </a:rPr>
+              <a:t>import</a:t>
+            </a:r>
+            <a:r>
+              <a:rPr kumimoji="0" lang="es-ES" altLang="es-ES" sz="1600" b="0" i="0" u="none" strike="noStrike" cap="none" normalizeH="0" baseline="0" dirty="0">
+                <a:ln>
+                  <a:noFill/>
+                </a:ln>
+                <a:effectLst/>
+                <a:latin typeface="JetBrains Mono"/>
+              </a:rPr>
+              <a:t> http </a:t>
+            </a:r>
+            <a:r>
+              <a:rPr kumimoji="0" lang="es-ES" altLang="es-ES" sz="1600" b="0" i="0" u="none" strike="noStrike" cap="none" normalizeH="0" baseline="0" dirty="0" err="1">
+                <a:ln>
+                  <a:noFill/>
+                </a:ln>
+                <a:effectLst/>
+                <a:latin typeface="JetBrains Mono"/>
+              </a:rPr>
+              <a:t>from</a:t>
+            </a:r>
+            <a:r>
+              <a:rPr kumimoji="0" lang="es-ES" altLang="es-ES" sz="1600" b="0" i="0" u="none" strike="noStrike" cap="none" normalizeH="0" baseline="0" dirty="0">
+                <a:ln>
+                  <a:noFill/>
+                </a:ln>
+                <a:effectLst/>
+                <a:latin typeface="JetBrains Mono"/>
+              </a:rPr>
+              <a:t> 'k6/http';</a:t>
+            </a:r>
+            <a:br>
+              <a:rPr kumimoji="0" lang="es-ES" altLang="es-ES" sz="1600" b="0" i="0" u="none" strike="noStrike" cap="none" normalizeH="0" baseline="0" dirty="0">
+                <a:ln>
+                  <a:noFill/>
+                </a:ln>
+                <a:effectLst/>
+                <a:latin typeface="JetBrains Mono"/>
+              </a:rPr>
+            </a:br>
+            <a:br>
+              <a:rPr kumimoji="0" lang="es-ES" altLang="es-ES" sz="1600" b="0" i="0" u="none" strike="noStrike" cap="none" normalizeH="0" baseline="0" dirty="0">
+                <a:ln>
+                  <a:noFill/>
+                </a:ln>
+                <a:effectLst/>
+                <a:latin typeface="JetBrains Mono"/>
+              </a:rPr>
+            </a:br>
+            <a:r>
+              <a:rPr kumimoji="0" lang="es-ES" altLang="es-ES" sz="1600" b="0" i="0" u="none" strike="noStrike" cap="none" normalizeH="0" baseline="0" dirty="0" err="1">
+                <a:ln>
+                  <a:noFill/>
+                </a:ln>
+                <a:effectLst/>
+                <a:latin typeface="JetBrains Mono"/>
+              </a:rPr>
+              <a:t>export</a:t>
+            </a:r>
+            <a:r>
+              <a:rPr kumimoji="0" lang="es-ES" altLang="es-ES" sz="1600" b="0" i="0" u="none" strike="noStrike" cap="none" normalizeH="0" baseline="0" dirty="0">
+                <a:ln>
+                  <a:noFill/>
+                </a:ln>
+                <a:effectLst/>
+                <a:latin typeface="JetBrains Mono"/>
+              </a:rPr>
+              <a:t> </a:t>
+            </a:r>
+            <a:r>
+              <a:rPr kumimoji="0" lang="es-ES" altLang="es-ES" sz="1600" b="0" i="0" u="none" strike="noStrike" cap="none" normalizeH="0" baseline="0" dirty="0" err="1">
+                <a:ln>
+                  <a:noFill/>
+                </a:ln>
+                <a:effectLst/>
+                <a:latin typeface="JetBrains Mono"/>
+              </a:rPr>
+              <a:t>const</a:t>
+            </a:r>
+            <a:r>
+              <a:rPr kumimoji="0" lang="es-ES" altLang="es-ES" sz="1600" b="0" i="0" u="none" strike="noStrike" cap="none" normalizeH="0" baseline="0" dirty="0">
+                <a:ln>
+                  <a:noFill/>
+                </a:ln>
+                <a:effectLst/>
+                <a:latin typeface="JetBrains Mono"/>
+              </a:rPr>
+              <a:t> </a:t>
+            </a:r>
+            <a:r>
+              <a:rPr kumimoji="0" lang="es-ES" altLang="es-ES" sz="1600" b="0" i="1" u="none" strike="noStrike" cap="none" normalizeH="0" baseline="0" dirty="0" err="1">
+                <a:ln>
+                  <a:noFill/>
+                </a:ln>
+                <a:effectLst/>
+                <a:latin typeface="JetBrains Mono"/>
+              </a:rPr>
+              <a:t>options</a:t>
+            </a:r>
+            <a:r>
+              <a:rPr kumimoji="0" lang="es-ES" altLang="es-ES" sz="1600" b="0" i="1" u="none" strike="noStrike" cap="none" normalizeH="0" baseline="0" dirty="0">
+                <a:ln>
+                  <a:noFill/>
+                </a:ln>
+                <a:effectLst/>
+                <a:latin typeface="JetBrains Mono"/>
+              </a:rPr>
+              <a:t> </a:t>
+            </a:r>
+            <a:r>
+              <a:rPr kumimoji="0" lang="es-ES" altLang="es-ES" sz="1600" b="0" i="0" u="none" strike="noStrike" cap="none" normalizeH="0" baseline="0" dirty="0">
+                <a:ln>
+                  <a:noFill/>
+                </a:ln>
+                <a:effectLst/>
+                <a:latin typeface="JetBrains Mono"/>
+              </a:rPr>
+              <a:t>= {</a:t>
+            </a:r>
+            <a:br>
+              <a:rPr kumimoji="0" lang="es-ES" altLang="es-ES" sz="1600" b="0" i="0" u="none" strike="noStrike" cap="none" normalizeH="0" baseline="0" dirty="0">
+                <a:ln>
+                  <a:noFill/>
+                </a:ln>
+                <a:effectLst/>
+                <a:latin typeface="JetBrains Mono"/>
+              </a:rPr>
+            </a:br>
+            <a:r>
+              <a:rPr kumimoji="0" lang="es-ES" altLang="es-ES" sz="1600" b="0" i="0" u="none" strike="noStrike" cap="none" normalizeH="0" baseline="0" dirty="0">
+                <a:ln>
+                  <a:noFill/>
+                </a:ln>
+                <a:effectLst/>
+                <a:latin typeface="JetBrains Mono"/>
+              </a:rPr>
+              <a:t>    </a:t>
+            </a:r>
+            <a:r>
+              <a:rPr kumimoji="0" lang="es-ES" altLang="es-ES" sz="1600" b="0" i="0" u="none" strike="noStrike" cap="none" normalizeH="0" baseline="0" dirty="0" err="1">
+                <a:ln>
+                  <a:noFill/>
+                </a:ln>
+                <a:effectLst/>
+                <a:latin typeface="JetBrains Mono"/>
+              </a:rPr>
+              <a:t>stages</a:t>
+            </a:r>
+            <a:r>
+              <a:rPr kumimoji="0" lang="es-ES" altLang="es-ES" sz="1600" b="0" i="0" u="none" strike="noStrike" cap="none" normalizeH="0" baseline="0" dirty="0">
+                <a:ln>
+                  <a:noFill/>
+                </a:ln>
+                <a:effectLst/>
+                <a:latin typeface="JetBrains Mono"/>
+              </a:rPr>
+              <a:t>: [</a:t>
+            </a:r>
+            <a:br>
+              <a:rPr kumimoji="0" lang="es-ES" altLang="es-ES" sz="1600" b="0" i="0" u="none" strike="noStrike" cap="none" normalizeH="0" baseline="0" dirty="0">
+                <a:ln>
+                  <a:noFill/>
+                </a:ln>
+                <a:effectLst/>
+                <a:latin typeface="JetBrains Mono"/>
+              </a:rPr>
+            </a:br>
+            <a:r>
+              <a:rPr kumimoji="0" lang="es-ES" altLang="es-ES" sz="1600" b="0" i="0" u="none" strike="noStrike" cap="none" normalizeH="0" baseline="0" dirty="0">
+                <a:ln>
+                  <a:noFill/>
+                </a:ln>
+                <a:effectLst/>
+                <a:latin typeface="JetBrains Mono"/>
+              </a:rPr>
+              <a:t>        { </a:t>
+            </a:r>
+            <a:r>
+              <a:rPr kumimoji="0" lang="es-ES" altLang="es-ES" sz="1600" b="0" i="0" u="none" strike="noStrike" cap="none" normalizeH="0" baseline="0" dirty="0" err="1">
+                <a:ln>
+                  <a:noFill/>
+                </a:ln>
+                <a:effectLst/>
+                <a:latin typeface="JetBrains Mono"/>
+              </a:rPr>
+              <a:t>duration</a:t>
+            </a:r>
+            <a:r>
+              <a:rPr kumimoji="0" lang="es-ES" altLang="es-ES" sz="1600" b="0" i="0" u="none" strike="noStrike" cap="none" normalizeH="0" baseline="0" dirty="0">
+                <a:ln>
+                  <a:noFill/>
+                </a:ln>
+                <a:effectLst/>
+                <a:latin typeface="JetBrains Mono"/>
+              </a:rPr>
+              <a:t>: '2m', target: 4000 },</a:t>
+            </a:r>
+            <a:br>
+              <a:rPr kumimoji="0" lang="es-ES" altLang="es-ES" sz="1600" b="0" i="0" u="none" strike="noStrike" cap="none" normalizeH="0" baseline="0" dirty="0">
+                <a:ln>
+                  <a:noFill/>
+                </a:ln>
+                <a:effectLst/>
+                <a:latin typeface="JetBrains Mono"/>
+              </a:rPr>
+            </a:br>
+            <a:r>
+              <a:rPr kumimoji="0" lang="es-ES" altLang="es-ES" sz="1600" b="0" i="0" u="none" strike="noStrike" cap="none" normalizeH="0" baseline="0" dirty="0">
+                <a:ln>
+                  <a:noFill/>
+                </a:ln>
+                <a:effectLst/>
+                <a:latin typeface="JetBrains Mono"/>
+              </a:rPr>
+              <a:t>        { </a:t>
+            </a:r>
+            <a:r>
+              <a:rPr kumimoji="0" lang="es-ES" altLang="es-ES" sz="1600" b="0" i="0" u="none" strike="noStrike" cap="none" normalizeH="0" baseline="0" dirty="0" err="1">
+                <a:ln>
+                  <a:noFill/>
+                </a:ln>
+                <a:effectLst/>
+                <a:latin typeface="JetBrains Mono"/>
+              </a:rPr>
+              <a:t>duration</a:t>
+            </a:r>
+            <a:r>
+              <a:rPr kumimoji="0" lang="es-ES" altLang="es-ES" sz="1600" b="0" i="0" u="none" strike="noStrike" cap="none" normalizeH="0" baseline="0" dirty="0">
+                <a:ln>
+                  <a:noFill/>
+                </a:ln>
+                <a:effectLst/>
+                <a:latin typeface="JetBrains Mono"/>
+              </a:rPr>
+              <a:t>: '2m', target: 0 },</a:t>
+            </a:r>
+            <a:br>
+              <a:rPr kumimoji="0" lang="es-ES" altLang="es-ES" sz="1600" b="0" i="0" u="none" strike="noStrike" cap="none" normalizeH="0" baseline="0" dirty="0">
+                <a:ln>
+                  <a:noFill/>
+                </a:ln>
+                <a:effectLst/>
+                <a:latin typeface="JetBrains Mono"/>
+              </a:rPr>
+            </a:br>
+            <a:r>
+              <a:rPr kumimoji="0" lang="es-ES" altLang="es-ES" sz="1600" b="0" i="0" u="none" strike="noStrike" cap="none" normalizeH="0" baseline="0" dirty="0">
+                <a:ln>
+                  <a:noFill/>
+                </a:ln>
+                <a:effectLst/>
+                <a:latin typeface="JetBrains Mono"/>
+              </a:rPr>
+              <a:t>    ],</a:t>
+            </a:r>
+            <a:br>
+              <a:rPr kumimoji="0" lang="es-ES" altLang="es-ES" sz="1600" b="0" i="0" u="none" strike="noStrike" cap="none" normalizeH="0" baseline="0" dirty="0">
+                <a:ln>
+                  <a:noFill/>
+                </a:ln>
+                <a:effectLst/>
+                <a:latin typeface="JetBrains Mono"/>
+              </a:rPr>
+            </a:br>
+            <a:r>
+              <a:rPr kumimoji="0" lang="es-ES" altLang="es-ES" sz="1600" b="0" i="0" u="none" strike="noStrike" cap="none" normalizeH="0" baseline="0" dirty="0">
+                <a:ln>
+                  <a:noFill/>
+                </a:ln>
+                <a:effectLst/>
+                <a:latin typeface="JetBrains Mono"/>
+              </a:rPr>
+              <a:t>    </a:t>
+            </a:r>
+            <a:r>
+              <a:rPr kumimoji="0" lang="es-ES" altLang="es-ES" sz="1600" b="0" i="0" u="none" strike="noStrike" cap="none" normalizeH="0" baseline="0" dirty="0" err="1">
+                <a:ln>
+                  <a:noFill/>
+                </a:ln>
+                <a:effectLst/>
+                <a:latin typeface="JetBrains Mono"/>
+              </a:rPr>
+              <a:t>thresholds</a:t>
+            </a:r>
+            <a:r>
+              <a:rPr kumimoji="0" lang="es-ES" altLang="es-ES" sz="1600" b="0" i="0" u="none" strike="noStrike" cap="none" normalizeH="0" baseline="0" dirty="0">
+                <a:ln>
+                  <a:noFill/>
+                </a:ln>
+                <a:effectLst/>
+                <a:latin typeface="JetBrains Mono"/>
+              </a:rPr>
+              <a:t>: {</a:t>
+            </a:r>
+            <a:br>
+              <a:rPr kumimoji="0" lang="es-ES" altLang="es-ES" sz="1600" b="0" i="0" u="none" strike="noStrike" cap="none" normalizeH="0" baseline="0" dirty="0">
+                <a:ln>
+                  <a:noFill/>
+                </a:ln>
+                <a:effectLst/>
+                <a:latin typeface="JetBrains Mono"/>
+              </a:rPr>
+            </a:br>
+            <a:r>
+              <a:rPr kumimoji="0" lang="es-ES" altLang="es-ES" sz="1600" b="0" i="0" u="none" strike="noStrike" cap="none" normalizeH="0" baseline="0" dirty="0">
+                <a:ln>
+                  <a:noFill/>
+                </a:ln>
+                <a:effectLst/>
+                <a:latin typeface="JetBrains Mono"/>
+              </a:rPr>
+              <a:t>        </a:t>
+            </a:r>
+            <a:r>
+              <a:rPr kumimoji="0" lang="es-ES" altLang="es-ES" sz="1600" b="0" i="0" u="none" strike="noStrike" cap="none" normalizeH="0" baseline="0" dirty="0" err="1">
+                <a:ln>
+                  <a:noFill/>
+                </a:ln>
+                <a:effectLst/>
+                <a:latin typeface="JetBrains Mono"/>
+              </a:rPr>
+              <a:t>http_req_failed</a:t>
+            </a:r>
+            <a:r>
+              <a:rPr kumimoji="0" lang="es-ES" altLang="es-ES" sz="1600" b="0" i="0" u="none" strike="noStrike" cap="none" normalizeH="0" baseline="0" dirty="0">
+                <a:ln>
+                  <a:noFill/>
+                </a:ln>
+                <a:effectLst/>
+                <a:latin typeface="JetBrains Mono"/>
+              </a:rPr>
+              <a:t>: [{ </a:t>
+            </a:r>
+            <a:r>
+              <a:rPr kumimoji="0" lang="es-ES" altLang="es-ES" sz="1600" b="0" i="0" u="none" strike="noStrike" cap="none" normalizeH="0" baseline="0" dirty="0" err="1">
+                <a:ln>
+                  <a:noFill/>
+                </a:ln>
+                <a:effectLst/>
+                <a:latin typeface="JetBrains Mono"/>
+              </a:rPr>
+              <a:t>threshold</a:t>
+            </a:r>
+            <a:r>
+              <a:rPr kumimoji="0" lang="es-ES" altLang="es-ES" sz="1600" b="0" i="0" u="none" strike="noStrike" cap="none" normalizeH="0" baseline="0" dirty="0">
+                <a:ln>
+                  <a:noFill/>
+                </a:ln>
+                <a:effectLst/>
+                <a:latin typeface="JetBrains Mono"/>
+              </a:rPr>
+              <a:t>: '</a:t>
+            </a:r>
+            <a:r>
+              <a:rPr kumimoji="0" lang="es-ES" altLang="es-ES" sz="1600" b="0" i="0" u="none" strike="noStrike" cap="none" normalizeH="0" baseline="0" dirty="0" err="1">
+                <a:ln>
+                  <a:noFill/>
+                </a:ln>
+                <a:effectLst/>
+                <a:latin typeface="JetBrains Mono"/>
+              </a:rPr>
+              <a:t>rate</a:t>
+            </a:r>
+            <a:r>
+              <a:rPr kumimoji="0" lang="es-ES" altLang="es-ES" sz="1600" b="0" i="0" u="none" strike="noStrike" cap="none" normalizeH="0" baseline="0" dirty="0">
+                <a:ln>
+                  <a:noFill/>
+                </a:ln>
+                <a:effectLst/>
+                <a:latin typeface="JetBrains Mono"/>
+              </a:rPr>
+              <a:t>&lt;=0.005', </a:t>
+            </a:r>
+            <a:r>
+              <a:rPr kumimoji="0" lang="es-ES" altLang="es-ES" sz="1600" b="0" i="0" u="none" strike="noStrike" cap="none" normalizeH="0" baseline="0" dirty="0" err="1">
+                <a:ln>
+                  <a:noFill/>
+                </a:ln>
+                <a:effectLst/>
+                <a:latin typeface="JetBrains Mono"/>
+              </a:rPr>
+              <a:t>abortOnFail</a:t>
+            </a:r>
+            <a:r>
+              <a:rPr kumimoji="0" lang="es-ES" altLang="es-ES" sz="1600" b="0" i="0" u="none" strike="noStrike" cap="none" normalizeH="0" baseline="0" dirty="0">
+                <a:ln>
+                  <a:noFill/>
+                </a:ln>
+                <a:effectLst/>
+                <a:latin typeface="JetBrains Mono"/>
+              </a:rPr>
+              <a:t>: true }],</a:t>
+            </a:r>
+            <a:br>
+              <a:rPr kumimoji="0" lang="es-ES" altLang="es-ES" sz="1600" b="0" i="0" u="none" strike="noStrike" cap="none" normalizeH="0" baseline="0" dirty="0">
+                <a:ln>
+                  <a:noFill/>
+                </a:ln>
+                <a:effectLst/>
+                <a:latin typeface="JetBrains Mono"/>
+              </a:rPr>
+            </a:br>
+            <a:r>
+              <a:rPr kumimoji="0" lang="es-ES" altLang="es-ES" sz="1600" b="0" i="0" u="none" strike="noStrike" cap="none" normalizeH="0" baseline="0" dirty="0">
+                <a:ln>
+                  <a:noFill/>
+                </a:ln>
+                <a:effectLst/>
+                <a:latin typeface="JetBrains Mono"/>
+              </a:rPr>
+              <a:t>    },</a:t>
+            </a:r>
+            <a:br>
+              <a:rPr kumimoji="0" lang="es-ES" altLang="es-ES" sz="1600" b="0" i="0" u="none" strike="noStrike" cap="none" normalizeH="0" baseline="0" dirty="0">
+                <a:ln>
+                  <a:noFill/>
+                </a:ln>
+                <a:effectLst/>
+                <a:latin typeface="JetBrains Mono"/>
+              </a:rPr>
+            </a:br>
+            <a:r>
+              <a:rPr kumimoji="0" lang="es-ES" altLang="es-ES" sz="1600" b="0" i="0" u="none" strike="noStrike" cap="none" normalizeH="0" baseline="0" dirty="0">
+                <a:ln>
+                  <a:noFill/>
+                </a:ln>
+                <a:effectLst/>
+                <a:latin typeface="JetBrains Mono"/>
+              </a:rPr>
+              <a:t>};</a:t>
+            </a:r>
+            <a:br>
+              <a:rPr kumimoji="0" lang="es-ES" altLang="es-ES" sz="1600" b="0" i="0" u="none" strike="noStrike" cap="none" normalizeH="0" baseline="0" dirty="0">
+                <a:ln>
+                  <a:noFill/>
+                </a:ln>
+                <a:effectLst/>
+                <a:latin typeface="JetBrains Mono"/>
+              </a:rPr>
+            </a:br>
+            <a:br>
+              <a:rPr kumimoji="0" lang="es-ES" altLang="es-ES" sz="1600" b="0" i="0" u="none" strike="noStrike" cap="none" normalizeH="0" baseline="0" dirty="0">
+                <a:ln>
+                  <a:noFill/>
+                </a:ln>
+                <a:effectLst/>
+                <a:latin typeface="JetBrains Mono"/>
+              </a:rPr>
+            </a:br>
+            <a:r>
+              <a:rPr kumimoji="0" lang="es-ES" altLang="es-ES" sz="1600" b="0" i="0" u="none" strike="noStrike" cap="none" normalizeH="0" baseline="0" dirty="0" err="1">
+                <a:ln>
+                  <a:noFill/>
+                </a:ln>
+                <a:effectLst/>
+                <a:latin typeface="JetBrains Mono"/>
+              </a:rPr>
+              <a:t>export</a:t>
+            </a:r>
+            <a:r>
+              <a:rPr kumimoji="0" lang="es-ES" altLang="es-ES" sz="1600" b="0" i="0" u="none" strike="noStrike" cap="none" normalizeH="0" baseline="0" dirty="0">
+                <a:ln>
+                  <a:noFill/>
+                </a:ln>
+                <a:effectLst/>
+                <a:latin typeface="JetBrains Mono"/>
+              </a:rPr>
+              <a:t> default </a:t>
+            </a:r>
+            <a:r>
+              <a:rPr kumimoji="0" lang="es-ES" altLang="es-ES" sz="1600" b="0" i="0" u="none" strike="noStrike" cap="none" normalizeH="0" baseline="0" dirty="0" err="1">
+                <a:ln>
+                  <a:noFill/>
+                </a:ln>
+                <a:effectLst/>
+                <a:latin typeface="JetBrains Mono"/>
+              </a:rPr>
+              <a:t>function</a:t>
+            </a:r>
+            <a:r>
+              <a:rPr kumimoji="0" lang="es-ES" altLang="es-ES" sz="1600" b="0" i="0" u="none" strike="noStrike" cap="none" normalizeH="0" baseline="0" dirty="0">
+                <a:ln>
+                  <a:noFill/>
+                </a:ln>
+                <a:effectLst/>
+                <a:latin typeface="JetBrains Mono"/>
+              </a:rPr>
+              <a:t> () {</a:t>
+            </a:r>
+            <a:br>
+              <a:rPr kumimoji="0" lang="es-ES" altLang="es-ES" sz="1600" b="0" i="0" u="none" strike="noStrike" cap="none" normalizeH="0" baseline="0" dirty="0">
+                <a:ln>
+                  <a:noFill/>
+                </a:ln>
+                <a:effectLst/>
+                <a:latin typeface="JetBrains Mono"/>
+              </a:rPr>
+            </a:br>
+            <a:r>
+              <a:rPr kumimoji="0" lang="es-ES" altLang="es-ES" sz="1600" b="0" i="0" u="none" strike="noStrike" cap="none" normalizeH="0" baseline="0" dirty="0">
+                <a:ln>
+                  <a:noFill/>
+                </a:ln>
+                <a:effectLst/>
+                <a:latin typeface="JetBrains Mono"/>
+              </a:rPr>
+              <a:t>    </a:t>
+            </a:r>
+            <a:r>
+              <a:rPr kumimoji="0" lang="es-ES" altLang="es-ES" sz="1600" b="0" i="0" u="none" strike="noStrike" cap="none" normalizeH="0" baseline="0" dirty="0" err="1">
+                <a:ln>
+                  <a:noFill/>
+                </a:ln>
+                <a:effectLst/>
+                <a:latin typeface="JetBrains Mono"/>
+              </a:rPr>
+              <a:t>http.get</a:t>
+            </a:r>
+            <a:r>
+              <a:rPr kumimoji="0" lang="es-ES" altLang="es-ES" sz="1600" b="0" i="0" u="none" strike="noStrike" cap="none" normalizeH="0" baseline="0" dirty="0">
+                <a:ln>
+                  <a:noFill/>
+                </a:ln>
+                <a:effectLst/>
+                <a:latin typeface="JetBrains Mono"/>
+              </a:rPr>
+              <a:t>('http://localhost:8080/');</a:t>
+            </a:r>
+            <a:br>
+              <a:rPr kumimoji="0" lang="es-ES" altLang="es-ES" sz="1600" b="0" i="0" u="none" strike="noStrike" cap="none" normalizeH="0" baseline="0" dirty="0">
+                <a:ln>
+                  <a:noFill/>
+                </a:ln>
+                <a:effectLst/>
+                <a:latin typeface="JetBrains Mono"/>
+              </a:rPr>
+            </a:br>
+            <a:r>
+              <a:rPr kumimoji="0" lang="es-ES" altLang="es-ES" sz="1600" b="0" i="0" u="none" strike="noStrike" cap="none" normalizeH="0" baseline="0" dirty="0">
+                <a:ln>
+                  <a:noFill/>
+                </a:ln>
+                <a:effectLst/>
+                <a:latin typeface="JetBrains Mono"/>
+              </a:rPr>
+              <a:t>}</a:t>
+            </a:r>
+            <a:endParaRPr kumimoji="0" lang="es-ES" altLang="es-ES" sz="1600" b="0" i="0" u="none" strike="noStrike" cap="none" normalizeH="0" baseline="0" dirty="0">
+              <a:ln>
+                <a:noFill/>
+              </a:ln>
+              <a:effectLst/>
+              <a:latin typeface="Arial" panose="020B0604020202020204" pitchFamily="34" charset="0"/>
+            </a:endParaRPr>
+          </a:p>
+        </p:txBody>
+      </p:sp>
+      <p:cxnSp>
+        <p:nvCxnSpPr>
+          <p:cNvPr id="16" name="Straight Connector 15">
+            <a:extLst>
+              <a:ext uri="{FF2B5EF4-FFF2-40B4-BE49-F238E27FC236}">
+                <a16:creationId xmlns:a16="http://schemas.microsoft.com/office/drawing/2014/main" id="{8E0104E4-99BC-494F-8342-F250828E574F}"/>
+              </a:ext>
+              <a:ext uri="{C183D7F6-B498-43B3-948B-1728B52AA6E4}">
+                <adec:decorative xmlns:adec="http://schemas.microsoft.com/office/drawing/2017/decorative" val="1"/>
+              </a:ext>
+            </a:extLst>
+          </p:cNvPr>
+          <p:cNvCxnSpPr>
+            <a:cxnSpLocks noGrp="1" noRot="1" noChangeAspect="1" noMove="1" noResize="1" noEditPoints="1" noAdjustHandles="1" noChangeArrowheads="1" noChangeShapeType="1"/>
+          </p:cNvCxnSpPr>
+          <p:nvPr>
+            <p:extLst>
+              <p:ext uri="{386F3935-93C4-4BCD-93E2-E3B085C9AB24}">
+                <p16:designElem xmlns:p16="http://schemas.microsoft.com/office/powerpoint/2015/main" val="1"/>
+              </p:ext>
+            </p:extLst>
+          </p:nvPr>
+        </p:nvCxnSpPr>
+        <p:spPr>
+          <a:xfrm>
+            <a:off x="809065" y="6145599"/>
+            <a:ext cx="10582835" cy="0"/>
+          </a:xfrm>
+          <a:prstGeom prst="line">
+            <a:avLst/>
+          </a:prstGeom>
+          <a:ln w="12700">
+            <a:solidFill>
+              <a:schemeClr val="tx1"/>
+            </a:solidFill>
+          </a:ln>
+        </p:spPr>
+        <p:style>
+          <a:lnRef idx="1">
+            <a:schemeClr val="accent1"/>
+          </a:lnRef>
+          <a:fillRef idx="0">
+            <a:schemeClr val="accent1"/>
+          </a:fillRef>
+          <a:effectRef idx="0">
+            <a:schemeClr val="accent1"/>
+          </a:effectRef>
+          <a:fontRef idx="minor">
+            <a:schemeClr val="tx1"/>
+          </a:fontRef>
+        </p:style>
+      </p:cxnSp>
+    </p:spTree>
+    <p:extLst>
+      <p:ext uri="{BB962C8B-B14F-4D97-AF65-F5344CB8AC3E}">
+        <p14:creationId xmlns:p14="http://schemas.microsoft.com/office/powerpoint/2010/main" val="2715178476"/>
+      </p:ext>
+    </p:extLst>
+  </p:cSld>
+  <p:clrMapOvr>
+    <a:masterClrMapping/>
+  </p:clrMapOvr>
+  <p:timing>
+    <p:tnLst>
+      <p:par>
+        <p:cTn id="1" dur="indefinite" restart="never" nodeType="tmRoot">
+          <p:childTnLst>
+            <p:seq concurrent="1" nextAc="seek">
+              <p:cTn id="2" dur="indefinite" nodeType="mainSeq">
+                <p:childTnLst>
+                  <p:par>
+                    <p:cTn id="3" fill="hold">
+                      <p:stCondLst>
+                        <p:cond delay="indefinite"/>
+                        <p:cond evt="onBegin" delay="0">
+                          <p:tn val="2"/>
+                        </p:cond>
+                      </p:stCondLst>
+                      <p:childTnLst>
+                        <p:par>
+                          <p:cTn id="4" fill="hold">
+                            <p:stCondLst>
+                              <p:cond delay="0"/>
+                            </p:stCondLst>
+                            <p:childTnLst>
+                              <p:par>
+                                <p:cTn id="5" presetID="10" presetClass="entr" presetSubtype="0" fill="hold" nodeType="afterEffect">
+                                  <p:stCondLst>
+                                    <p:cond delay="0"/>
+                                  </p:stCondLst>
+                                  <p:childTnLst>
+                                    <p:set>
+                                      <p:cBhvr>
+                                        <p:cTn id="6" dur="1" fill="hold">
+                                          <p:stCondLst>
+                                            <p:cond delay="0"/>
+                                          </p:stCondLst>
+                                        </p:cTn>
+                                        <p:tgtEl>
+                                          <p:spTgt spid="7"/>
+                                        </p:tgtEl>
+                                        <p:attrNameLst>
+                                          <p:attrName>style.visibility</p:attrName>
+                                        </p:attrNameLst>
+                                      </p:cBhvr>
+                                      <p:to>
+                                        <p:strVal val="visible"/>
+                                      </p:to>
+                                    </p:set>
+                                    <p:animEffect transition="in" filter="fade">
+                                      <p:cBhvr>
+                                        <p:cTn id="7" dur="500"/>
+                                        <p:tgtEl>
+                                          <p:spTgt spid="7"/>
+                                        </p:tgtEl>
+                                      </p:cBhvr>
+                                    </p:animEffect>
+                                  </p:childTnLst>
+                                </p:cTn>
+                              </p:par>
+                            </p:childTnLst>
+                          </p:cTn>
+                        </p:par>
+                      </p:childTnLst>
+                    </p:cTn>
+                  </p:par>
+                  <p:par>
+                    <p:cTn id="8" fill="hold">
+                      <p:stCondLst>
+                        <p:cond delay="indefinite"/>
+                      </p:stCondLst>
+                      <p:childTnLst>
+                        <p:par>
+                          <p:cTn id="9" fill="hold">
+                            <p:stCondLst>
+                              <p:cond delay="0"/>
+                            </p:stCondLst>
+                            <p:childTnLst>
+                              <p:par>
+                                <p:cTn id="10" presetID="1" presetClass="entr" presetSubtype="0" fill="hold" grpId="0" nodeType="clickEffect">
+                                  <p:stCondLst>
+                                    <p:cond delay="0"/>
+                                  </p:stCondLst>
+                                  <p:childTnLst>
+                                    <p:set>
+                                      <p:cBhvr>
+                                        <p:cTn id="11" dur="1" fill="hold">
+                                          <p:stCondLst>
+                                            <p:cond delay="0"/>
+                                          </p:stCondLst>
+                                        </p:cTn>
+                                        <p:tgtEl>
+                                          <p:spTgt spid="5">
+                                            <p:txEl>
+                                              <p:pRg st="0" end="0"/>
+                                            </p:txEl>
+                                          </p:spTgt>
+                                        </p:tgtEl>
+                                        <p:attrNameLst>
+                                          <p:attrName>style.visibility</p:attrName>
+                                        </p:attrNameLst>
+                                      </p:cBhvr>
+                                      <p:to>
+                                        <p:strVal val="visible"/>
+                                      </p:to>
+                                    </p:set>
+                                  </p:childTnLst>
+                                </p:cTn>
+                              </p:par>
+                            </p:childTnLst>
+                          </p:cTn>
+                        </p:par>
+                      </p:childTnLst>
+                    </p:cTn>
+                  </p:par>
+                </p:childTnLst>
+              </p:cTn>
+              <p:prevCondLst>
+                <p:cond evt="onPrev" delay="0">
+                  <p:tgtEl>
+                    <p:sldTgt/>
+                  </p:tgtEl>
+                </p:cond>
+              </p:prevCondLst>
+              <p:nextCondLst>
+                <p:cond evt="onNext" delay="0">
+                  <p:tgtEl>
+                    <p:sldTgt/>
+                  </p:tgtEl>
+                </p:cond>
+              </p:nextCondLst>
+            </p:seq>
+          </p:childTnLst>
+        </p:cTn>
+      </p:par>
+    </p:tnLst>
+    <p:bldLst>
+      <p:bldP spid="5" grpId="0" build="p"/>
+    </p:bldLst>
+  </p:timing>
+</p:sld>
+</file>
+
+<file path=ppt/slides/slide9.xml><?xml version="1.0" encoding="utf-8"?>
+<p:sld xmlns:a="http://schemas.openxmlformats.org/drawingml/2006/main" xmlns:r="http://schemas.openxmlformats.org/officeDocument/2006/relationships" xmlns:p="http://schemas.openxmlformats.org/presentationml/2006/main">
+  <p:cSld>
+    <p:bg>
+      <p:bgPr>
+        <a:solidFill>
+          <a:schemeClr val="bg1"/>
+        </a:solidFill>
+        <a:effectLst/>
+      </p:bgPr>
+    </p:bg>
+    <p:spTree>
+      <p:nvGrpSpPr>
+        <p:cNvPr id="1" name=""/>
+        <p:cNvGrpSpPr/>
+        <p:nvPr/>
+      </p:nvGrpSpPr>
+      <p:grpSpPr>
+        <a:xfrm>
+          <a:off x="0" y="0"/>
+          <a:ext cx="0" cy="0"/>
+          <a:chOff x="0" y="0"/>
+          <a:chExt cx="0" cy="0"/>
+        </a:xfrm>
+      </p:grpSpPr>
+      <p:cxnSp>
+        <p:nvCxnSpPr>
+          <p:cNvPr id="5127" name="Straight Connector 5126">
+            <a:extLst>
+              <a:ext uri="{FF2B5EF4-FFF2-40B4-BE49-F238E27FC236}">
+                <a16:creationId xmlns:a16="http://schemas.microsoft.com/office/drawing/2014/main" id="{F64F9B95-9045-48D2-B9F3-2927E98F54AA}"/>
+              </a:ext>
+              <a:ext uri="{C183D7F6-B498-43B3-948B-1728B52AA6E4}">
+                <adec:decorative xmlns:adec="http://schemas.microsoft.com/office/drawing/2017/decorative" val="1"/>
+              </a:ext>
+            </a:extLst>
+          </p:cNvPr>
+          <p:cNvCxnSpPr>
+            <a:cxnSpLocks noGrp="1" noRot="1" noChangeAspect="1" noMove="1" noResize="1" noEditPoints="1" noAdjustHandles="1" noChangeArrowheads="1" noChangeShapeType="1"/>
+          </p:cNvCxnSpPr>
+          <p:nvPr>
+            <p:extLst>
+              <p:ext uri="{386F3935-93C4-4BCD-93E2-E3B085C9AB24}">
+                <p16:designElem xmlns:p16="http://schemas.microsoft.com/office/powerpoint/2015/main" val="1"/>
+              </p:ext>
+            </p:extLst>
+          </p:nvPr>
+        </p:nvCxnSpPr>
+        <p:spPr>
+          <a:xfrm>
+            <a:off x="800100" y="723900"/>
+            <a:ext cx="10591800" cy="0"/>
+          </a:xfrm>
+          <a:prstGeom prst="line">
+            <a:avLst/>
+          </a:prstGeom>
+          <a:ln w="44450">
+            <a:solidFill>
+              <a:schemeClr val="tx1"/>
+            </a:solidFill>
+          </a:ln>
+        </p:spPr>
+        <p:style>
+          <a:lnRef idx="1">
+            <a:schemeClr val="accent1"/>
+          </a:lnRef>
+          <a:fillRef idx="0">
+            <a:schemeClr val="accent1"/>
+          </a:fillRef>
+          <a:effectRef idx="0">
+            <a:schemeClr val="accent1"/>
+          </a:effectRef>
+          <a:fontRef idx="minor">
+            <a:schemeClr val="tx1"/>
+          </a:fontRef>
+        </p:style>
+      </p:cxnSp>
+      <p:cxnSp>
+        <p:nvCxnSpPr>
+          <p:cNvPr id="5129" name="Straight Connector 5128">
+            <a:extLst>
+              <a:ext uri="{FF2B5EF4-FFF2-40B4-BE49-F238E27FC236}">
+                <a16:creationId xmlns:a16="http://schemas.microsoft.com/office/drawing/2014/main" id="{085AA86F-6A4D-4BCB-A045-D992CDC2959B}"/>
+              </a:ext>
+              <a:ext uri="{C183D7F6-B498-43B3-948B-1728B52AA6E4}">
+                <adec:decorative xmlns:adec="http://schemas.microsoft.com/office/drawing/2017/decorative" val="1"/>
+              </a:ext>
+            </a:extLst>
+          </p:cNvPr>
+          <p:cNvCxnSpPr>
+            <a:cxnSpLocks noGrp="1" noRot="1" noChangeAspect="1" noMove="1" noResize="1" noEditPoints="1" noAdjustHandles="1" noChangeArrowheads="1" noChangeShapeType="1"/>
+          </p:cNvCxnSpPr>
+          <p:nvPr>
+            <p:extLst>
+              <p:ext uri="{386F3935-93C4-4BCD-93E2-E3B085C9AB24}">
+                <p16:designElem xmlns:p16="http://schemas.microsoft.com/office/powerpoint/2015/main" val="1"/>
+              </p:ext>
+            </p:extLst>
+          </p:nvPr>
+        </p:nvCxnSpPr>
+        <p:spPr>
+          <a:xfrm>
+            <a:off x="800100" y="6142781"/>
+            <a:ext cx="10591800" cy="0"/>
+          </a:xfrm>
+          <a:prstGeom prst="line">
+            <a:avLst/>
+          </a:prstGeom>
+          <a:ln w="12700">
+            <a:solidFill>
+              <a:schemeClr val="tx1"/>
+            </a:solidFill>
+          </a:ln>
+        </p:spPr>
+        <p:style>
+          <a:lnRef idx="1">
+            <a:schemeClr val="accent1"/>
+          </a:lnRef>
+          <a:fillRef idx="0">
+            <a:schemeClr val="accent1"/>
+          </a:fillRef>
+          <a:effectRef idx="0">
+            <a:schemeClr val="accent1"/>
+          </a:effectRef>
+          <a:fontRef idx="minor">
+            <a:schemeClr val="tx1"/>
+          </a:fontRef>
+        </p:style>
+      </p:cxnSp>
+      <p:sp useBgFill="1">
+        <p:nvSpPr>
+          <p:cNvPr id="5131" name="Rectangle 5130">
+            <a:extLst>
+              <a:ext uri="{FF2B5EF4-FFF2-40B4-BE49-F238E27FC236}">
+                <a16:creationId xmlns:a16="http://schemas.microsoft.com/office/drawing/2014/main" id="{33E93247-6229-44AB-A550-739E971E690B}"/>
+              </a:ext>
+              <a:ext uri="{C183D7F6-B498-43B3-948B-1728B52AA6E4}">
+                <adec:decorative xmlns:adec="http://schemas.microsoft.com/office/drawing/2017/decorative" val="1"/>
+              </a:ext>
+            </a:extLst>
+          </p:cNvPr>
+          <p:cNvSpPr>
+            <a:spLocks noGrp="1" noRot="1" noChangeAspect="1" noMove="1" noResize="1" noEditPoints="1" noAdjustHandles="1" noChangeArrowheads="1" noChangeShapeType="1" noTextEdit="1"/>
+          </p:cNvSpPr>
+          <p:nvPr>
+            <p:extLst>
+              <p:ext uri="{386F3935-93C4-4BCD-93E2-E3B085C9AB24}">
+                <p16:designElem xmlns:p16="http://schemas.microsoft.com/office/powerpoint/2015/main" val="1"/>
+              </p:ext>
+            </p:extLst>
+          </p:nvPr>
+        </p:nvSpPr>
+        <p:spPr>
+          <a:xfrm>
+            <a:off x="0" y="0"/>
+            <a:ext cx="12192000" cy="6858000"/>
+          </a:xfrm>
+          <a:prstGeom prst="rect">
+            <a:avLst/>
+          </a:prstGeom>
+          <a:ln w="12700" cap="flat" cmpd="sng" algn="ctr">
+            <a:noFill/>
+            <a:prstDash val="solid"/>
+            <a:miter lim="800000"/>
+          </a:ln>
+          <a:effectLst/>
+          <a:extLst>
+            <a:ext uri="{91240B29-F687-4F45-9708-019B960494DF}">
+              <a14:hiddenLine xmlns:a14="http://schemas.microsoft.com/office/drawing/2010/main" w="12700" cap="flat" cmpd="sng" algn="ctr">
+                <a:solidFill>
+                  <a:schemeClr val="accent1">
+                    <a:shade val="50000"/>
+                  </a:schemeClr>
+                </a:solidFill>
+                <a:prstDash val="solid"/>
+                <a:miter lim="800000"/>
+              </a14:hiddenLine>
+            </a:ext>
+          </a:extLst>
+        </p:spPr>
+        <p:style>
+          <a:lnRef idx="2">
+            <a:schemeClr val="accent1">
+              <a:shade val="50000"/>
+            </a:schemeClr>
+          </a:lnRef>
+          <a:fillRef idx="1">
+            <a:schemeClr val="accent1"/>
+          </a:fillRef>
+          <a:effectRef idx="0">
+            <a:schemeClr val="accent1"/>
+          </a:effectRef>
+          <a:fontRef idx="minor">
+            <a:schemeClr val="lt1"/>
+          </a:fontRef>
+        </p:style>
+        <p:txBody>
+          <a:bodyPr rtlCol="0" anchor="ctr"/>
+          <a:lstStyle/>
+          <a:p>
+            <a:pPr algn="ctr"/>
+            <a:endParaRPr lang="en-US"/>
+          </a:p>
+        </p:txBody>
+      </p:sp>
+      <p:sp>
+        <p:nvSpPr>
+          <p:cNvPr id="2" name="Title 1">
+            <a:extLst>
+              <a:ext uri="{FF2B5EF4-FFF2-40B4-BE49-F238E27FC236}">
+                <a16:creationId xmlns:a16="http://schemas.microsoft.com/office/drawing/2014/main" id="{E8E79197-6E5B-E6BA-95AD-B05AC599D54C}"/>
+              </a:ext>
+            </a:extLst>
+          </p:cNvPr>
+          <p:cNvSpPr>
+            <a:spLocks noGrp="1"/>
+          </p:cNvSpPr>
+          <p:nvPr>
+            <p:ph type="title"/>
+          </p:nvPr>
+        </p:nvSpPr>
+        <p:spPr>
+          <a:xfrm>
+            <a:off x="1969770" y="5852162"/>
+            <a:ext cx="5965190" cy="746854"/>
+          </a:xfrm>
+        </p:spPr>
+        <p:txBody>
+          <a:bodyPr vert="horz" lIns="91440" tIns="45720" rIns="91440" bIns="45720" rtlCol="0" anchor="t">
+            <a:normAutofit/>
+          </a:bodyPr>
+          <a:lstStyle/>
+          <a:p>
+            <a:pPr>
+              <a:lnSpc>
+                <a:spcPct val="90000"/>
+              </a:lnSpc>
+            </a:pPr>
+            <a:r>
+              <a:rPr lang="en-US" sz="2200" dirty="0"/>
+              <a:t>Y </a:t>
+            </a:r>
+            <a:r>
+              <a:rPr lang="en-US" sz="2200" dirty="0" err="1"/>
+              <a:t>Pruebas</a:t>
+            </a:r>
+            <a:r>
+              <a:rPr lang="en-US" sz="2200" dirty="0"/>
+              <a:t> end to end con playwright!!</a:t>
+            </a:r>
+          </a:p>
+        </p:txBody>
+      </p:sp>
+      <p:pic>
+        <p:nvPicPr>
+          <p:cNvPr id="5122" name="Picture 2" descr="Meme Creator - Funny Delete E2e tests Meme Generator at MemeCreator.org!">
+            <a:extLst>
+              <a:ext uri="{FF2B5EF4-FFF2-40B4-BE49-F238E27FC236}">
+                <a16:creationId xmlns:a16="http://schemas.microsoft.com/office/drawing/2014/main" id="{7277CA5B-B4CA-9AD4-7F9B-F584E215ED8E}"/>
+              </a:ext>
+            </a:extLst>
+          </p:cNvPr>
+          <p:cNvPicPr>
+            <a:picLocks noChangeAspect="1" noChangeArrowheads="1"/>
+          </p:cNvPicPr>
+          <p:nvPr/>
+        </p:nvPicPr>
+        <p:blipFill>
+          <a:blip r:embed="rId2">
+            <a:extLst>
+              <a:ext uri="{28A0092B-C50C-407E-A947-70E740481C1C}">
+                <a14:useLocalDpi xmlns:a14="http://schemas.microsoft.com/office/drawing/2010/main" val="0"/>
+              </a:ext>
+            </a:extLst>
+          </a:blip>
+          <a:stretch>
+            <a:fillRect/>
+          </a:stretch>
+        </p:blipFill>
+        <p:spPr bwMode="auto">
+          <a:xfrm>
+            <a:off x="3497763" y="406400"/>
+            <a:ext cx="5196474" cy="5196474"/>
+          </a:xfrm>
+          <a:prstGeom prst="rect">
+            <a:avLst/>
+          </a:prstGeom>
+          <a:noFill/>
+          <a:extLst>
+            <a:ext uri="{909E8E84-426E-40DD-AFC4-6F175D3DCCD1}">
+              <a14:hiddenFill xmlns:a14="http://schemas.microsoft.com/office/drawing/2010/main">
+                <a:solidFill>
+                  <a:srgbClr val="FFFFFF"/>
+                </a:solidFill>
+              </a14:hiddenFill>
+            </a:ext>
+          </a:extLst>
+        </p:spPr>
+      </p:pic>
+      <p:cxnSp>
+        <p:nvCxnSpPr>
+          <p:cNvPr id="5133" name="Straight Connector 5132">
+            <a:extLst>
+              <a:ext uri="{FF2B5EF4-FFF2-40B4-BE49-F238E27FC236}">
+                <a16:creationId xmlns:a16="http://schemas.microsoft.com/office/drawing/2014/main" id="{EE2E603F-4A95-4FE8-BB06-211DFD75DBEF}"/>
+              </a:ext>
+              <a:ext uri="{C183D7F6-B498-43B3-948B-1728B52AA6E4}">
+                <adec:decorative xmlns:adec="http://schemas.microsoft.com/office/drawing/2017/decorative" val="1"/>
+              </a:ext>
+            </a:extLst>
+          </p:cNvPr>
+          <p:cNvCxnSpPr>
+            <a:cxnSpLocks noGrp="1" noRot="1" noChangeAspect="1" noMove="1" noResize="1" noEditPoints="1" noAdjustHandles="1" noChangeArrowheads="1" noChangeShapeType="1"/>
+          </p:cNvCxnSpPr>
+          <p:nvPr>
+            <p:extLst>
+              <p:ext uri="{386F3935-93C4-4BCD-93E2-E3B085C9AB24}">
+                <p16:designElem xmlns:p16="http://schemas.microsoft.com/office/powerpoint/2015/main" val="1"/>
+              </p:ext>
+            </p:extLst>
+          </p:nvPr>
+        </p:nvCxnSpPr>
+        <p:spPr>
+          <a:xfrm>
+            <a:off x="1969770" y="5719083"/>
+            <a:ext cx="8229600" cy="0"/>
+          </a:xfrm>
+          <a:prstGeom prst="line">
+            <a:avLst/>
+          </a:prstGeom>
+          <a:ln w="44450">
+            <a:solidFill>
+              <a:schemeClr val="tx1"/>
+            </a:solidFill>
+          </a:ln>
+        </p:spPr>
+        <p:style>
+          <a:lnRef idx="1">
+            <a:schemeClr val="accent1"/>
+          </a:lnRef>
+          <a:fillRef idx="0">
+            <a:schemeClr val="accent1"/>
+          </a:fillRef>
+          <a:effectRef idx="0">
+            <a:schemeClr val="accent1"/>
+          </a:effectRef>
+          <a:fontRef idx="minor">
+            <a:schemeClr val="tx1"/>
+          </a:fontRef>
+        </p:style>
+      </p:cxnSp>
     </p:spTree>
     <p:extLst>
       <p:ext uri="{BB962C8B-B14F-4D97-AF65-F5344CB8AC3E}">
@@ -6728,109 +9743,6 @@
                       </p:childTnLst>
                     </p:cTn>
                   </p:par>
-                  <p:par>
-                    <p:cTn id="8" fill="hold">
-                      <p:stCondLst>
-                        <p:cond delay="indefinite"/>
-                      </p:stCondLst>
-                      <p:childTnLst>
-                        <p:par>
-                          <p:cTn id="9" fill="hold">
-                            <p:stCondLst>
-                              <p:cond delay="0"/>
-                            </p:stCondLst>
-                            <p:childTnLst>
-                              <p:par>
-                                <p:cTn id="10" presetID="2" presetClass="entr" presetSubtype="4" fill="hold" grpId="0" nodeType="clickEffect">
-                                  <p:stCondLst>
-                                    <p:cond delay="0"/>
-                                  </p:stCondLst>
-                                  <p:childTnLst>
-                                    <p:set>
-                                      <p:cBhvr>
-                                        <p:cTn id="11" dur="1" fill="hold">
-                                          <p:stCondLst>
-                                            <p:cond delay="0"/>
-                                          </p:stCondLst>
-                                        </p:cTn>
-                                        <p:tgtEl>
-                                          <p:spTgt spid="4">
-                                            <p:txEl>
-                                              <p:pRg st="0" end="0"/>
-                                            </p:txEl>
-                                          </p:spTgt>
-                                        </p:tgtEl>
-                                        <p:attrNameLst>
-                                          <p:attrName>style.visibility</p:attrName>
-                                        </p:attrNameLst>
-                                      </p:cBhvr>
-                                      <p:to>
-                                        <p:strVal val="visible"/>
-                                      </p:to>
-                                    </p:set>
-                                    <p:anim calcmode="lin" valueType="num">
-                                      <p:cBhvr additive="base">
-                                        <p:cTn id="12" dur="500" fill="hold"/>
-                                        <p:tgtEl>
-                                          <p:spTgt spid="4">
-                                            <p:txEl>
-                                              <p:pRg st="0" end="0"/>
-                                            </p:txEl>
-                                          </p:spTgt>
-                                        </p:tgtEl>
-                                        <p:attrNameLst>
-                                          <p:attrName>ppt_x</p:attrName>
-                                        </p:attrNameLst>
-                                      </p:cBhvr>
-                                      <p:tavLst>
-                                        <p:tav tm="0">
-                                          <p:val>
-                                            <p:strVal val="#ppt_x"/>
-                                          </p:val>
-                                        </p:tav>
-                                        <p:tav tm="100000">
-                                          <p:val>
-                                            <p:strVal val="#ppt_x"/>
-                                          </p:val>
-                                        </p:tav>
-                                      </p:tavLst>
-                                    </p:anim>
-                                    <p:anim calcmode="lin" valueType="num">
-                                      <p:cBhvr additive="base">
-                                        <p:cTn id="13" dur="500" fill="hold"/>
-                                        <p:tgtEl>
-                                          <p:spTgt spid="4">
-                                            <p:txEl>
-                                              <p:pRg st="0" end="0"/>
-                                            </p:txEl>
-                                          </p:spTgt>
-                                        </p:tgtEl>
-                                        <p:attrNameLst>
-                                          <p:attrName>ppt_y</p:attrName>
-                                        </p:attrNameLst>
-                                      </p:cBhvr>
-                                      <p:tavLst>
-                                        <p:tav tm="0">
-                                          <p:val>
-                                            <p:strVal val="1+#ppt_h/2"/>
-                                          </p:val>
-                                        </p:tav>
-                                        <p:tav tm="100000">
-                                          <p:val>
-                                            <p:strVal val="#ppt_y"/>
-                                          </p:val>
-                                        </p:tav>
-                                      </p:tavLst>
-                                    </p:anim>
-                                  </p:childTnLst>
-                                </p:cTn>
-                              </p:par>
-                            </p:childTnLst>
-                          </p:cTn>
-                        </p:par>
-                      </p:childTnLst>
-                    </p:cTn>
-                  </p:par>
                 </p:childTnLst>
               </p:cTn>
               <p:prevCondLst>
@@ -6854,7 +9766,6 @@
     </p:tnLst>
     <p:bldLst>
       <p:bldP spid="2" grpId="0"/>
-      <p:bldP spid="4" grpId="0" build="p"/>
     </p:bldLst>
   </p:timing>
 </p:sld>
